--- a/CleanCode/Docs/Wprowadzenie do SOLID&CleanCode.pptx
+++ b/CleanCode/Docs/Wprowadzenie do SOLID&CleanCode.pptx
@@ -25,40 +25,50 @@
     <p:sldId id="273" r:id="rId19"/>
     <p:sldId id="274" r:id="rId20"/>
     <p:sldId id="275" r:id="rId21"/>
-    <p:sldId id="277" r:id="rId22"/>
-    <p:sldId id="276" r:id="rId23"/>
-    <p:sldId id="278" r:id="rId24"/>
-    <p:sldId id="279" r:id="rId25"/>
-    <p:sldId id="280" r:id="rId26"/>
-    <p:sldId id="281" r:id="rId27"/>
-    <p:sldId id="282" r:id="rId28"/>
-    <p:sldId id="283" r:id="rId29"/>
-    <p:sldId id="284" r:id="rId30"/>
-    <p:sldId id="285" r:id="rId31"/>
-    <p:sldId id="286" r:id="rId32"/>
-    <p:sldId id="287" r:id="rId33"/>
-    <p:sldId id="288" r:id="rId34"/>
-    <p:sldId id="289" r:id="rId35"/>
-    <p:sldId id="290" r:id="rId36"/>
-    <p:sldId id="291" r:id="rId37"/>
-    <p:sldId id="292" r:id="rId38"/>
-    <p:sldId id="293" r:id="rId39"/>
-    <p:sldId id="294" r:id="rId40"/>
-    <p:sldId id="295" r:id="rId41"/>
-    <p:sldId id="296" r:id="rId42"/>
-    <p:sldId id="297" r:id="rId43"/>
-    <p:sldId id="298" r:id="rId44"/>
-    <p:sldId id="299" r:id="rId45"/>
-    <p:sldId id="300" r:id="rId46"/>
-    <p:sldId id="301" r:id="rId47"/>
-    <p:sldId id="302" r:id="rId48"/>
-    <p:sldId id="303" r:id="rId49"/>
-    <p:sldId id="304" r:id="rId50"/>
-    <p:sldId id="305" r:id="rId51"/>
-    <p:sldId id="306" r:id="rId52"/>
-    <p:sldId id="307" r:id="rId53"/>
-    <p:sldId id="308" r:id="rId54"/>
-    <p:sldId id="309" r:id="rId55"/>
+    <p:sldId id="317" r:id="rId22"/>
+    <p:sldId id="318" r:id="rId23"/>
+    <p:sldId id="277" r:id="rId24"/>
+    <p:sldId id="276" r:id="rId25"/>
+    <p:sldId id="278" r:id="rId26"/>
+    <p:sldId id="279" r:id="rId27"/>
+    <p:sldId id="280" r:id="rId28"/>
+    <p:sldId id="281" r:id="rId29"/>
+    <p:sldId id="282" r:id="rId30"/>
+    <p:sldId id="283" r:id="rId31"/>
+    <p:sldId id="284" r:id="rId32"/>
+    <p:sldId id="285" r:id="rId33"/>
+    <p:sldId id="286" r:id="rId34"/>
+    <p:sldId id="287" r:id="rId35"/>
+    <p:sldId id="288" r:id="rId36"/>
+    <p:sldId id="289" r:id="rId37"/>
+    <p:sldId id="290" r:id="rId38"/>
+    <p:sldId id="291" r:id="rId39"/>
+    <p:sldId id="310" r:id="rId40"/>
+    <p:sldId id="292" r:id="rId41"/>
+    <p:sldId id="293" r:id="rId42"/>
+    <p:sldId id="294" r:id="rId43"/>
+    <p:sldId id="295" r:id="rId44"/>
+    <p:sldId id="296" r:id="rId45"/>
+    <p:sldId id="297" r:id="rId46"/>
+    <p:sldId id="298" r:id="rId47"/>
+    <p:sldId id="299" r:id="rId48"/>
+    <p:sldId id="311" r:id="rId49"/>
+    <p:sldId id="300" r:id="rId50"/>
+    <p:sldId id="301" r:id="rId51"/>
+    <p:sldId id="302" r:id="rId52"/>
+    <p:sldId id="303" r:id="rId53"/>
+    <p:sldId id="304" r:id="rId54"/>
+    <p:sldId id="312" r:id="rId55"/>
+    <p:sldId id="313" r:id="rId56"/>
+    <p:sldId id="305" r:id="rId57"/>
+    <p:sldId id="314" r:id="rId58"/>
+    <p:sldId id="306" r:id="rId59"/>
+    <p:sldId id="307" r:id="rId60"/>
+    <p:sldId id="308" r:id="rId61"/>
+    <p:sldId id="309" r:id="rId62"/>
+    <p:sldId id="316" r:id="rId63"/>
+    <p:sldId id="315" r:id="rId64"/>
+    <p:sldId id="319" r:id="rId65"/>
   </p:sldIdLst>
   <p:sldSz cx="9144000" cy="6858000" type="screen4x3"/>
   <p:notesSz cx="6858000" cy="9144000"/>
@@ -3167,21 +3177,37 @@
           <a:p>
             <a:r>
               <a:rPr lang="pl-PL" dirty="0" smtClean="0"/>
-              <a:t>Wprowadzenie do SOLID</a:t>
+              <a:t>Wprowadzenie do </a:t>
+            </a:r>
+            <a:r>
+              <a:rPr lang="pl-PL" dirty="0" smtClean="0"/>
+              <a:t>SOLID</a:t>
+            </a:r>
+            <a:r>
+              <a:rPr lang="pl-PL" dirty="0" smtClean="0"/>
+              <a:t/>
             </a:r>
             <a:br>
               <a:rPr lang="pl-PL" dirty="0" smtClean="0"/>
             </a:br>
             <a:r>
               <a:rPr lang="pl-PL" dirty="0" smtClean="0"/>
+              <a:t>Inne </a:t>
+            </a:r>
+            <a:r>
+              <a:rPr lang="pl-PL" dirty="0"/>
+              <a:t>zasady</a:t>
+            </a:r>
+            <a:br>
+              <a:rPr lang="pl-PL" dirty="0"/>
+            </a:br>
+            <a:r>
+              <a:rPr lang="pl-PL" dirty="0"/>
               <a:t>Zły kod</a:t>
             </a:r>
-            <a:br>
-              <a:rPr lang="pl-PL" dirty="0" smtClean="0"/>
-            </a:br>
-            <a:r>
-              <a:rPr lang="pl-PL" dirty="0" smtClean="0"/>
-              <a:t>Inne zasady</a:t>
+            <a:r>
+              <a:rPr lang="pl-PL" dirty="0" smtClean="0"/>
+              <a:t/>
             </a:r>
             <a:br>
               <a:rPr lang="pl-PL" dirty="0" smtClean="0"/>
@@ -4426,36 +4452,45 @@
         </p:nvSpPr>
         <p:spPr/>
         <p:txBody>
+          <a:bodyPr>
+            <a:normAutofit/>
+          </a:bodyPr>
+          <a:lstStyle/>
+          <a:p>
+            <a:r>
+              <a:rPr lang="en-GB" b="1" dirty="0" err="1" smtClean="0"/>
+              <a:t>Modułowość</a:t>
+            </a:r>
+            <a:endParaRPr lang="en-GB" dirty="0"/>
+          </a:p>
+        </p:txBody>
+      </p:sp>
+      <p:sp>
+        <p:nvSpPr>
+          <p:cNvPr id="3" name="Content Placeholder 2"/>
+          <p:cNvSpPr>
+            <a:spLocks noGrp="1"/>
+          </p:cNvSpPr>
+          <p:nvPr>
+            <p:ph idx="1"/>
+          </p:nvPr>
+        </p:nvSpPr>
+        <p:spPr/>
+        <p:txBody>
           <a:bodyPr/>
           <a:lstStyle/>
           <a:p>
             <a:r>
-              <a:rPr lang="pl-PL" dirty="0" smtClean="0"/>
-              <a:t>ZŁY KOD</a:t>
-            </a:r>
-            <a:endParaRPr lang="en-GB" dirty="0"/>
-          </a:p>
-        </p:txBody>
-      </p:sp>
-      <p:sp>
-        <p:nvSpPr>
-          <p:cNvPr id="3" name="Content Placeholder 2"/>
-          <p:cNvSpPr>
-            <a:spLocks noGrp="1"/>
-          </p:cNvSpPr>
-          <p:nvPr>
-            <p:ph idx="1"/>
-          </p:nvPr>
-        </p:nvSpPr>
-        <p:spPr/>
-        <p:txBody>
-          <a:bodyPr/>
-          <a:lstStyle/>
-          <a:p>
-            <a:r>
-              <a:rPr lang="pl-PL" dirty="0" smtClean="0"/>
-              <a:t>Przykłady</a:t>
-            </a:r>
+              <a:rPr lang="pl-PL" dirty="0"/>
+              <a:t>Dzielenie dużych programów na mniejsze moduły ma wiele sensu. Małe moduły są łatwe do testowania, łatwiej je wielokrotnie wykorzystać oraz można nad nimi pracować niezależnie od innych modułów. Niewielkie moduły są także łatwiejsze do rozszerzania i utrzymania.</a:t>
+            </a:r>
+            <a:r>
+              <a:rPr lang="pl-PL" dirty="0"/>
+              <a:t> </a:t>
+            </a:r>
+            <a:br>
+              <a:rPr lang="pl-PL" dirty="0"/>
+            </a:br>
             <a:endParaRPr lang="en-GB" dirty="0"/>
           </a:p>
         </p:txBody>
@@ -4463,7 +4498,7 @@
     </p:spTree>
     <p:extLst>
       <p:ext uri="{BB962C8B-B14F-4D97-AF65-F5344CB8AC3E}">
-        <p14:creationId xmlns:p14="http://schemas.microsoft.com/office/powerpoint/2010/main" val="2300072586"/>
+        <p14:creationId xmlns:p14="http://schemas.microsoft.com/office/powerpoint/2010/main" val="3541420690"/>
       </p:ext>
     </p:extLst>
   </p:cSld>
@@ -4505,6 +4540,177 @@
           <a:bodyPr/>
           <a:lstStyle/>
           <a:p>
+            <a:endParaRPr lang="en-GB"/>
+          </a:p>
+        </p:txBody>
+      </p:sp>
+      <p:sp>
+        <p:nvSpPr>
+          <p:cNvPr id="3" name="Content Placeholder 2"/>
+          <p:cNvSpPr>
+            <a:spLocks noGrp="1"/>
+          </p:cNvSpPr>
+          <p:nvPr>
+            <p:ph idx="1"/>
+          </p:nvPr>
+        </p:nvSpPr>
+        <p:spPr/>
+        <p:txBody>
+          <a:bodyPr>
+            <a:normAutofit lnSpcReduction="10000"/>
+          </a:bodyPr>
+          <a:lstStyle/>
+          <a:p>
+            <a:r>
+              <a:rPr lang="pl-PL" dirty="0"/>
+              <a:t>W ramach tego samego projektu kod dzieli się na moduły poprzez dodanie folderów odpowiadających przestrzeniom nazw. </a:t>
+            </a:r>
+            <a:endParaRPr lang="pl-PL" dirty="0" smtClean="0"/>
+          </a:p>
+          <a:p>
+            <a:r>
+              <a:rPr lang="pl-PL" dirty="0"/>
+              <a:t>Kolejną cechą wynikającą z prawidłowej modułowości jest czytelność kodu — jeśli moduły są niewielkie i proste, to czytanie ich jest łatwe.</a:t>
+            </a:r>
+            <a:r>
+              <a:rPr lang="pl-PL" dirty="0"/>
+              <a:t> </a:t>
+            </a:r>
+            <a:br>
+              <a:rPr lang="pl-PL" dirty="0"/>
+            </a:br>
+            <a:r>
+              <a:rPr lang="pl-PL" dirty="0"/>
+              <a:t/>
+            </a:r>
+            <a:br>
+              <a:rPr lang="pl-PL" dirty="0"/>
+            </a:br>
+            <a:endParaRPr lang="en-GB" dirty="0"/>
+          </a:p>
+        </p:txBody>
+      </p:sp>
+    </p:spTree>
+    <p:extLst>
+      <p:ext uri="{BB962C8B-B14F-4D97-AF65-F5344CB8AC3E}">
+        <p14:creationId xmlns:p14="http://schemas.microsoft.com/office/powerpoint/2010/main" val="3991767063"/>
+      </p:ext>
+    </p:extLst>
+  </p:cSld>
+  <p:clrMapOvr>
+    <a:masterClrMapping/>
+  </p:clrMapOvr>
+</p:sld>
+</file>
+
+<file path=ppt/slides/slide23.xml><?xml version="1.0" encoding="utf-8"?>
+<p:sld xmlns:a="http://schemas.openxmlformats.org/drawingml/2006/main" xmlns:r="http://schemas.openxmlformats.org/officeDocument/2006/relationships" xmlns:p="http://schemas.openxmlformats.org/presentationml/2006/main">
+  <p:cSld>
+    <p:spTree>
+      <p:nvGrpSpPr>
+        <p:cNvPr id="1" name=""/>
+        <p:cNvGrpSpPr/>
+        <p:nvPr/>
+      </p:nvGrpSpPr>
+      <p:grpSpPr>
+        <a:xfrm>
+          <a:off x="0" y="0"/>
+          <a:ext cx="0" cy="0"/>
+          <a:chOff x="0" y="0"/>
+          <a:chExt cx="0" cy="0"/>
+        </a:xfrm>
+      </p:grpSpPr>
+      <p:sp>
+        <p:nvSpPr>
+          <p:cNvPr id="2" name="Title 1"/>
+          <p:cNvSpPr>
+            <a:spLocks noGrp="1"/>
+          </p:cNvSpPr>
+          <p:nvPr>
+            <p:ph type="title"/>
+          </p:nvPr>
+        </p:nvSpPr>
+        <p:spPr/>
+        <p:txBody>
+          <a:bodyPr/>
+          <a:lstStyle/>
+          <a:p>
+            <a:r>
+              <a:rPr lang="pl-PL" dirty="0" smtClean="0"/>
+              <a:t>ZŁY KOD</a:t>
+            </a:r>
+            <a:endParaRPr lang="en-GB" dirty="0"/>
+          </a:p>
+        </p:txBody>
+      </p:sp>
+      <p:sp>
+        <p:nvSpPr>
+          <p:cNvPr id="3" name="Content Placeholder 2"/>
+          <p:cNvSpPr>
+            <a:spLocks noGrp="1"/>
+          </p:cNvSpPr>
+          <p:nvPr>
+            <p:ph idx="1"/>
+          </p:nvPr>
+        </p:nvSpPr>
+        <p:spPr/>
+        <p:txBody>
+          <a:bodyPr/>
+          <a:lstStyle/>
+          <a:p>
+            <a:r>
+              <a:rPr lang="pl-PL" dirty="0" smtClean="0"/>
+              <a:t>Przykłady</a:t>
+            </a:r>
+            <a:endParaRPr lang="en-GB" dirty="0"/>
+          </a:p>
+        </p:txBody>
+      </p:sp>
+    </p:spTree>
+    <p:extLst>
+      <p:ext uri="{BB962C8B-B14F-4D97-AF65-F5344CB8AC3E}">
+        <p14:creationId xmlns:p14="http://schemas.microsoft.com/office/powerpoint/2010/main" val="2300072586"/>
+      </p:ext>
+    </p:extLst>
+  </p:cSld>
+  <p:clrMapOvr>
+    <a:masterClrMapping/>
+  </p:clrMapOvr>
+</p:sld>
+</file>
+
+<file path=ppt/slides/slide24.xml><?xml version="1.0" encoding="utf-8"?>
+<p:sld xmlns:a="http://schemas.openxmlformats.org/drawingml/2006/main" xmlns:r="http://schemas.openxmlformats.org/officeDocument/2006/relationships" xmlns:p="http://schemas.openxmlformats.org/presentationml/2006/main">
+  <p:cSld>
+    <p:spTree>
+      <p:nvGrpSpPr>
+        <p:cNvPr id="1" name=""/>
+        <p:cNvGrpSpPr/>
+        <p:nvPr/>
+      </p:nvGrpSpPr>
+      <p:grpSpPr>
+        <a:xfrm>
+          <a:off x="0" y="0"/>
+          <a:ext cx="0" cy="0"/>
+          <a:chOff x="0" y="0"/>
+          <a:chExt cx="0" cy="0"/>
+        </a:xfrm>
+      </p:grpSpPr>
+      <p:sp>
+        <p:nvSpPr>
+          <p:cNvPr id="2" name="Title 1"/>
+          <p:cNvSpPr>
+            <a:spLocks noGrp="1"/>
+          </p:cNvSpPr>
+          <p:nvPr>
+            <p:ph type="title"/>
+          </p:nvPr>
+        </p:nvSpPr>
+        <p:spPr/>
+        <p:txBody>
+          <a:bodyPr/>
+          <a:lstStyle/>
+          <a:p>
             <a:r>
               <a:rPr lang="pl-PL" dirty="0" smtClean="0"/>
               <a:t>ZŁY KOD</a:t>
@@ -4523,14 +4729,14 @@
             <p:ph idx="1"/>
             <p:extLst>
               <p:ext uri="{D42A27DB-BD31-4B8C-83A1-F6EECF244321}">
-                <p14:modId xmlns:p14="http://schemas.microsoft.com/office/powerpoint/2010/main" val="813967745"/>
+                <p14:modId xmlns:p14="http://schemas.microsoft.com/office/powerpoint/2010/main" val="1086441240"/>
               </p:ext>
             </p:extLst>
           </p:nvPr>
         </p:nvGraphicFramePr>
         <p:xfrm>
-          <a:off x="395536" y="1340768"/>
-          <a:ext cx="8229600" cy="5425440"/>
+          <a:off x="395536" y="1268760"/>
+          <a:ext cx="8229600" cy="5085080"/>
         </p:xfrm>
         <a:graphic>
           <a:graphicData uri="http://schemas.openxmlformats.org/drawingml/2006/table">
@@ -4566,7 +4772,7 @@
                         <a:defRPr/>
                       </a:pPr>
                       <a:r>
-                        <a:rPr lang="pl-PL" sz="1800" b="0" kern="1200" dirty="0" smtClean="0">
+                        <a:rPr lang="pl-PL" sz="1600" b="1" kern="1200" dirty="0" smtClean="0">
                           <a:solidFill>
                             <a:schemeClr val="tx1"/>
                           </a:solidFill>
@@ -4578,7 +4784,7 @@
                         <a:t>#1</a:t>
                       </a:r>
                       <a:r>
-                        <a:rPr lang="pl-PL" sz="1800" b="0" kern="1200" baseline="0" dirty="0" smtClean="0">
+                        <a:rPr lang="pl-PL" sz="1600" b="1" kern="1200" baseline="0" dirty="0" smtClean="0">
                           <a:solidFill>
                             <a:schemeClr val="tx1"/>
                           </a:solidFill>
@@ -4590,7 +4796,7 @@
                         <a:t> </a:t>
                       </a:r>
                       <a:r>
-                        <a:rPr lang="en-GB" sz="1800" b="0" kern="1200" dirty="0" err="1" smtClean="0">
+                        <a:rPr lang="en-GB" sz="1600" b="1" kern="1200" dirty="0" err="1" smtClean="0">
                           <a:solidFill>
                             <a:schemeClr val="tx1"/>
                           </a:solidFill>
@@ -4602,7 +4808,7 @@
                         <a:t>Niewłaściwe</a:t>
                       </a:r>
                       <a:r>
-                        <a:rPr lang="en-GB" sz="1800" b="0" kern="1200" dirty="0" smtClean="0">
+                        <a:rPr lang="en-GB" sz="1600" b="1" kern="1200" dirty="0" smtClean="0">
                           <a:solidFill>
                             <a:schemeClr val="tx1"/>
                           </a:solidFill>
@@ -4614,7 +4820,7 @@
                         <a:t> </a:t>
                       </a:r>
                       <a:r>
-                        <a:rPr lang="en-GB" sz="1800" b="0" kern="1200" dirty="0" err="1" smtClean="0">
+                        <a:rPr lang="en-GB" sz="1600" b="1" kern="1200" dirty="0" err="1" smtClean="0">
                           <a:solidFill>
                             <a:schemeClr val="tx1"/>
                           </a:solidFill>
@@ -4625,7 +4831,7 @@
                         </a:rPr>
                         <a:t>wcięcia</a:t>
                       </a:r>
-                      <a:endParaRPr lang="en-GB" sz="1800" b="0" kern="1200" dirty="0" smtClean="0">
+                      <a:endParaRPr lang="en-GB" sz="1600" b="1" kern="1200" dirty="0" smtClean="0">
                         <a:solidFill>
                           <a:schemeClr val="tx1"/>
                         </a:solidFill>
@@ -4644,7 +4850,7 @@
                     <a:lstStyle/>
                     <a:p>
                       <a:r>
-                        <a:rPr lang="pl-PL" sz="1800" b="0" kern="1200" dirty="0" smtClean="0">
+                        <a:rPr lang="pl-PL" sz="1600" b="1" kern="1200" dirty="0" smtClean="0">
                           <a:solidFill>
                             <a:schemeClr val="tx1"/>
                           </a:solidFill>
@@ -4653,9 +4859,21 @@
                           <a:ea typeface="+mn-ea"/>
                           <a:cs typeface="+mn-cs"/>
                         </a:rPr>
-                        <a:t>Metody zawierające więcej niż 10 wierszy kodu</a:t>
+                        <a:t>#12 Metody </a:t>
                       </a:r>
-                      <a:endParaRPr lang="en-GB" b="0" dirty="0">
+                      <a:r>
+                        <a:rPr lang="pl-PL" sz="1600" b="1" kern="1200" dirty="0" smtClean="0">
+                          <a:solidFill>
+                            <a:schemeClr val="tx1"/>
+                          </a:solidFill>
+                          <a:effectLst/>
+                          <a:latin typeface="+mn-lt"/>
+                          <a:ea typeface="+mn-ea"/>
+                          <a:cs typeface="+mn-cs"/>
+                        </a:rPr>
+                        <a:t>zawierające więcej niż 10 wierszy kodu</a:t>
+                      </a:r>
+                      <a:endParaRPr lang="en-GB" sz="1600" b="1" dirty="0">
                         <a:solidFill>
                           <a:schemeClr val="tx1"/>
                         </a:solidFill>
@@ -4689,7 +4907,7 @@
                         <a:defRPr/>
                       </a:pPr>
                       <a:r>
-                        <a:rPr lang="pl-PL" sz="1800" kern="1200" dirty="0" smtClean="0">
+                        <a:rPr lang="pl-PL" sz="1600" b="1" kern="1200" dirty="0" smtClean="0">
                           <a:solidFill>
                             <a:schemeClr val="dk1"/>
                           </a:solidFill>
@@ -4700,7 +4918,7 @@
                         </a:rPr>
                         <a:t>#2 Komentarze zawierające oczywiste stwierdzenia</a:t>
                       </a:r>
-                      <a:endParaRPr lang="en-GB" sz="1800" kern="1200" dirty="0" smtClean="0">
+                      <a:endParaRPr lang="en-GB" sz="1600" b="1" kern="1200" dirty="0" smtClean="0">
                         <a:solidFill>
                           <a:schemeClr val="dk1"/>
                         </a:solidFill>
@@ -4719,7 +4937,7 @@
                     <a:lstStyle/>
                     <a:p>
                       <a:r>
-                        <a:rPr lang="pl-PL" sz="1800" kern="1200" dirty="0" smtClean="0">
+                        <a:rPr lang="pl-PL" sz="1600" b="1" kern="1200" dirty="0" smtClean="0">
                           <a:solidFill>
                             <a:schemeClr val="dk1"/>
                           </a:solidFill>
@@ -4728,9 +4946,21 @@
                           <a:ea typeface="+mn-ea"/>
                           <a:cs typeface="+mn-cs"/>
                         </a:rPr>
-                        <a:t>Metody z więcej niż dwoma parametrami</a:t>
+                        <a:t>#13 Metody </a:t>
                       </a:r>
-                      <a:endParaRPr lang="en-GB" dirty="0"/>
+                      <a:r>
+                        <a:rPr lang="pl-PL" sz="1600" b="1" kern="1200" dirty="0" smtClean="0">
+                          <a:solidFill>
+                            <a:schemeClr val="dk1"/>
+                          </a:solidFill>
+                          <a:effectLst/>
+                          <a:latin typeface="+mn-lt"/>
+                          <a:ea typeface="+mn-ea"/>
+                          <a:cs typeface="+mn-cs"/>
+                        </a:rPr>
+                        <a:t>z więcej niż dwoma parametrami</a:t>
+                      </a:r>
+                      <a:endParaRPr lang="en-GB" sz="1600" b="1" dirty="0"/>
                     </a:p>
                   </a:txBody>
                   <a:tcPr/>
@@ -4743,7 +4973,7 @@
                     <a:lstStyle/>
                     <a:p>
                       <a:r>
-                        <a:rPr lang="pl-PL" sz="1800" kern="1200" dirty="0" smtClean="0">
+                        <a:rPr lang="pl-PL" sz="1600" b="1" kern="1200" dirty="0" smtClean="0">
                           <a:solidFill>
                             <a:schemeClr val="dk1"/>
                           </a:solidFill>
@@ -4754,7 +4984,7 @@
                         </a:rPr>
                         <a:t>#3 Komentarze, które usprawiedliwiają zły kod</a:t>
                       </a:r>
-                      <a:endParaRPr lang="en-GB" dirty="0"/>
+                      <a:endParaRPr lang="en-GB" sz="1600" b="1" dirty="0"/>
                     </a:p>
                   </a:txBody>
                   <a:tcPr/>
@@ -4782,7 +5012,7 @@
                         <a:defRPr/>
                       </a:pPr>
                       <a:r>
-                        <a:rPr lang="pl-PL" sz="1800" kern="1200" dirty="0" smtClean="0">
+                        <a:rPr lang="pl-PL" sz="1600" b="1" kern="1200" dirty="0" smtClean="0">
                           <a:solidFill>
                             <a:schemeClr val="dk1"/>
                           </a:solidFill>
@@ -4791,9 +5021,45 @@
                           <a:ea typeface="+mn-ea"/>
                           <a:cs typeface="+mn-cs"/>
                         </a:rPr>
-                        <a:t>Korzystanie z wyjątków do sterowania przepływem programu</a:t>
+                        <a:t>#14</a:t>
                       </a:r>
-                      <a:endParaRPr lang="en-GB" sz="1800" kern="1200" dirty="0" smtClean="0">
+                      <a:r>
+                        <a:rPr lang="pl-PL" sz="1600" b="1" kern="1200" baseline="0" dirty="0" smtClean="0">
+                          <a:solidFill>
+                            <a:schemeClr val="dk1"/>
+                          </a:solidFill>
+                          <a:effectLst/>
+                          <a:latin typeface="+mn-lt"/>
+                          <a:ea typeface="+mn-ea"/>
+                          <a:cs typeface="+mn-cs"/>
+                        </a:rPr>
+                        <a:t> </a:t>
+                      </a:r>
+                      <a:r>
+                        <a:rPr lang="pl-PL" sz="1600" b="1" kern="1200" dirty="0" smtClean="0">
+                          <a:solidFill>
+                            <a:schemeClr val="dk1"/>
+                          </a:solidFill>
+                          <a:effectLst/>
+                          <a:latin typeface="+mn-lt"/>
+                          <a:ea typeface="+mn-ea"/>
+                          <a:cs typeface="+mn-cs"/>
+                        </a:rPr>
+                        <a:t>Korzystanie </a:t>
+                      </a:r>
+                      <a:r>
+                        <a:rPr lang="pl-PL" sz="1600" b="1" kern="1200" dirty="0" smtClean="0">
+                          <a:solidFill>
+                            <a:schemeClr val="dk1"/>
+                          </a:solidFill>
+                          <a:effectLst/>
+                          <a:latin typeface="+mn-lt"/>
+                          <a:ea typeface="+mn-ea"/>
+                          <a:cs typeface="+mn-cs"/>
+                        </a:rPr>
+                        <a:t>z wyjątków do sterowania przepływem programu</a:t>
+                      </a:r>
+                      <a:endParaRPr lang="en-GB" sz="1600" b="1" kern="1200" dirty="0" smtClean="0">
                         <a:solidFill>
                           <a:schemeClr val="dk1"/>
                         </a:solidFill>
@@ -4814,7 +5080,7 @@
                     <a:lstStyle/>
                     <a:p>
                       <a:r>
-                        <a:rPr lang="pl-PL" sz="1800" kern="1200" dirty="0" smtClean="0">
+                        <a:rPr lang="pl-PL" sz="1600" b="1" kern="1200" dirty="0" smtClean="0">
                           <a:solidFill>
                             <a:schemeClr val="dk1"/>
                           </a:solidFill>
@@ -4825,7 +5091,7 @@
                         </a:rPr>
                         <a:t>#4 Zakomentowane wiersze kodu</a:t>
                       </a:r>
-                      <a:endParaRPr lang="en-GB" dirty="0"/>
+                      <a:endParaRPr lang="en-GB" sz="1600" b="1" dirty="0"/>
                     </a:p>
                   </a:txBody>
                   <a:tcPr/>
@@ -4836,7 +5102,19 @@
                     <a:lstStyle/>
                     <a:p>
                       <a:r>
-                        <a:rPr lang="en-GB" sz="1800" kern="1200" dirty="0" err="1" smtClean="0">
+                        <a:rPr lang="pl-PL" sz="1600" b="1" kern="1200" dirty="0" smtClean="0">
+                          <a:solidFill>
+                            <a:schemeClr val="dk1"/>
+                          </a:solidFill>
+                          <a:effectLst/>
+                          <a:latin typeface="+mn-lt"/>
+                          <a:ea typeface="+mn-ea"/>
+                          <a:cs typeface="+mn-cs"/>
+                        </a:rPr>
+                        <a:t>#15 </a:t>
+                      </a:r>
+                      <a:r>
+                        <a:rPr lang="en-GB" sz="1600" b="1" kern="1200" dirty="0" err="1" smtClean="0">
                           <a:solidFill>
                             <a:schemeClr val="dk1"/>
                           </a:solidFill>
@@ -4848,7 +5126,7 @@
                         <a:t>Kod</a:t>
                       </a:r>
                       <a:r>
-                        <a:rPr lang="en-GB" sz="1800" kern="1200" dirty="0" smtClean="0">
+                        <a:rPr lang="en-GB" sz="1600" b="1" kern="1200" dirty="0" smtClean="0">
                           <a:solidFill>
                             <a:schemeClr val="dk1"/>
                           </a:solidFill>
@@ -4860,7 +5138,7 @@
                         <a:t> </a:t>
                       </a:r>
                       <a:r>
-                        <a:rPr lang="en-GB" sz="1800" kern="1200" dirty="0" err="1" smtClean="0">
+                        <a:rPr lang="en-GB" sz="1600" b="1" kern="1200" dirty="0" err="1" smtClean="0">
                           <a:solidFill>
                             <a:schemeClr val="dk1"/>
                           </a:solidFill>
@@ -4872,7 +5150,7 @@
                         <a:t>trudny</a:t>
                       </a:r>
                       <a:r>
-                        <a:rPr lang="en-GB" sz="1800" kern="1200" dirty="0" smtClean="0">
+                        <a:rPr lang="en-GB" sz="1600" b="1" kern="1200" dirty="0" smtClean="0">
                           <a:solidFill>
                             <a:schemeClr val="dk1"/>
                           </a:solidFill>
@@ -4884,7 +5162,7 @@
                         <a:t> do </a:t>
                       </a:r>
                       <a:r>
-                        <a:rPr lang="en-GB" sz="1800" kern="1200" dirty="0" err="1" smtClean="0">
+                        <a:rPr lang="en-GB" sz="1600" b="1" kern="1200" dirty="0" err="1" smtClean="0">
                           <a:solidFill>
                             <a:schemeClr val="dk1"/>
                           </a:solidFill>
@@ -4895,7 +5173,7 @@
                         </a:rPr>
                         <a:t>czytania</a:t>
                       </a:r>
-                      <a:endParaRPr lang="en-GB" dirty="0"/>
+                      <a:endParaRPr lang="en-GB" sz="1600" b="1" dirty="0"/>
                     </a:p>
                   </a:txBody>
                   <a:tcPr/>
@@ -4925,7 +5203,7 @@
                         <a:defRPr/>
                       </a:pPr>
                       <a:r>
-                        <a:rPr lang="pl-PL" sz="1800" kern="1200" dirty="0" smtClean="0">
+                        <a:rPr lang="pl-PL" sz="1600" b="1" kern="1200" dirty="0" smtClean="0">
                           <a:solidFill>
                             <a:schemeClr val="dk1"/>
                           </a:solidFill>
@@ -4936,7 +5214,7 @@
                         </a:rPr>
                         <a:t>#5 Nieprawidłowa organizacja za pomocą przestrzeni nazw</a:t>
                       </a:r>
-                      <a:endParaRPr lang="en-GB" sz="1800" kern="1200" dirty="0" smtClean="0">
+                      <a:endParaRPr lang="en-GB" sz="1600" b="1" kern="1200" dirty="0" smtClean="0">
                         <a:solidFill>
                           <a:schemeClr val="dk1"/>
                         </a:solidFill>
@@ -4955,7 +5233,19 @@
                     <a:lstStyle/>
                     <a:p>
                       <a:r>
-                        <a:rPr lang="en-GB" sz="1800" kern="1200" dirty="0" err="1" smtClean="0">
+                        <a:rPr lang="pl-PL" sz="1600" b="1" kern="1200" dirty="0" smtClean="0">
+                          <a:solidFill>
+                            <a:schemeClr val="dk1"/>
+                          </a:solidFill>
+                          <a:effectLst/>
+                          <a:latin typeface="+mn-lt"/>
+                          <a:ea typeface="+mn-ea"/>
+                          <a:cs typeface="+mn-cs"/>
+                        </a:rPr>
+                        <a:t>#16 </a:t>
+                      </a:r>
+                      <a:r>
+                        <a:rPr lang="en-GB" sz="1600" b="1" kern="1200" dirty="0" err="1" smtClean="0">
                           <a:solidFill>
                             <a:schemeClr val="dk1"/>
                           </a:solidFill>
@@ -4967,7 +5257,7 @@
                         <a:t>Kod</a:t>
                       </a:r>
                       <a:r>
-                        <a:rPr lang="en-GB" sz="1800" kern="1200" dirty="0" smtClean="0">
+                        <a:rPr lang="en-GB" sz="1600" b="1" kern="1200" dirty="0" smtClean="0">
                           <a:solidFill>
                             <a:schemeClr val="dk1"/>
                           </a:solidFill>
@@ -4979,7 +5269,7 @@
                         <a:t> </a:t>
                       </a:r>
                       <a:r>
-                        <a:rPr lang="en-GB" sz="1800" kern="1200" dirty="0" err="1" smtClean="0">
+                        <a:rPr lang="en-GB" sz="1600" b="1" kern="1200" dirty="0" err="1" smtClean="0">
                           <a:solidFill>
                             <a:schemeClr val="dk1"/>
                           </a:solidFill>
@@ -4991,7 +5281,7 @@
                         <a:t>zawierający</a:t>
                       </a:r>
                       <a:r>
-                        <a:rPr lang="en-GB" sz="1800" kern="1200" dirty="0" smtClean="0">
+                        <a:rPr lang="en-GB" sz="1600" b="1" kern="1200" dirty="0" smtClean="0">
                           <a:solidFill>
                             <a:schemeClr val="dk1"/>
                           </a:solidFill>
@@ -5003,7 +5293,7 @@
                         <a:t> </a:t>
                       </a:r>
                       <a:r>
-                        <a:rPr lang="en-GB" sz="1800" kern="1200" dirty="0" err="1" smtClean="0">
+                        <a:rPr lang="en-GB" sz="1600" b="1" kern="1200" dirty="0" err="1" smtClean="0">
                           <a:solidFill>
                             <a:schemeClr val="dk1"/>
                           </a:solidFill>
@@ -5015,7 +5305,7 @@
                         <a:t>ścisłe</a:t>
                       </a:r>
                       <a:r>
-                        <a:rPr lang="en-GB" sz="1800" kern="1200" dirty="0" smtClean="0">
+                        <a:rPr lang="en-GB" sz="1600" b="1" kern="1200" dirty="0" smtClean="0">
                           <a:solidFill>
                             <a:schemeClr val="dk1"/>
                           </a:solidFill>
@@ -5027,7 +5317,7 @@
                         <a:t> </a:t>
                       </a:r>
                       <a:r>
-                        <a:rPr lang="en-GB" sz="1800" kern="1200" dirty="0" err="1" smtClean="0">
+                        <a:rPr lang="en-GB" sz="1600" b="1" kern="1200" dirty="0" err="1" smtClean="0">
                           <a:solidFill>
                             <a:schemeClr val="dk1"/>
                           </a:solidFill>
@@ -5038,7 +5328,7 @@
                         </a:rPr>
                         <a:t>sprzężenia</a:t>
                       </a:r>
-                      <a:endParaRPr lang="en-GB" dirty="0"/>
+                      <a:endParaRPr lang="en-GB" sz="1600" b="1" dirty="0"/>
                     </a:p>
                   </a:txBody>
                   <a:tcPr/>
@@ -5051,7 +5341,7 @@
                     <a:lstStyle/>
                     <a:p>
                       <a:r>
-                        <a:rPr lang="pl-PL" sz="1800" kern="1200" dirty="0" smtClean="0">
+                        <a:rPr lang="pl-PL" sz="1600" b="1" kern="1200" dirty="0" smtClean="0">
                           <a:solidFill>
                             <a:schemeClr val="dk1"/>
                           </a:solidFill>
@@ -5063,7 +5353,7 @@
                         <a:t>#6 </a:t>
                       </a:r>
                       <a:r>
-                        <a:rPr lang="en-GB" sz="1800" kern="1200" dirty="0" err="1" smtClean="0">
+                        <a:rPr lang="en-GB" sz="1600" b="1" kern="1200" dirty="0" err="1" smtClean="0">
                           <a:solidFill>
                             <a:schemeClr val="dk1"/>
                           </a:solidFill>
@@ -5075,7 +5365,7 @@
                         <a:t>Złe</a:t>
                       </a:r>
                       <a:r>
-                        <a:rPr lang="en-GB" sz="1800" kern="1200" dirty="0" smtClean="0">
+                        <a:rPr lang="en-GB" sz="1600" b="1" kern="1200" dirty="0" smtClean="0">
                           <a:solidFill>
                             <a:schemeClr val="dk1"/>
                           </a:solidFill>
@@ -5087,7 +5377,7 @@
                         <a:t> </a:t>
                       </a:r>
                       <a:r>
-                        <a:rPr lang="en-GB" sz="1800" kern="1200" dirty="0" err="1" smtClean="0">
+                        <a:rPr lang="en-GB" sz="1600" b="1" kern="1200" dirty="0" err="1" smtClean="0">
                           <a:solidFill>
                             <a:schemeClr val="dk1"/>
                           </a:solidFill>
@@ -5099,7 +5389,7 @@
                         <a:t>konwencje</a:t>
                       </a:r>
                       <a:r>
-                        <a:rPr lang="en-GB" sz="1800" kern="1200" dirty="0" smtClean="0">
+                        <a:rPr lang="en-GB" sz="1600" b="1" kern="1200" dirty="0" smtClean="0">
                           <a:solidFill>
                             <a:schemeClr val="dk1"/>
                           </a:solidFill>
@@ -5111,7 +5401,7 @@
                         <a:t> </a:t>
                       </a:r>
                       <a:r>
-                        <a:rPr lang="en-GB" sz="1800" kern="1200" dirty="0" err="1" smtClean="0">
+                        <a:rPr lang="en-GB" sz="1600" b="1" kern="1200" dirty="0" err="1" smtClean="0">
                           <a:solidFill>
                             <a:schemeClr val="dk1"/>
                           </a:solidFill>
@@ -5122,7 +5412,7 @@
                         </a:rPr>
                         <a:t>nazewnictwa</a:t>
                       </a:r>
-                      <a:endParaRPr lang="en-GB" dirty="0"/>
+                      <a:endParaRPr lang="en-GB" sz="1600" b="1" dirty="0"/>
                     </a:p>
                   </a:txBody>
                   <a:tcPr/>
@@ -5133,7 +5423,7 @@
                     <a:lstStyle/>
                     <a:p>
                       <a:r>
-                        <a:rPr lang="pl-PL" sz="1800" kern="1200" dirty="0" smtClean="0">
+                        <a:rPr lang="pl-PL" sz="1600" b="1" kern="1200" dirty="0" smtClean="0">
                           <a:solidFill>
                             <a:schemeClr val="dk1"/>
                           </a:solidFill>
@@ -5142,9 +5432,21 @@
                           <a:ea typeface="+mn-ea"/>
                           <a:cs typeface="+mn-cs"/>
                         </a:rPr>
-                        <a:t>Niska spójność kodu</a:t>
+                        <a:t>#17 Niska </a:t>
                       </a:r>
-                      <a:endParaRPr lang="en-GB" dirty="0"/>
+                      <a:r>
+                        <a:rPr lang="pl-PL" sz="1600" b="1" kern="1200" dirty="0" smtClean="0">
+                          <a:solidFill>
+                            <a:schemeClr val="dk1"/>
+                          </a:solidFill>
+                          <a:effectLst/>
+                          <a:latin typeface="+mn-lt"/>
+                          <a:ea typeface="+mn-ea"/>
+                          <a:cs typeface="+mn-cs"/>
+                        </a:rPr>
+                        <a:t>spójność kodu</a:t>
+                      </a:r>
+                      <a:endParaRPr lang="en-GB" sz="1600" b="1" dirty="0"/>
                     </a:p>
                   </a:txBody>
                   <a:tcPr/>
@@ -5157,7 +5459,7 @@
                     <a:lstStyle/>
                     <a:p>
                       <a:r>
-                        <a:rPr lang="pl-PL" sz="1800" kern="1200" dirty="0" smtClean="0">
+                        <a:rPr lang="pl-PL" sz="1600" b="1" kern="1200" dirty="0" smtClean="0">
                           <a:solidFill>
                             <a:schemeClr val="dk1"/>
                           </a:solidFill>
@@ -5168,7 +5470,7 @@
                         </a:rPr>
                         <a:t>#7 Klasy, które wykonują wiele zadań</a:t>
                       </a:r>
-                      <a:endParaRPr lang="en-GB" dirty="0"/>
+                      <a:endParaRPr lang="en-GB" sz="1600" b="1" dirty="0"/>
                     </a:p>
                   </a:txBody>
                   <a:tcPr/>
@@ -5179,7 +5481,7 @@
                     <a:lstStyle/>
                     <a:p>
                       <a:r>
-                        <a:rPr lang="pl-PL" sz="1800" kern="1200" dirty="0" smtClean="0">
+                        <a:rPr lang="pl-PL" sz="1600" b="1" kern="1200" dirty="0" smtClean="0">
                           <a:solidFill>
                             <a:schemeClr val="dk1"/>
                           </a:solidFill>
@@ -5188,9 +5490,21 @@
                           <a:ea typeface="+mn-ea"/>
                           <a:cs typeface="+mn-cs"/>
                         </a:rPr>
-                        <a:t>Obiekty są pozostawiane bez niszczenia</a:t>
+                        <a:t>#18 Obiekty </a:t>
                       </a:r>
-                      <a:endParaRPr lang="en-GB" dirty="0"/>
+                      <a:r>
+                        <a:rPr lang="pl-PL" sz="1600" b="1" kern="1200" dirty="0" smtClean="0">
+                          <a:solidFill>
+                            <a:schemeClr val="dk1"/>
+                          </a:solidFill>
+                          <a:effectLst/>
+                          <a:latin typeface="+mn-lt"/>
+                          <a:ea typeface="+mn-ea"/>
+                          <a:cs typeface="+mn-cs"/>
+                        </a:rPr>
+                        <a:t>są pozostawiane bez niszczenia</a:t>
+                      </a:r>
+                      <a:endParaRPr lang="en-GB" sz="1600" b="1" dirty="0"/>
                     </a:p>
                   </a:txBody>
                   <a:tcPr/>
@@ -5203,7 +5517,7 @@
                     <a:lstStyle/>
                     <a:p>
                       <a:r>
-                        <a:rPr lang="pl-PL" sz="1800" kern="1200" dirty="0" smtClean="0">
+                        <a:rPr lang="pl-PL" sz="1600" b="1" kern="1200" dirty="0" smtClean="0">
                           <a:solidFill>
                             <a:schemeClr val="dk1"/>
                           </a:solidFill>
@@ -5214,7 +5528,7 @@
                         </a:rPr>
                         <a:t>#8 Metody, które wykonują wiele działań</a:t>
                       </a:r>
-                      <a:endParaRPr lang="en-GB" dirty="0"/>
+                      <a:endParaRPr lang="en-GB" sz="1600" b="1" dirty="0"/>
                     </a:p>
                   </a:txBody>
                   <a:tcPr/>
@@ -5242,7 +5556,7 @@
                         <a:defRPr/>
                       </a:pPr>
                       <a:r>
-                        <a:rPr lang="pl-PL" sz="1800" kern="1200" dirty="0" smtClean="0">
+                        <a:rPr lang="pl-PL" sz="1600" b="1" kern="1200" dirty="0" smtClean="0">
                           <a:solidFill>
                             <a:schemeClr val="dk1"/>
                           </a:solidFill>
@@ -5251,9 +5565,45 @@
                           <a:ea typeface="+mn-ea"/>
                           <a:cs typeface="+mn-cs"/>
                         </a:rPr>
-                        <a:t>Stosowanie metody Finalize()</a:t>
+                        <a:t>#19</a:t>
                       </a:r>
-                      <a:endParaRPr lang="en-GB" sz="1800" kern="1200" dirty="0" smtClean="0">
+                      <a:r>
+                        <a:rPr lang="pl-PL" sz="1600" b="1" kern="1200" baseline="0" dirty="0" smtClean="0">
+                          <a:solidFill>
+                            <a:schemeClr val="dk1"/>
+                          </a:solidFill>
+                          <a:effectLst/>
+                          <a:latin typeface="+mn-lt"/>
+                          <a:ea typeface="+mn-ea"/>
+                          <a:cs typeface="+mn-cs"/>
+                        </a:rPr>
+                        <a:t> </a:t>
+                      </a:r>
+                      <a:r>
+                        <a:rPr lang="pl-PL" sz="1600" b="1" kern="1200" dirty="0" smtClean="0">
+                          <a:solidFill>
+                            <a:schemeClr val="dk1"/>
+                          </a:solidFill>
+                          <a:effectLst/>
+                          <a:latin typeface="+mn-lt"/>
+                          <a:ea typeface="+mn-ea"/>
+                          <a:cs typeface="+mn-cs"/>
+                        </a:rPr>
+                        <a:t>Stosowanie </a:t>
+                      </a:r>
+                      <a:r>
+                        <a:rPr lang="pl-PL" sz="1600" b="1" kern="1200" dirty="0" smtClean="0">
+                          <a:solidFill>
+                            <a:schemeClr val="dk1"/>
+                          </a:solidFill>
+                          <a:effectLst/>
+                          <a:latin typeface="+mn-lt"/>
+                          <a:ea typeface="+mn-ea"/>
+                          <a:cs typeface="+mn-cs"/>
+                        </a:rPr>
+                        <a:t>metody Finalize()</a:t>
+                      </a:r>
+                      <a:endParaRPr lang="en-GB" sz="1600" b="1" kern="1200" dirty="0" smtClean="0">
                         <a:solidFill>
                           <a:schemeClr val="dk1"/>
                         </a:solidFill>
@@ -5291,7 +5641,7 @@
                         <a:defRPr/>
                       </a:pPr>
                       <a:r>
-                        <a:rPr lang="pl-PL" sz="1800" kern="1200" dirty="0" smtClean="0">
+                        <a:rPr lang="pl-PL" sz="1600" b="1" kern="1200" dirty="0" smtClean="0">
                           <a:solidFill>
                             <a:schemeClr val="dk1"/>
                           </a:solidFill>
@@ -5303,7 +5653,7 @@
                         <a:t>#10 Nadmierna złożoność (ang. </a:t>
                       </a:r>
                       <a:r>
-                        <a:rPr lang="pl-PL" sz="1800" i="1" kern="1200" dirty="0" smtClean="0">
+                        <a:rPr lang="pl-PL" sz="1600" b="1" i="1" kern="1200" dirty="0" smtClean="0">
                           <a:solidFill>
                             <a:schemeClr val="dk1"/>
                           </a:solidFill>
@@ -5315,7 +5665,7 @@
                         <a:t>overengineering</a:t>
                       </a:r>
                       <a:r>
-                        <a:rPr lang="pl-PL" sz="1800" kern="1200" dirty="0" smtClean="0">
+                        <a:rPr lang="pl-PL" sz="1600" b="1" kern="1200" dirty="0" smtClean="0">
                           <a:solidFill>
                             <a:schemeClr val="dk1"/>
                           </a:solidFill>
@@ -5326,7 +5676,7 @@
                         </a:rPr>
                         <a:t>)</a:t>
                       </a:r>
-                      <a:endParaRPr lang="en-GB" sz="1800" kern="1200" dirty="0" smtClean="0">
+                      <a:endParaRPr lang="en-GB" sz="1600" b="1" kern="1200" dirty="0" smtClean="0">
                         <a:solidFill>
                           <a:schemeClr val="dk1"/>
                         </a:solidFill>
@@ -5362,7 +5712,7 @@
                         <a:defRPr/>
                       </a:pPr>
                       <a:r>
-                        <a:rPr lang="pl-PL" sz="1800" kern="1200" dirty="0" smtClean="0">
+                        <a:rPr lang="pl-PL" sz="1600" b="1" kern="1200" dirty="0" smtClean="0">
                           <a:solidFill>
                             <a:schemeClr val="dk1"/>
                           </a:solidFill>
@@ -5371,9 +5721,21 @@
                           <a:ea typeface="+mn-ea"/>
                           <a:cs typeface="+mn-cs"/>
                         </a:rPr>
-                        <a:t>Brak stosowania regionów w dużych klasach</a:t>
+                        <a:t>#20 Brak </a:t>
                       </a:r>
-                      <a:endParaRPr lang="en-GB" sz="1800" kern="1200" dirty="0" smtClean="0">
+                      <a:r>
+                        <a:rPr lang="pl-PL" sz="1600" b="1" kern="1200" dirty="0" smtClean="0">
+                          <a:solidFill>
+                            <a:schemeClr val="dk1"/>
+                          </a:solidFill>
+                          <a:effectLst/>
+                          <a:latin typeface="+mn-lt"/>
+                          <a:ea typeface="+mn-ea"/>
+                          <a:cs typeface="+mn-cs"/>
+                        </a:rPr>
+                        <a:t>stosowania regionów w dużych klasach</a:t>
+                      </a:r>
+                      <a:endParaRPr lang="en-GB" sz="1600" b="1" kern="1200" dirty="0" smtClean="0">
                         <a:solidFill>
                           <a:schemeClr val="dk1"/>
                         </a:solidFill>
@@ -5411,7 +5773,7 @@
                         <a:defRPr/>
                       </a:pPr>
                       <a:r>
-                        <a:rPr lang="pl-PL" sz="1800" kern="1200" dirty="0" smtClean="0">
+                        <a:rPr lang="pl-PL" sz="1600" b="1" kern="1200" dirty="0" smtClean="0">
                           <a:solidFill>
                             <a:schemeClr val="dk1"/>
                           </a:solidFill>
@@ -5423,7 +5785,7 @@
                         <a:t>#11 </a:t>
                       </a:r>
                       <a:r>
-                        <a:rPr lang="en-GB" sz="1800" kern="1200" dirty="0" err="1" smtClean="0">
+                        <a:rPr lang="en-GB" sz="1600" b="1" kern="1200" dirty="0" err="1" smtClean="0">
                           <a:solidFill>
                             <a:schemeClr val="dk1"/>
                           </a:solidFill>
@@ -5435,7 +5797,7 @@
                         <a:t>Bezpośrednie</a:t>
                       </a:r>
                       <a:r>
-                        <a:rPr lang="en-GB" sz="1800" kern="1200" dirty="0" smtClean="0">
+                        <a:rPr lang="en-GB" sz="1600" b="1" kern="1200" dirty="0" smtClean="0">
                           <a:solidFill>
                             <a:schemeClr val="dk1"/>
                           </a:solidFill>
@@ -5447,7 +5809,7 @@
                         <a:t> </a:t>
                       </a:r>
                       <a:r>
-                        <a:rPr lang="en-GB" sz="1800" kern="1200" dirty="0" err="1" smtClean="0">
+                        <a:rPr lang="en-GB" sz="1600" b="1" kern="1200" dirty="0" err="1" smtClean="0">
                           <a:solidFill>
                             <a:schemeClr val="dk1"/>
                           </a:solidFill>
@@ -5459,7 +5821,7 @@
                         <a:t>ujawnianie</a:t>
                       </a:r>
                       <a:r>
-                        <a:rPr lang="en-GB" sz="1800" kern="1200" dirty="0" smtClean="0">
+                        <a:rPr lang="en-GB" sz="1600" b="1" kern="1200" dirty="0" smtClean="0">
                           <a:solidFill>
                             <a:schemeClr val="dk1"/>
                           </a:solidFill>
@@ -5471,7 +5833,7 @@
                         <a:t> </a:t>
                       </a:r>
                       <a:r>
-                        <a:rPr lang="en-GB" sz="1800" kern="1200" dirty="0" err="1" smtClean="0">
+                        <a:rPr lang="en-GB" sz="1600" b="1" kern="1200" dirty="0" err="1" smtClean="0">
                           <a:solidFill>
                             <a:schemeClr val="dk1"/>
                           </a:solidFill>
@@ -5482,7 +5844,7 @@
                         </a:rPr>
                         <a:t>informacji</a:t>
                       </a:r>
-                      <a:endParaRPr lang="en-GB" sz="1800" kern="1200" dirty="0" smtClean="0">
+                      <a:endParaRPr lang="en-GB" sz="1600" b="1" kern="1200" dirty="0" smtClean="0">
                         <a:solidFill>
                           <a:schemeClr val="dk1"/>
                         </a:solidFill>
@@ -5518,7 +5880,19 @@
                         <a:defRPr/>
                       </a:pPr>
                       <a:r>
-                        <a:rPr lang="en-GB" sz="1800" kern="1200" dirty="0" err="1" smtClean="0">
+                        <a:rPr lang="pl-PL" sz="1600" b="1" kern="1200" dirty="0" smtClean="0">
+                          <a:solidFill>
+                            <a:schemeClr val="dk1"/>
+                          </a:solidFill>
+                          <a:effectLst/>
+                          <a:latin typeface="+mn-lt"/>
+                          <a:ea typeface="+mn-ea"/>
+                          <a:cs typeface="+mn-cs"/>
+                        </a:rPr>
+                        <a:t>#21 </a:t>
+                      </a:r>
+                      <a:r>
+                        <a:rPr lang="en-GB" sz="1600" b="1" kern="1200" dirty="0" err="1" smtClean="0">
                           <a:solidFill>
                             <a:schemeClr val="dk1"/>
                           </a:solidFill>
@@ -5530,7 +5904,7 @@
                         <a:t>Kod</a:t>
                       </a:r>
                       <a:r>
-                        <a:rPr lang="en-GB" sz="1800" kern="1200" dirty="0" smtClean="0">
+                        <a:rPr lang="en-GB" sz="1600" b="1" kern="1200" dirty="0" smtClean="0">
                           <a:solidFill>
                             <a:schemeClr val="dk1"/>
                           </a:solidFill>
@@ -5541,12 +5915,33 @@
                         </a:rPr>
                         <a:t> spaghetti</a:t>
                       </a:r>
+                      <a:r>
+                        <a:rPr lang="pl-PL" sz="1600" b="1" kern="1200" dirty="0" smtClean="0">
+                          <a:solidFill>
+                            <a:schemeClr val="dk1"/>
+                          </a:solidFill>
+                          <a:effectLst/>
+                          <a:latin typeface="+mn-lt"/>
+                          <a:ea typeface="+mn-ea"/>
+                          <a:cs typeface="+mn-cs"/>
+                        </a:rPr>
+                        <a:t>, lasagne</a:t>
+                      </a:r>
+                      <a:endParaRPr lang="en-GB" sz="1600" b="1" kern="1200" dirty="0" smtClean="0">
+                        <a:solidFill>
+                          <a:schemeClr val="dk1"/>
+                        </a:solidFill>
+                        <a:effectLst/>
+                        <a:latin typeface="+mn-lt"/>
+                        <a:ea typeface="+mn-ea"/>
+                        <a:cs typeface="+mn-cs"/>
+                      </a:endParaRPr>
                     </a:p>
                   </a:txBody>
                   <a:tcPr/>
                 </a:tc>
               </a:tr>
-              <a:tr h="370840">
+              <a:tr h="146744">
                 <a:tc>
                   <a:txBody>
                     <a:bodyPr/>
@@ -5570,7 +5965,7 @@
                         <a:defRPr/>
                       </a:pPr>
                       <a:r>
-                        <a:rPr lang="pl-PL" sz="1800" kern="1200" dirty="0" smtClean="0">
+                        <a:rPr lang="pl-PL" sz="1600" b="1" kern="1200" dirty="0" smtClean="0">
                           <a:solidFill>
                             <a:schemeClr val="dk1"/>
                           </a:solidFill>
@@ -5582,7 +5977,7 @@
                         <a:t>#11 </a:t>
                       </a:r>
                       <a:r>
-                        <a:rPr lang="en-GB" sz="1800" kern="1200" dirty="0" err="1" smtClean="0">
+                        <a:rPr lang="en-GB" sz="1600" b="1" kern="1200" dirty="0" err="1" smtClean="0">
                           <a:solidFill>
                             <a:schemeClr val="dk1"/>
                           </a:solidFill>
@@ -5594,7 +5989,7 @@
                         <a:t>Antywzorce</a:t>
                       </a:r>
                       <a:r>
-                        <a:rPr lang="en-GB" sz="1800" kern="1200" dirty="0" smtClean="0">
+                        <a:rPr lang="en-GB" sz="1600" b="1" kern="1200" dirty="0" smtClean="0">
                           <a:solidFill>
                             <a:schemeClr val="dk1"/>
                           </a:solidFill>
@@ -5606,7 +6001,7 @@
                         <a:t> </a:t>
                       </a:r>
                       <a:r>
-                        <a:rPr lang="en-GB" sz="1800" kern="1200" dirty="0" err="1" smtClean="0">
+                        <a:rPr lang="en-GB" sz="1600" b="1" kern="1200" dirty="0" err="1" smtClean="0">
                           <a:solidFill>
                             <a:schemeClr val="dk1"/>
                           </a:solidFill>
@@ -5617,7 +6012,7 @@
                         </a:rPr>
                         <a:t>projektowe</a:t>
                       </a:r>
-                      <a:endParaRPr lang="en-GB" sz="1800" kern="1200" dirty="0" smtClean="0">
+                      <a:endParaRPr lang="en-GB" sz="1600" b="1" kern="1200" dirty="0" smtClean="0">
                         <a:solidFill>
                           <a:schemeClr val="dk1"/>
                         </a:solidFill>
@@ -5652,7 +6047,7 @@
                         <a:tabLst/>
                         <a:defRPr/>
                       </a:pPr>
-                      <a:endParaRPr lang="en-GB" sz="1800" kern="1200" dirty="0" smtClean="0">
+                      <a:endParaRPr lang="en-GB" sz="1600" b="1" kern="1200" dirty="0" smtClean="0">
                         <a:solidFill>
                           <a:schemeClr val="dk1"/>
                         </a:solidFill>
@@ -5683,7 +6078,7 @@
 </p:sld>
 </file>
 
-<file path=ppt/slides/slide23.xml><?xml version="1.0" encoding="utf-8"?>
+<file path=ppt/slides/slide25.xml><?xml version="1.0" encoding="utf-8"?>
 <p:sld xmlns:a="http://schemas.openxmlformats.org/drawingml/2006/main" xmlns:r="http://schemas.openxmlformats.org/officeDocument/2006/relationships" xmlns:p="http://schemas.openxmlformats.org/presentationml/2006/main">
   <p:cSld>
     <p:spTree>
@@ -5872,7 +6267,7 @@
 </p:sld>
 </file>
 
-<file path=ppt/slides/slide24.xml><?xml version="1.0" encoding="utf-8"?>
+<file path=ppt/slides/slide26.xml><?xml version="1.0" encoding="utf-8"?>
 <p:sld xmlns:a="http://schemas.openxmlformats.org/drawingml/2006/main" xmlns:r="http://schemas.openxmlformats.org/officeDocument/2006/relationships" xmlns:p="http://schemas.openxmlformats.org/presentationml/2006/main">
   <p:cSld>
     <p:spTree>
@@ -6037,7 +6432,7 @@
 </p:sld>
 </file>
 
-<file path=ppt/slides/slide25.xml><?xml version="1.0" encoding="utf-8"?>
+<file path=ppt/slides/slide27.xml><?xml version="1.0" encoding="utf-8"?>
 <p:sld xmlns:a="http://schemas.openxmlformats.org/drawingml/2006/main" xmlns:r="http://schemas.openxmlformats.org/officeDocument/2006/relationships" xmlns:p="http://schemas.openxmlformats.org/presentationml/2006/main">
   <p:cSld>
     <p:spTree>
@@ -6154,7 +6549,7 @@
 </p:sld>
 </file>
 
-<file path=ppt/slides/slide26.xml><?xml version="1.0" encoding="utf-8"?>
+<file path=ppt/slides/slide28.xml><?xml version="1.0" encoding="utf-8"?>
 <p:sld xmlns:a="http://schemas.openxmlformats.org/drawingml/2006/main" xmlns:r="http://schemas.openxmlformats.org/officeDocument/2006/relationships" xmlns:p="http://schemas.openxmlformats.org/presentationml/2006/main">
   <p:cSld>
     <p:spTree>
@@ -6321,7 +6716,7 @@
 </p:sld>
 </file>
 
-<file path=ppt/slides/slide27.xml><?xml version="1.0" encoding="utf-8"?>
+<file path=ppt/slides/slide29.xml><?xml version="1.0" encoding="utf-8"?>
 <p:sld xmlns:a="http://schemas.openxmlformats.org/drawingml/2006/main" xmlns:r="http://schemas.openxmlformats.org/officeDocument/2006/relationships" xmlns:p="http://schemas.openxmlformats.org/presentationml/2006/main">
   <p:cSld>
     <p:spTree>
@@ -6519,7 +6914,134 @@
 </p:sld>
 </file>
 
-<file path=ppt/slides/slide28.xml><?xml version="1.0" encoding="utf-8"?>
+<file path=ppt/slides/slide3.xml><?xml version="1.0" encoding="utf-8"?>
+<p:sld xmlns:a="http://schemas.openxmlformats.org/drawingml/2006/main" xmlns:r="http://schemas.openxmlformats.org/officeDocument/2006/relationships" xmlns:p="http://schemas.openxmlformats.org/presentationml/2006/main">
+  <p:cSld>
+    <p:spTree>
+      <p:nvGrpSpPr>
+        <p:cNvPr id="1" name=""/>
+        <p:cNvGrpSpPr/>
+        <p:nvPr/>
+      </p:nvGrpSpPr>
+      <p:grpSpPr>
+        <a:xfrm>
+          <a:off x="0" y="0"/>
+          <a:ext cx="0" cy="0"/>
+          <a:chOff x="0" y="0"/>
+          <a:chExt cx="0" cy="0"/>
+        </a:xfrm>
+      </p:grpSpPr>
+      <p:sp>
+        <p:nvSpPr>
+          <p:cNvPr id="2" name="Title 1"/>
+          <p:cNvSpPr>
+            <a:spLocks noGrp="1"/>
+          </p:cNvSpPr>
+          <p:nvPr>
+            <p:ph type="title"/>
+          </p:nvPr>
+        </p:nvSpPr>
+        <p:spPr/>
+        <p:txBody>
+          <a:bodyPr/>
+          <a:lstStyle/>
+          <a:p>
+            <a:r>
+              <a:rPr lang="pl-PL" b="1" dirty="0" smtClean="0">
+                <a:solidFill>
+                  <a:srgbClr val="FF0000"/>
+                </a:solidFill>
+              </a:rPr>
+              <a:t>S</a:t>
+            </a:r>
+            <a:r>
+              <a:rPr lang="pl-PL" b="1" dirty="0" smtClean="0"/>
+              <a:t>OLID</a:t>
+            </a:r>
+            <a:endParaRPr lang="en-GB" b="1" dirty="0"/>
+          </a:p>
+        </p:txBody>
+      </p:sp>
+      <p:sp>
+        <p:nvSpPr>
+          <p:cNvPr id="3" name="Content Placeholder 2"/>
+          <p:cNvSpPr>
+            <a:spLocks noGrp="1"/>
+          </p:cNvSpPr>
+          <p:nvPr>
+            <p:ph idx="1"/>
+          </p:nvPr>
+        </p:nvSpPr>
+        <p:spPr/>
+        <p:txBody>
+          <a:bodyPr/>
+          <a:lstStyle/>
+          <a:p>
+            <a:r>
+              <a:rPr lang="pl-PL" i="1" dirty="0"/>
+              <a:t>Single Responsibility </a:t>
+            </a:r>
+            <a:r>
+              <a:rPr lang="pl-PL" i="1" dirty="0" smtClean="0"/>
+              <a:t>Principle</a:t>
+            </a:r>
+          </a:p>
+          <a:p>
+            <a:r>
+              <a:rPr lang="pl-PL" b="1" dirty="0"/>
+              <a:t>Zasada pojedynczej </a:t>
+            </a:r>
+            <a:r>
+              <a:rPr lang="pl-PL" b="1" dirty="0" smtClean="0"/>
+              <a:t>odpowiedzialności</a:t>
+            </a:r>
+          </a:p>
+          <a:p>
+            <a:pPr lvl="1"/>
+            <a:r>
+              <a:rPr lang="pl-PL" dirty="0" smtClean="0"/>
+              <a:t>Klasy i </a:t>
+            </a:r>
+            <a:r>
+              <a:rPr lang="pl-PL" dirty="0"/>
+              <a:t>metody powinny odpowiadać za tylko jedno </a:t>
+            </a:r>
+            <a:r>
+              <a:rPr lang="pl-PL" dirty="0" smtClean="0"/>
+              <a:t>zadanie</a:t>
+            </a:r>
+          </a:p>
+          <a:p>
+            <a:pPr lvl="1"/>
+            <a:r>
+              <a:rPr lang="pl-PL" dirty="0" smtClean="0"/>
+              <a:t>Wszystkie </a:t>
+            </a:r>
+            <a:r>
+              <a:rPr lang="pl-PL" dirty="0"/>
+              <a:t>elementy, które tworzą pojedynczą odpowiedzialność, powinny być pogrupowane i shermetyzowane.</a:t>
+            </a:r>
+            <a:endParaRPr lang="en-GB" dirty="0"/>
+          </a:p>
+          <a:p>
+            <a:endParaRPr lang="en-GB" dirty="0"/>
+          </a:p>
+        </p:txBody>
+      </p:sp>
+    </p:spTree>
+    <p:extLst>
+      <p:ext uri="{BB962C8B-B14F-4D97-AF65-F5344CB8AC3E}">
+        <p14:creationId xmlns:p14="http://schemas.microsoft.com/office/powerpoint/2010/main" val="1649495706"/>
+      </p:ext>
+    </p:extLst>
+  </p:cSld>
+  <p:clrMapOvr>
+    <a:masterClrMapping/>
+  </p:clrMapOvr>
+</p:sld>
+</file>
+
+<file path=ppt/slides/slide30.xml><?xml version="1.0" encoding="utf-8"?>
 <p:sld xmlns:a="http://schemas.openxmlformats.org/drawingml/2006/main" xmlns:r="http://schemas.openxmlformats.org/officeDocument/2006/relationships" xmlns:p="http://schemas.openxmlformats.org/presentationml/2006/main">
   <p:cSld>
     <p:spTree>
@@ -6662,450 +7184,6 @@
 </p:sld>
 </file>
 
-<file path=ppt/slides/slide29.xml><?xml version="1.0" encoding="utf-8"?>
-<p:sld xmlns:a="http://schemas.openxmlformats.org/drawingml/2006/main" xmlns:r="http://schemas.openxmlformats.org/officeDocument/2006/relationships" xmlns:p="http://schemas.openxmlformats.org/presentationml/2006/main">
-  <p:cSld>
-    <p:spTree>
-      <p:nvGrpSpPr>
-        <p:cNvPr id="1" name=""/>
-        <p:cNvGrpSpPr/>
-        <p:nvPr/>
-      </p:nvGrpSpPr>
-      <p:grpSpPr>
-        <a:xfrm>
-          <a:off x="0" y="0"/>
-          <a:ext cx="0" cy="0"/>
-          <a:chOff x="0" y="0"/>
-          <a:chExt cx="0" cy="0"/>
-        </a:xfrm>
-      </p:grpSpPr>
-      <p:sp>
-        <p:nvSpPr>
-          <p:cNvPr id="2" name="Title 1"/>
-          <p:cNvSpPr>
-            <a:spLocks noGrp="1"/>
-          </p:cNvSpPr>
-          <p:nvPr>
-            <p:ph type="title"/>
-          </p:nvPr>
-        </p:nvSpPr>
-        <p:spPr/>
-        <p:txBody>
-          <a:bodyPr>
-            <a:normAutofit/>
-          </a:bodyPr>
-          <a:lstStyle/>
-          <a:p>
-            <a:r>
-              <a:rPr lang="en-GB" b="1" dirty="0" err="1"/>
-              <a:t>Złe</a:t>
-            </a:r>
-            <a:r>
-              <a:rPr lang="en-GB" b="1" dirty="0"/>
-              <a:t> </a:t>
-            </a:r>
-            <a:r>
-              <a:rPr lang="en-GB" b="1" dirty="0" err="1"/>
-              <a:t>konwencje</a:t>
-            </a:r>
-            <a:r>
-              <a:rPr lang="en-GB" b="1" dirty="0"/>
-              <a:t> </a:t>
-            </a:r>
-            <a:r>
-              <a:rPr lang="en-GB" b="1" dirty="0" err="1" smtClean="0"/>
-              <a:t>nazewnictwa</a:t>
-            </a:r>
-            <a:endParaRPr lang="en-GB" dirty="0"/>
-          </a:p>
-        </p:txBody>
-      </p:sp>
-      <p:sp>
-        <p:nvSpPr>
-          <p:cNvPr id="3" name="Content Placeholder 2"/>
-          <p:cNvSpPr>
-            <a:spLocks noGrp="1"/>
-          </p:cNvSpPr>
-          <p:nvPr>
-            <p:ph idx="1"/>
-          </p:nvPr>
-        </p:nvSpPr>
-        <p:spPr>
-          <a:xfrm>
-            <a:off x="457200" y="1600201"/>
-            <a:ext cx="8229600" cy="3701008"/>
-          </a:xfrm>
-        </p:spPr>
-        <p:txBody>
-          <a:bodyPr>
-            <a:normAutofit lnSpcReduction="10000"/>
-          </a:bodyPr>
-          <a:lstStyle/>
-          <a:p>
-            <a:r>
-              <a:rPr lang="en-GB" dirty="0" err="1"/>
-              <a:t>lblName</a:t>
-            </a:r>
-            <a:r>
-              <a:rPr lang="en-GB" dirty="0" smtClean="0"/>
-              <a:t> </a:t>
-            </a:r>
-            <a:endParaRPr lang="pl-PL" dirty="0" smtClean="0"/>
-          </a:p>
-          <a:p>
-            <a:r>
-              <a:rPr lang="en-GB" dirty="0" err="1" smtClean="0"/>
-              <a:t>txtName</a:t>
-            </a:r>
-            <a:endParaRPr lang="pl-PL" dirty="0"/>
-          </a:p>
-          <a:p>
-            <a:r>
-              <a:rPr lang="en-GB" dirty="0" err="1" smtClean="0"/>
-              <a:t>btnSave</a:t>
-            </a:r>
-            <a:r>
-              <a:rPr lang="en-GB" dirty="0" smtClean="0"/>
-              <a:t> </a:t>
-            </a:r>
-            <a:endParaRPr lang="pl-PL" dirty="0" smtClean="0"/>
-          </a:p>
-          <a:p>
-            <a:r>
-              <a:rPr lang="en-GB" dirty="0" err="1"/>
-              <a:t>NameLabel</a:t>
-            </a:r>
-            <a:r>
-              <a:rPr lang="en-GB" dirty="0" smtClean="0"/>
-              <a:t> </a:t>
-            </a:r>
-            <a:endParaRPr lang="pl-PL" dirty="0" smtClean="0"/>
-          </a:p>
-          <a:p>
-            <a:r>
-              <a:rPr lang="en-GB" dirty="0" err="1" smtClean="0"/>
-              <a:t>NameTextBox</a:t>
-            </a:r>
-            <a:r>
-              <a:rPr lang="en-GB" dirty="0" smtClean="0"/>
-              <a:t> </a:t>
-            </a:r>
-            <a:endParaRPr lang="pl-PL" dirty="0" smtClean="0"/>
-          </a:p>
-          <a:p>
-            <a:r>
-              <a:rPr lang="en-GB" dirty="0" err="1"/>
-              <a:t>SaveButton</a:t>
-            </a:r>
-            <a:r>
-              <a:rPr lang="en-GB" dirty="0" smtClean="0"/>
-              <a:t> </a:t>
-            </a:r>
-            <a:br>
-              <a:rPr lang="en-GB" dirty="0" smtClean="0"/>
-            </a:br>
-            <a:endParaRPr lang="en-GB" dirty="0"/>
-          </a:p>
-        </p:txBody>
-      </p:sp>
-      <p:sp>
-        <p:nvSpPr>
-          <p:cNvPr id="4" name="Rectangle 3"/>
-          <p:cNvSpPr/>
-          <p:nvPr/>
-        </p:nvSpPr>
-        <p:spPr>
-          <a:xfrm>
-            <a:off x="971600" y="4941168"/>
-            <a:ext cx="7200800" cy="923330"/>
-          </a:xfrm>
-          <a:prstGeom prst="rect">
-            <a:avLst/>
-          </a:prstGeom>
-        </p:spPr>
-        <p:txBody>
-          <a:bodyPr wrap="square">
-            <a:spAutoFit/>
-          </a:bodyPr>
-          <a:lstStyle/>
-          <a:p>
-            <a:r>
-              <a:rPr lang="pl-PL" dirty="0"/>
-              <a:t>Korzystanie z tajemniczych nazw oraz takich, które nie oddają celu kodu, może znacznie utrudnić jego czytanie.</a:t>
-            </a:r>
-            <a:r>
-              <a:rPr lang="pl-PL" dirty="0" smtClean="0"/>
-              <a:t> </a:t>
-            </a:r>
-            <a:br>
-              <a:rPr lang="pl-PL" dirty="0" smtClean="0"/>
-            </a:br>
-            <a:endParaRPr lang="en-GB" dirty="0"/>
-          </a:p>
-        </p:txBody>
-      </p:sp>
-    </p:spTree>
-    <p:extLst>
-      <p:ext uri="{BB962C8B-B14F-4D97-AF65-F5344CB8AC3E}">
-        <p14:creationId xmlns:p14="http://schemas.microsoft.com/office/powerpoint/2010/main" val="2391862655"/>
-      </p:ext>
-    </p:extLst>
-  </p:cSld>
-  <p:clrMapOvr>
-    <a:masterClrMapping/>
-  </p:clrMapOvr>
-</p:sld>
-</file>
-
-<file path=ppt/slides/slide3.xml><?xml version="1.0" encoding="utf-8"?>
-<p:sld xmlns:a="http://schemas.openxmlformats.org/drawingml/2006/main" xmlns:r="http://schemas.openxmlformats.org/officeDocument/2006/relationships" xmlns:p="http://schemas.openxmlformats.org/presentationml/2006/main">
-  <p:cSld>
-    <p:spTree>
-      <p:nvGrpSpPr>
-        <p:cNvPr id="1" name=""/>
-        <p:cNvGrpSpPr/>
-        <p:nvPr/>
-      </p:nvGrpSpPr>
-      <p:grpSpPr>
-        <a:xfrm>
-          <a:off x="0" y="0"/>
-          <a:ext cx="0" cy="0"/>
-          <a:chOff x="0" y="0"/>
-          <a:chExt cx="0" cy="0"/>
-        </a:xfrm>
-      </p:grpSpPr>
-      <p:sp>
-        <p:nvSpPr>
-          <p:cNvPr id="2" name="Title 1"/>
-          <p:cNvSpPr>
-            <a:spLocks noGrp="1"/>
-          </p:cNvSpPr>
-          <p:nvPr>
-            <p:ph type="title"/>
-          </p:nvPr>
-        </p:nvSpPr>
-        <p:spPr/>
-        <p:txBody>
-          <a:bodyPr/>
-          <a:lstStyle/>
-          <a:p>
-            <a:r>
-              <a:rPr lang="pl-PL" b="1" dirty="0" smtClean="0">
-                <a:solidFill>
-                  <a:srgbClr val="FF0000"/>
-                </a:solidFill>
-              </a:rPr>
-              <a:t>S</a:t>
-            </a:r>
-            <a:r>
-              <a:rPr lang="pl-PL" b="1" dirty="0" smtClean="0"/>
-              <a:t>OLID</a:t>
-            </a:r>
-            <a:endParaRPr lang="en-GB" b="1" dirty="0"/>
-          </a:p>
-        </p:txBody>
-      </p:sp>
-      <p:sp>
-        <p:nvSpPr>
-          <p:cNvPr id="3" name="Content Placeholder 2"/>
-          <p:cNvSpPr>
-            <a:spLocks noGrp="1"/>
-          </p:cNvSpPr>
-          <p:nvPr>
-            <p:ph idx="1"/>
-          </p:nvPr>
-        </p:nvSpPr>
-        <p:spPr/>
-        <p:txBody>
-          <a:bodyPr/>
-          <a:lstStyle/>
-          <a:p>
-            <a:r>
-              <a:rPr lang="pl-PL" i="1" dirty="0"/>
-              <a:t>Single Responsibility </a:t>
-            </a:r>
-            <a:r>
-              <a:rPr lang="pl-PL" i="1" dirty="0" smtClean="0"/>
-              <a:t>Principle</a:t>
-            </a:r>
-          </a:p>
-          <a:p>
-            <a:r>
-              <a:rPr lang="pl-PL" b="1" dirty="0"/>
-              <a:t>Zasada pojedynczej </a:t>
-            </a:r>
-            <a:r>
-              <a:rPr lang="pl-PL" b="1" dirty="0" smtClean="0"/>
-              <a:t>odpowiedzialności</a:t>
-            </a:r>
-          </a:p>
-          <a:p>
-            <a:pPr lvl="1"/>
-            <a:r>
-              <a:rPr lang="pl-PL" dirty="0" smtClean="0"/>
-              <a:t>Klasy i </a:t>
-            </a:r>
-            <a:r>
-              <a:rPr lang="pl-PL" dirty="0"/>
-              <a:t>metody powinny odpowiadać za tylko jedno </a:t>
-            </a:r>
-            <a:r>
-              <a:rPr lang="pl-PL" dirty="0" smtClean="0"/>
-              <a:t>zadanie</a:t>
-            </a:r>
-          </a:p>
-          <a:p>
-            <a:pPr lvl="1"/>
-            <a:r>
-              <a:rPr lang="pl-PL" dirty="0" smtClean="0"/>
-              <a:t>Wszystkie </a:t>
-            </a:r>
-            <a:r>
-              <a:rPr lang="pl-PL" dirty="0"/>
-              <a:t>elementy, które tworzą pojedynczą odpowiedzialność, powinny być pogrupowane i shermetyzowane.</a:t>
-            </a:r>
-            <a:endParaRPr lang="en-GB" dirty="0"/>
-          </a:p>
-          <a:p>
-            <a:endParaRPr lang="en-GB" dirty="0"/>
-          </a:p>
-        </p:txBody>
-      </p:sp>
-    </p:spTree>
-    <p:extLst>
-      <p:ext uri="{BB962C8B-B14F-4D97-AF65-F5344CB8AC3E}">
-        <p14:creationId xmlns:p14="http://schemas.microsoft.com/office/powerpoint/2010/main" val="1649495706"/>
-      </p:ext>
-    </p:extLst>
-  </p:cSld>
-  <p:clrMapOvr>
-    <a:masterClrMapping/>
-  </p:clrMapOvr>
-</p:sld>
-</file>
-
-<file path=ppt/slides/slide30.xml><?xml version="1.0" encoding="utf-8"?>
-<p:sld xmlns:a="http://schemas.openxmlformats.org/drawingml/2006/main" xmlns:r="http://schemas.openxmlformats.org/officeDocument/2006/relationships" xmlns:p="http://schemas.openxmlformats.org/presentationml/2006/main">
-  <p:cSld>
-    <p:spTree>
-      <p:nvGrpSpPr>
-        <p:cNvPr id="1" name=""/>
-        <p:cNvGrpSpPr/>
-        <p:nvPr/>
-      </p:nvGrpSpPr>
-      <p:grpSpPr>
-        <a:xfrm>
-          <a:off x="0" y="0"/>
-          <a:ext cx="0" cy="0"/>
-          <a:chOff x="0" y="0"/>
-          <a:chExt cx="0" cy="0"/>
-        </a:xfrm>
-      </p:grpSpPr>
-      <p:sp>
-        <p:nvSpPr>
-          <p:cNvPr id="2" name="Title 1"/>
-          <p:cNvSpPr>
-            <a:spLocks noGrp="1"/>
-          </p:cNvSpPr>
-          <p:nvPr>
-            <p:ph type="title"/>
-          </p:nvPr>
-        </p:nvSpPr>
-        <p:spPr/>
-        <p:txBody>
-          <a:bodyPr/>
-          <a:lstStyle/>
-          <a:p>
-            <a:endParaRPr lang="en-GB"/>
-          </a:p>
-        </p:txBody>
-      </p:sp>
-      <p:sp>
-        <p:nvSpPr>
-          <p:cNvPr id="3" name="Content Placeholder 2"/>
-          <p:cNvSpPr>
-            <a:spLocks noGrp="1"/>
-          </p:cNvSpPr>
-          <p:nvPr>
-            <p:ph idx="1"/>
-          </p:nvPr>
-        </p:nvSpPr>
-        <p:spPr/>
-        <p:txBody>
-          <a:bodyPr/>
-          <a:lstStyle/>
-          <a:p>
-            <a:r>
-              <a:rPr lang="en-GB" dirty="0" err="1"/>
-              <a:t>ihridx</a:t>
-            </a:r>
-            <a:r>
-              <a:rPr lang="en-GB" dirty="0" smtClean="0"/>
-              <a:t> </a:t>
-            </a:r>
-            <a:endParaRPr lang="pl-PL" dirty="0" smtClean="0"/>
-          </a:p>
-          <a:p>
-            <a:r>
-              <a:rPr lang="en-GB" dirty="0" err="1"/>
-              <a:t>mystring</a:t>
-            </a:r>
-            <a:r>
-              <a:rPr lang="en-GB" dirty="0" smtClean="0"/>
-              <a:t> </a:t>
-            </a:r>
-            <a:endParaRPr lang="pl-PL" dirty="0" smtClean="0"/>
-          </a:p>
-          <a:p>
-            <a:r>
-              <a:rPr lang="en-GB" dirty="0" err="1" smtClean="0"/>
-              <a:t>myint</a:t>
-            </a:r>
-            <a:r>
-              <a:rPr lang="en-GB" dirty="0" smtClean="0"/>
-              <a:t> </a:t>
-            </a:r>
-            <a:endParaRPr lang="pl-PL" dirty="0" smtClean="0"/>
-          </a:p>
-          <a:p>
-            <a:r>
-              <a:rPr lang="en-GB" dirty="0" err="1" smtClean="0"/>
-              <a:t>Mymethod</a:t>
-            </a:r>
-            <a:endParaRPr lang="pl-PL" dirty="0"/>
-          </a:p>
-          <a:p>
-            <a:r>
-              <a:rPr lang="en-GB" dirty="0" smtClean="0"/>
-              <a:t/>
-            </a:r>
-            <a:br>
-              <a:rPr lang="en-GB" dirty="0" smtClean="0"/>
-            </a:br>
-            <a:r>
-              <a:rPr lang="en-GB" dirty="0" smtClean="0"/>
-              <a:t/>
-            </a:r>
-            <a:br>
-              <a:rPr lang="en-GB" dirty="0" smtClean="0"/>
-            </a:br>
-            <a:endParaRPr lang="en-GB" dirty="0"/>
-          </a:p>
-        </p:txBody>
-      </p:sp>
-    </p:spTree>
-    <p:extLst>
-      <p:ext uri="{BB962C8B-B14F-4D97-AF65-F5344CB8AC3E}">
-        <p14:creationId xmlns:p14="http://schemas.microsoft.com/office/powerpoint/2010/main" val="3182370818"/>
-      </p:ext>
-    </p:extLst>
-  </p:cSld>
-  <p:clrMapOvr>
-    <a:masterClrMapping/>
-  </p:clrMapOvr>
-</p:sld>
-</file>
-
 <file path=ppt/slides/slide31.xml><?xml version="1.0" encoding="utf-8"?>
 <p:sld xmlns:a="http://schemas.openxmlformats.org/drawingml/2006/main" xmlns:r="http://schemas.openxmlformats.org/officeDocument/2006/relationships" xmlns:p="http://schemas.openxmlformats.org/presentationml/2006/main">
   <p:cSld>
@@ -7135,10 +7213,32 @@
         </p:nvSpPr>
         <p:spPr/>
         <p:txBody>
-          <a:bodyPr/>
-          <a:lstStyle/>
-          <a:p>
-            <a:endParaRPr lang="en-GB"/>
+          <a:bodyPr>
+            <a:normAutofit/>
+          </a:bodyPr>
+          <a:lstStyle/>
+          <a:p>
+            <a:r>
+              <a:rPr lang="en-GB" b="1" dirty="0" err="1"/>
+              <a:t>Złe</a:t>
+            </a:r>
+            <a:r>
+              <a:rPr lang="en-GB" b="1" dirty="0"/>
+              <a:t> </a:t>
+            </a:r>
+            <a:r>
+              <a:rPr lang="en-GB" b="1" dirty="0" err="1"/>
+              <a:t>konwencje</a:t>
+            </a:r>
+            <a:r>
+              <a:rPr lang="en-GB" b="1" dirty="0"/>
+              <a:t> </a:t>
+            </a:r>
+            <a:r>
+              <a:rPr lang="en-GB" b="1" dirty="0" err="1" smtClean="0"/>
+              <a:t>nazewnictwa</a:t>
+            </a:r>
+            <a:endParaRPr lang="en-GB" dirty="0"/>
           </a:p>
         </p:txBody>
       </p:sp>
@@ -7152,42 +7252,72 @@
             <p:ph idx="1"/>
           </p:nvPr>
         </p:nvSpPr>
-        <p:spPr/>
-        <p:txBody>
-          <a:bodyPr/>
-          <a:lstStyle/>
-          <a:p>
-            <a:r>
-              <a:rPr lang="pl-PL" dirty="0"/>
-              <a:t>Nie stosuj tej samej konwencji kodu dla zmiennych na poziomie klasy i na poziomie </a:t>
-            </a:r>
-            <a:r>
-              <a:rPr lang="pl-PL" dirty="0" smtClean="0"/>
-              <a:t>metody</a:t>
+        <p:spPr>
+          <a:xfrm>
+            <a:off x="457200" y="1600201"/>
+            <a:ext cx="8229600" cy="3701008"/>
+          </a:xfrm>
+        </p:spPr>
+        <p:txBody>
+          <a:bodyPr>
+            <a:normAutofit lnSpcReduction="10000"/>
+          </a:bodyPr>
+          <a:lstStyle/>
+          <a:p>
+            <a:r>
+              <a:rPr lang="en-GB" dirty="0" err="1"/>
+              <a:t>lblName</a:t>
+            </a:r>
+            <a:r>
+              <a:rPr lang="en-GB" dirty="0" smtClean="0"/>
+              <a:t> </a:t>
+            </a:r>
+            <a:endParaRPr lang="pl-PL" dirty="0" smtClean="0"/>
+          </a:p>
+          <a:p>
+            <a:r>
+              <a:rPr lang="en-GB" dirty="0" err="1" smtClean="0"/>
+              <a:t>txtName</a:t>
             </a:r>
             <a:endParaRPr lang="pl-PL" dirty="0"/>
           </a:p>
           <a:p>
-            <a:pPr lvl="1"/>
             <a:r>
               <a:rPr lang="en-GB" dirty="0" err="1" smtClean="0"/>
-              <a:t>alienSpawn</a:t>
+              <a:t>btnSave</a:t>
+            </a:r>
+            <a:r>
+              <a:rPr lang="en-GB" dirty="0" smtClean="0"/>
+              <a:t> </a:t>
             </a:r>
             <a:endParaRPr lang="pl-PL" dirty="0" smtClean="0"/>
           </a:p>
           <a:p>
-            <a:pPr lvl="1"/>
+            <a:r>
+              <a:rPr lang="en-GB" dirty="0" err="1"/>
+              <a:t>NameLabel</a:t>
+            </a:r>
+            <a:r>
+              <a:rPr lang="en-GB" dirty="0" smtClean="0"/>
+              <a:t> </a:t>
+            </a:r>
+            <a:endParaRPr lang="pl-PL" dirty="0" smtClean="0"/>
+          </a:p>
+          <a:p>
             <a:r>
               <a:rPr lang="en-GB" dirty="0" err="1" smtClean="0"/>
-              <a:t>EnemySpawnGenerator</a:t>
+              <a:t>NameTextBox</a:t>
+            </a:r>
+            <a:r>
+              <a:rPr lang="en-GB" dirty="0" smtClean="0"/>
+              <a:t> </a:t>
             </a:r>
             <a:endParaRPr lang="pl-PL" dirty="0" smtClean="0"/>
           </a:p>
           <a:p>
-            <a:pPr lvl="1"/>
-            <a:r>
-              <a:rPr lang="pl-PL" dirty="0" smtClean="0"/>
-              <a:t>_value</a:t>
+            <a:r>
+              <a:rPr lang="en-GB" dirty="0" err="1"/>
+              <a:t>SaveButton</a:t>
             </a:r>
             <a:r>
               <a:rPr lang="en-GB" dirty="0" smtClean="0"/>
@@ -7200,10 +7330,46 @@
           </a:p>
         </p:txBody>
       </p:sp>
+      <p:sp>
+        <p:nvSpPr>
+          <p:cNvPr id="4" name="Rectangle 3"/>
+          <p:cNvSpPr/>
+          <p:nvPr/>
+        </p:nvSpPr>
+        <p:spPr>
+          <a:xfrm>
+            <a:off x="971600" y="4941168"/>
+            <a:ext cx="7200800" cy="923330"/>
+          </a:xfrm>
+          <a:prstGeom prst="rect">
+            <a:avLst/>
+          </a:prstGeom>
+        </p:spPr>
+        <p:txBody>
+          <a:bodyPr wrap="square">
+            <a:spAutoFit/>
+          </a:bodyPr>
+          <a:lstStyle/>
+          <a:p>
+            <a:r>
+              <a:rPr lang="pl-PL" dirty="0"/>
+              <a:t>Korzystanie z tajemniczych nazw oraz takich, które nie oddają celu kodu, może znacznie utrudnić jego czytanie.</a:t>
+            </a:r>
+            <a:r>
+              <a:rPr lang="pl-PL" dirty="0" smtClean="0"/>
+              <a:t> </a:t>
+            </a:r>
+            <a:br>
+              <a:rPr lang="pl-PL" dirty="0" smtClean="0"/>
+            </a:br>
+            <a:endParaRPr lang="en-GB" dirty="0"/>
+          </a:p>
+        </p:txBody>
+      </p:sp>
     </p:spTree>
     <p:extLst>
       <p:ext uri="{BB962C8B-B14F-4D97-AF65-F5344CB8AC3E}">
-        <p14:creationId xmlns:p14="http://schemas.microsoft.com/office/powerpoint/2010/main" val="1653105814"/>
+        <p14:creationId xmlns:p14="http://schemas.microsoft.com/office/powerpoint/2010/main" val="2391862655"/>
       </p:ext>
     </p:extLst>
   </p:cSld>
@@ -7242,20 +7408,10 @@
         </p:nvSpPr>
         <p:spPr/>
         <p:txBody>
-          <a:bodyPr>
-            <a:normAutofit/>
-          </a:bodyPr>
-          <a:lstStyle/>
-          <a:p>
-            <a:r>
-              <a:rPr lang="pl-PL" b="1" dirty="0"/>
-              <a:t>Klasy, które wykonują wiele zadań</a:t>
-            </a:r>
-            <a:r>
-              <a:rPr lang="pl-PL" dirty="0" smtClean="0"/>
-              <a:t> </a:t>
-            </a:r>
-            <a:endParaRPr lang="en-GB" dirty="0"/>
+          <a:bodyPr/>
+          <a:lstStyle/>
+          <a:p>
+            <a:endParaRPr lang="en-GB"/>
           </a:p>
         </p:txBody>
       </p:sp>
@@ -7271,54 +7427,12 @@
         </p:nvSpPr>
         <p:spPr/>
         <p:txBody>
-          <a:bodyPr>
-            <a:normAutofit fontScale="77500" lnSpcReduction="20000"/>
-          </a:bodyPr>
-          <a:lstStyle/>
-          <a:p>
-            <a:r>
-              <a:rPr lang="pl-PL" dirty="0"/>
-              <a:t>Dobra klasa powinna wykonywać tylko jedno zadanie.</a:t>
-            </a:r>
-            <a:r>
-              <a:rPr lang="pl-PL" dirty="0" smtClean="0"/>
-              <a:t> </a:t>
-            </a:r>
-            <a:br>
-              <a:rPr lang="pl-PL" dirty="0" smtClean="0"/>
-            </a:br>
-            <a:endParaRPr lang="pl-PL" dirty="0" smtClean="0"/>
-          </a:p>
-          <a:p>
-            <a:r>
-              <a:rPr lang="pl-PL" dirty="0" smtClean="0"/>
-              <a:t>Klasa A:</a:t>
-            </a:r>
-          </a:p>
-          <a:p>
-            <a:pPr lvl="1"/>
-            <a:r>
-              <a:rPr lang="pl-PL" dirty="0"/>
-              <a:t>nawiązuje połączenie z bazą danych</a:t>
-            </a:r>
-            <a:r>
-              <a:rPr lang="pl-PL" dirty="0" smtClean="0"/>
-              <a:t> </a:t>
-            </a:r>
-          </a:p>
-          <a:p>
-            <a:pPr lvl="1"/>
+          <a:bodyPr/>
+          <a:lstStyle/>
+          <a:p>
             <a:r>
               <a:rPr lang="en-GB" dirty="0" err="1"/>
-              <a:t>pobiera</a:t>
-            </a:r>
-            <a:r>
-              <a:rPr lang="en-GB" dirty="0"/>
-              <a:t> </a:t>
-            </a:r>
-            <a:r>
-              <a:rPr lang="en-GB" dirty="0" err="1"/>
-              <a:t>dane</a:t>
+              <a:t>ihridx</a:t>
             </a:r>
             <a:r>
               <a:rPr lang="en-GB" dirty="0" smtClean="0"/>
@@ -7327,34 +7441,20 @@
             <a:endParaRPr lang="pl-PL" dirty="0" smtClean="0"/>
           </a:p>
           <a:p>
-            <a:pPr lvl="1"/>
-            <a:r>
-              <a:rPr lang="en-GB" dirty="0" err="1" smtClean="0"/>
-              <a:t>wykonuje</a:t>
+            <a:r>
+              <a:rPr lang="en-GB" dirty="0" err="1"/>
+              <a:t>mystring</a:t>
             </a:r>
             <a:r>
               <a:rPr lang="en-GB" dirty="0" smtClean="0"/>
               <a:t> </a:t>
             </a:r>
-            <a:r>
-              <a:rPr lang="en-GB" dirty="0" err="1"/>
-              <a:t>na</a:t>
-            </a:r>
-            <a:r>
-              <a:rPr lang="en-GB" dirty="0"/>
-              <a:t> </a:t>
-            </a:r>
-            <a:r>
-              <a:rPr lang="en-GB" dirty="0" err="1"/>
-              <a:t>nich</a:t>
-            </a:r>
-            <a:r>
-              <a:rPr lang="en-GB" dirty="0"/>
-              <a:t> </a:t>
-            </a:r>
-            <a:r>
-              <a:rPr lang="en-GB" dirty="0" err="1"/>
-              <a:t>działania</a:t>
+            <a:endParaRPr lang="pl-PL" dirty="0" smtClean="0"/>
+          </a:p>
+          <a:p>
+            <a:r>
+              <a:rPr lang="en-GB" dirty="0" err="1" smtClean="0"/>
+              <a:t>myint</a:t>
             </a:r>
             <a:r>
               <a:rPr lang="en-GB" dirty="0" smtClean="0"/>
@@ -7363,125 +7463,35 @@
             <a:endParaRPr lang="pl-PL" dirty="0" smtClean="0"/>
           </a:p>
           <a:p>
-            <a:pPr lvl="1"/>
-            <a:r>
-              <a:rPr lang="en-GB" dirty="0" err="1"/>
-              <a:t>ładuje</a:t>
-            </a:r>
-            <a:r>
-              <a:rPr lang="en-GB" dirty="0"/>
-              <a:t> </a:t>
-            </a:r>
             <a:r>
               <a:rPr lang="en-GB" dirty="0" err="1" smtClean="0"/>
-              <a:t>raport</a:t>
+              <a:t>Mymethod</a:t>
             </a:r>
             <a:endParaRPr lang="pl-PL" dirty="0"/>
           </a:p>
           <a:p>
-            <a:pPr lvl="1"/>
-            <a:r>
-              <a:rPr lang="en-GB" dirty="0" err="1"/>
-              <a:t>przypisuje</a:t>
-            </a:r>
-            <a:r>
-              <a:rPr lang="en-GB" dirty="0"/>
-              <a:t> </a:t>
-            </a:r>
-            <a:r>
-              <a:rPr lang="en-GB" dirty="0" err="1"/>
-              <a:t>dane</a:t>
-            </a:r>
-            <a:r>
-              <a:rPr lang="en-GB" dirty="0"/>
-              <a:t> do </a:t>
-            </a:r>
-            <a:r>
-              <a:rPr lang="en-GB" dirty="0" err="1"/>
-              <a:t>raportu</a:t>
-            </a:r>
             <a:r>
               <a:rPr lang="en-GB" dirty="0" smtClean="0"/>
-              <a:t> </a:t>
-            </a:r>
-            <a:endParaRPr lang="pl-PL" dirty="0" smtClean="0"/>
-          </a:p>
-          <a:p>
-            <a:pPr lvl="1"/>
-            <a:r>
-              <a:rPr lang="en-GB" dirty="0" err="1"/>
-              <a:t>wyświetla</a:t>
-            </a:r>
-            <a:r>
-              <a:rPr lang="en-GB" dirty="0"/>
-              <a:t> go</a:t>
-            </a:r>
-            <a:r>
-              <a:rPr lang="en-GB" dirty="0" smtClean="0"/>
-              <a:t> </a:t>
-            </a:r>
-            <a:endParaRPr lang="pl-PL" dirty="0" smtClean="0"/>
-          </a:p>
-          <a:p>
-            <a:pPr lvl="1"/>
-            <a:r>
-              <a:rPr lang="en-GB" dirty="0" err="1"/>
-              <a:t>zapisuje</a:t>
-            </a:r>
-            <a:r>
-              <a:rPr lang="en-GB" dirty="0"/>
-              <a:t> </a:t>
-            </a:r>
-            <a:r>
-              <a:rPr lang="en-GB" dirty="0" err="1"/>
-              <a:t>na</a:t>
-            </a:r>
-            <a:r>
-              <a:rPr lang="en-GB" dirty="0"/>
-              <a:t> </a:t>
-            </a:r>
-            <a:r>
-              <a:rPr lang="en-GB" dirty="0" err="1"/>
-              <a:t>dysku</a:t>
-            </a:r>
-            <a:r>
-              <a:rPr lang="en-GB" dirty="0" smtClean="0"/>
-              <a:t> </a:t>
-            </a:r>
-            <a:endParaRPr lang="pl-PL" dirty="0" smtClean="0"/>
-          </a:p>
-          <a:p>
-            <a:pPr lvl="1"/>
-            <a:r>
-              <a:rPr lang="pl-PL" dirty="0" smtClean="0"/>
-              <a:t>drukuje</a:t>
-            </a:r>
-          </a:p>
-          <a:p>
-            <a:pPr lvl="1"/>
-            <a:r>
-              <a:rPr lang="en-GB" dirty="0" err="1"/>
-              <a:t>eksportuje</a:t>
-            </a:r>
-            <a:r>
-              <a:rPr lang="en-GB" dirty="0"/>
-              <a:t> </a:t>
-            </a:r>
-            <a:r>
-              <a:rPr lang="en-GB" dirty="0" smtClean="0"/>
-              <a:t>go</a:t>
+              <a:t/>
             </a:r>
             <a:br>
               <a:rPr lang="en-GB" dirty="0" smtClean="0"/>
             </a:br>
-            <a:endParaRPr lang="pl-PL" dirty="0" smtClean="0"/>
+            <a:r>
+              <a:rPr lang="en-GB" dirty="0" smtClean="0"/>
+              <a:t/>
+            </a:r>
+            <a:br>
+              <a:rPr lang="en-GB" dirty="0" smtClean="0"/>
+            </a:br>
+            <a:endParaRPr lang="en-GB" dirty="0"/>
           </a:p>
         </p:txBody>
       </p:sp>
     </p:spTree>
     <p:extLst>
       <p:ext uri="{BB962C8B-B14F-4D97-AF65-F5344CB8AC3E}">
-        <p14:creationId xmlns:p14="http://schemas.microsoft.com/office/powerpoint/2010/main" val="1829134280"/>
+        <p14:creationId xmlns:p14="http://schemas.microsoft.com/office/powerpoint/2010/main" val="3182370818"/>
       </p:ext>
     </p:extLst>
   </p:cSld>
@@ -7523,70 +7533,63 @@
           <a:bodyPr/>
           <a:lstStyle/>
           <a:p>
-            <a:r>
-              <a:rPr lang="pl-PL" b="1" dirty="0" smtClean="0"/>
-              <a:t>Klasy, które wykonują wiele zadań</a:t>
-            </a:r>
-            <a:r>
-              <a:rPr lang="pl-PL" dirty="0" smtClean="0"/>
+            <a:endParaRPr lang="en-GB"/>
+          </a:p>
+        </p:txBody>
+      </p:sp>
+      <p:sp>
+        <p:nvSpPr>
+          <p:cNvPr id="3" name="Content Placeholder 2"/>
+          <p:cNvSpPr>
+            <a:spLocks noGrp="1"/>
+          </p:cNvSpPr>
+          <p:nvPr>
+            <p:ph idx="1"/>
+          </p:nvPr>
+        </p:nvSpPr>
+        <p:spPr/>
+        <p:txBody>
+          <a:bodyPr/>
+          <a:lstStyle/>
+          <a:p>
+            <a:r>
+              <a:rPr lang="pl-PL" dirty="0"/>
+              <a:t>Nie stosuj tej samej konwencji kodu dla zmiennych na poziomie klasy i na poziomie </a:t>
+            </a:r>
+            <a:r>
+              <a:rPr lang="pl-PL" dirty="0" smtClean="0"/>
+              <a:t>metody</a:t>
+            </a:r>
+            <a:endParaRPr lang="pl-PL" dirty="0"/>
+          </a:p>
+          <a:p>
+            <a:pPr lvl="1"/>
+            <a:r>
+              <a:rPr lang="en-GB" dirty="0" err="1" smtClean="0"/>
+              <a:t>alienSpawn</a:t>
+            </a:r>
+            <a:endParaRPr lang="pl-PL" dirty="0" smtClean="0"/>
+          </a:p>
+          <a:p>
+            <a:pPr lvl="1"/>
+            <a:r>
+              <a:rPr lang="en-GB" dirty="0" err="1" smtClean="0"/>
+              <a:t>EnemySpawnGenerator</a:t>
+            </a:r>
+            <a:endParaRPr lang="pl-PL" dirty="0" smtClean="0"/>
+          </a:p>
+          <a:p>
+            <a:pPr lvl="1"/>
+            <a:r>
+              <a:rPr lang="pl-PL" dirty="0" smtClean="0"/>
+              <a:t>_value</a:t>
+            </a:r>
+            <a:r>
+              <a:rPr lang="en-GB" dirty="0" smtClean="0"/>
               <a:t> </a:t>
             </a:r>
-            <a:endParaRPr lang="en-GB" dirty="0"/>
-          </a:p>
-        </p:txBody>
-      </p:sp>
-      <p:sp>
-        <p:nvSpPr>
-          <p:cNvPr id="3" name="Content Placeholder 2"/>
-          <p:cNvSpPr>
-            <a:spLocks noGrp="1"/>
-          </p:cNvSpPr>
-          <p:nvPr>
-            <p:ph idx="1"/>
-          </p:nvPr>
-        </p:nvSpPr>
-        <p:spPr/>
-        <p:txBody>
-          <a:bodyPr/>
-          <a:lstStyle/>
-          <a:p>
-            <a:r>
-              <a:rPr lang="pl-PL" dirty="0"/>
-              <a:t>wszechstronne klasy są bardzo trudne do czytania</a:t>
-            </a:r>
-            <a:r>
-              <a:rPr lang="pl-PL" dirty="0" smtClean="0"/>
-              <a:t> </a:t>
-            </a:r>
-          </a:p>
-          <a:p>
-            <a:r>
-              <a:rPr lang="pl-PL" dirty="0"/>
-              <a:t>zorganizuj ich funkcjonalności za pomocą regionów</a:t>
-            </a:r>
-            <a:r>
-              <a:rPr lang="pl-PL" dirty="0" smtClean="0"/>
-              <a:t> </a:t>
-            </a:r>
-          </a:p>
-          <a:p>
-            <a:r>
-              <a:rPr lang="pl-PL" dirty="0"/>
-              <a:t>Następnie przenieś kod z tych regionów do nowych klas, które wykonują jedno zadanie.</a:t>
-            </a:r>
-            <a:r>
-              <a:rPr lang="pl-PL" dirty="0" smtClean="0"/>
-              <a:t> </a:t>
-            </a:r>
             <a:br>
-              <a:rPr lang="pl-PL" dirty="0" smtClean="0"/>
-            </a:br>
-            <a:r>
-              <a:rPr lang="pl-PL" dirty="0" smtClean="0"/>
-              <a:t/>
-            </a:r>
-            <a:br>
-              <a:rPr lang="pl-PL" dirty="0" smtClean="0"/>
+              <a:rPr lang="en-GB" dirty="0" smtClean="0"/>
             </a:br>
             <a:endParaRPr lang="en-GB" dirty="0"/>
           </a:p>
@@ -7595,7 +7598,7 @@
     </p:spTree>
     <p:extLst>
       <p:ext uri="{BB962C8B-B14F-4D97-AF65-F5344CB8AC3E}">
-        <p14:creationId xmlns:p14="http://schemas.microsoft.com/office/powerpoint/2010/main" val="3585457545"/>
+        <p14:creationId xmlns:p14="http://schemas.microsoft.com/office/powerpoint/2010/main" val="1653105814"/>
       </p:ext>
     </p:extLst>
   </p:cSld>
@@ -7635,17 +7638,17 @@
         <p:spPr/>
         <p:txBody>
           <a:bodyPr>
-            <a:normAutofit fontScale="90000"/>
+            <a:normAutofit/>
           </a:bodyPr>
           <a:lstStyle/>
           <a:p>
             <a:r>
               <a:rPr lang="pl-PL" b="1" dirty="0"/>
-              <a:t>Metody, które wykonują wiele </a:t>
-            </a:r>
-            <a:r>
-              <a:rPr lang="pl-PL" b="1" dirty="0" smtClean="0"/>
-              <a:t>działań</a:t>
+              <a:t>Klasy, które wykonują wiele zadań</a:t>
+            </a:r>
+            <a:r>
+              <a:rPr lang="pl-PL" dirty="0" smtClean="0"/>
+              <a:t> </a:t>
             </a:r>
             <a:endParaRPr lang="en-GB" dirty="0"/>
           </a:p>
@@ -7663,28 +7666,217 @@
         </p:nvSpPr>
         <p:spPr/>
         <p:txBody>
-          <a:bodyPr/>
-          <a:lstStyle/>
-          <a:p>
-            <a:r>
-              <a:rPr lang="pl-PL" dirty="0"/>
-              <a:t>powyższa metoda ma powyżej 10 wierszy kodu i jest trudna do czytania. Poza tym wykonuje więcej niż jedno działanie. Jej kod można podzielić na dwie metody, z których każda będzie wykonywała tylko jedno działanie. </a:t>
-            </a:r>
-            <a:r>
-              <a:rPr lang="pl-PL" dirty="0" smtClean="0"/>
-              <a:t/>
+          <a:bodyPr>
+            <a:normAutofit fontScale="77500" lnSpcReduction="20000"/>
+          </a:bodyPr>
+          <a:lstStyle/>
+          <a:p>
+            <a:r>
+              <a:rPr lang="pl-PL" dirty="0"/>
+              <a:t>Dobra klasa powinna wykonywać tylko jedno zadanie.</a:t>
+            </a:r>
+            <a:r>
+              <a:rPr lang="pl-PL" dirty="0" smtClean="0"/>
+              <a:t> </a:t>
             </a:r>
             <a:br>
               <a:rPr lang="pl-PL" dirty="0" smtClean="0"/>
             </a:br>
-            <a:endParaRPr lang="en-GB" dirty="0"/>
+            <a:endParaRPr lang="pl-PL" dirty="0" smtClean="0"/>
+          </a:p>
+          <a:p>
+            <a:r>
+              <a:rPr lang="pl-PL" dirty="0" smtClean="0"/>
+              <a:t>Klasa A:</a:t>
+            </a:r>
+          </a:p>
+          <a:p>
+            <a:pPr lvl="1"/>
+            <a:r>
+              <a:rPr lang="pl-PL" dirty="0"/>
+              <a:t>nawiązuje połączenie z bazą danych</a:t>
+            </a:r>
+            <a:r>
+              <a:rPr lang="pl-PL" dirty="0" smtClean="0"/>
+              <a:t> </a:t>
+            </a:r>
+          </a:p>
+          <a:p>
+            <a:pPr lvl="1"/>
+            <a:r>
+              <a:rPr lang="en-GB" dirty="0" err="1"/>
+              <a:t>pobiera</a:t>
+            </a:r>
+            <a:r>
+              <a:rPr lang="en-GB" dirty="0"/>
+              <a:t> </a:t>
+            </a:r>
+            <a:r>
+              <a:rPr lang="en-GB" dirty="0" err="1"/>
+              <a:t>dane</a:t>
+            </a:r>
+            <a:r>
+              <a:rPr lang="en-GB" dirty="0" smtClean="0"/>
+              <a:t> </a:t>
+            </a:r>
+            <a:endParaRPr lang="pl-PL" dirty="0" smtClean="0"/>
+          </a:p>
+          <a:p>
+            <a:pPr lvl="1"/>
+            <a:r>
+              <a:rPr lang="en-GB" dirty="0" err="1" smtClean="0"/>
+              <a:t>wykonuje</a:t>
+            </a:r>
+            <a:r>
+              <a:rPr lang="en-GB" dirty="0" smtClean="0"/>
+              <a:t> </a:t>
+            </a:r>
+            <a:r>
+              <a:rPr lang="en-GB" dirty="0" err="1"/>
+              <a:t>na</a:t>
+            </a:r>
+            <a:r>
+              <a:rPr lang="en-GB" dirty="0"/>
+              <a:t> </a:t>
+            </a:r>
+            <a:r>
+              <a:rPr lang="en-GB" dirty="0" err="1"/>
+              <a:t>nich</a:t>
+            </a:r>
+            <a:r>
+              <a:rPr lang="en-GB" dirty="0"/>
+              <a:t> </a:t>
+            </a:r>
+            <a:r>
+              <a:rPr lang="en-GB" dirty="0" err="1"/>
+              <a:t>działania</a:t>
+            </a:r>
+            <a:r>
+              <a:rPr lang="en-GB" dirty="0" smtClean="0"/>
+              <a:t> </a:t>
+            </a:r>
+            <a:endParaRPr lang="pl-PL" dirty="0" smtClean="0"/>
+          </a:p>
+          <a:p>
+            <a:pPr lvl="1"/>
+            <a:r>
+              <a:rPr lang="en-GB" dirty="0" err="1"/>
+              <a:t>ładuje</a:t>
+            </a:r>
+            <a:r>
+              <a:rPr lang="en-GB" dirty="0"/>
+              <a:t> </a:t>
+            </a:r>
+            <a:r>
+              <a:rPr lang="en-GB" dirty="0" err="1" smtClean="0"/>
+              <a:t>raport</a:t>
+            </a:r>
+            <a:endParaRPr lang="pl-PL" dirty="0"/>
+          </a:p>
+          <a:p>
+            <a:pPr lvl="1"/>
+            <a:r>
+              <a:rPr lang="en-GB" dirty="0" err="1"/>
+              <a:t>przypisuje</a:t>
+            </a:r>
+            <a:r>
+              <a:rPr lang="en-GB" dirty="0"/>
+              <a:t> </a:t>
+            </a:r>
+            <a:r>
+              <a:rPr lang="en-GB" dirty="0" err="1"/>
+              <a:t>dane</a:t>
+            </a:r>
+            <a:r>
+              <a:rPr lang="en-GB" dirty="0"/>
+              <a:t> do </a:t>
+            </a:r>
+            <a:r>
+              <a:rPr lang="en-GB" dirty="0" err="1"/>
+              <a:t>raportu</a:t>
+            </a:r>
+            <a:r>
+              <a:rPr lang="en-GB" dirty="0" smtClean="0"/>
+              <a:t> </a:t>
+            </a:r>
+            <a:endParaRPr lang="pl-PL" dirty="0" smtClean="0"/>
+          </a:p>
+          <a:p>
+            <a:pPr lvl="1"/>
+            <a:r>
+              <a:rPr lang="en-GB" dirty="0" err="1"/>
+              <a:t>wyświetla</a:t>
+            </a:r>
+            <a:r>
+              <a:rPr lang="en-GB" dirty="0"/>
+              <a:t> go</a:t>
+            </a:r>
+            <a:r>
+              <a:rPr lang="en-GB" dirty="0" smtClean="0"/>
+              <a:t> </a:t>
+            </a:r>
+            <a:endParaRPr lang="pl-PL" dirty="0" smtClean="0"/>
+          </a:p>
+          <a:p>
+            <a:pPr lvl="1"/>
+            <a:r>
+              <a:rPr lang="en-GB" dirty="0" err="1"/>
+              <a:t>zapisuje</a:t>
+            </a:r>
+            <a:r>
+              <a:rPr lang="en-GB" dirty="0"/>
+              <a:t> </a:t>
+            </a:r>
+            <a:r>
+              <a:rPr lang="en-GB" dirty="0" err="1"/>
+              <a:t>na</a:t>
+            </a:r>
+            <a:r>
+              <a:rPr lang="en-GB" dirty="0"/>
+              <a:t> </a:t>
+            </a:r>
+            <a:r>
+              <a:rPr lang="en-GB" dirty="0" err="1"/>
+              <a:t>dysku</a:t>
+            </a:r>
+            <a:r>
+              <a:rPr lang="en-GB" dirty="0" smtClean="0"/>
+              <a:t> </a:t>
+            </a:r>
+            <a:endParaRPr lang="pl-PL" dirty="0" smtClean="0"/>
+          </a:p>
+          <a:p>
+            <a:pPr lvl="1"/>
+            <a:r>
+              <a:rPr lang="pl-PL" dirty="0" smtClean="0"/>
+              <a:t>drukuje</a:t>
+            </a:r>
+          </a:p>
+          <a:p>
+            <a:pPr lvl="1"/>
+            <a:r>
+              <a:rPr lang="en-GB" dirty="0" err="1"/>
+              <a:t>eksportuje</a:t>
+            </a:r>
+            <a:r>
+              <a:rPr lang="en-GB" dirty="0"/>
+              <a:t> </a:t>
+            </a:r>
+            <a:r>
+              <a:rPr lang="en-GB" dirty="0" smtClean="0"/>
+              <a:t>go</a:t>
+            </a:r>
+            <a:br>
+              <a:rPr lang="en-GB" dirty="0" smtClean="0"/>
+            </a:br>
+            <a:endParaRPr lang="pl-PL" dirty="0" smtClean="0"/>
           </a:p>
         </p:txBody>
       </p:sp>
     </p:spTree>
     <p:extLst>
       <p:ext uri="{BB962C8B-B14F-4D97-AF65-F5344CB8AC3E}">
-        <p14:creationId xmlns:p14="http://schemas.microsoft.com/office/powerpoint/2010/main" val="2471956738"/>
+        <p14:creationId xmlns:p14="http://schemas.microsoft.com/office/powerpoint/2010/main" val="1829134280"/>
       </p:ext>
     </p:extLst>
   </p:cSld>
@@ -7723,18 +7915,16 @@
         </p:nvSpPr>
         <p:spPr/>
         <p:txBody>
-          <a:bodyPr>
-            <a:normAutofit fontScale="90000"/>
-          </a:bodyPr>
-          <a:lstStyle/>
-          <a:p>
-            <a:r>
-              <a:rPr lang="pl-PL" b="1" dirty="0"/>
-              <a:t>Metody zawierające więcej niż 10 wierszy </a:t>
-            </a:r>
+          <a:bodyPr/>
+          <a:lstStyle/>
+          <a:p>
             <a:r>
               <a:rPr lang="pl-PL" b="1" dirty="0" smtClean="0"/>
-              <a:t>kodu</a:t>
+              <a:t>Klasy, które wykonują wiele zadań</a:t>
+            </a:r>
+            <a:r>
+              <a:rPr lang="pl-PL" dirty="0" smtClean="0"/>
+              <a:t> </a:t>
             </a:r>
             <a:endParaRPr lang="en-GB" dirty="0"/>
           </a:p>
@@ -7752,43 +7942,12 @@
         </p:nvSpPr>
         <p:spPr/>
         <p:txBody>
-          <a:bodyPr>
-            <a:normAutofit fontScale="62500" lnSpcReduction="20000"/>
-          </a:bodyPr>
-          <a:lstStyle/>
-          <a:p>
-            <a:r>
-              <a:rPr lang="pl-PL" dirty="0"/>
-              <a:t>Rozbudowane metody nie są łatwe do czytania i trudno je zrozumieć. Występujące w nich błędy mogą być również bardzo trudne do odszukania. </a:t>
-            </a:r>
-            <a:endParaRPr lang="pl-PL" dirty="0" smtClean="0"/>
-          </a:p>
-          <a:p>
-            <a:r>
-              <a:rPr lang="pl-PL" dirty="0"/>
-              <a:t>bardzo łatwo zapomnieć o ich pierwotnym </a:t>
-            </a:r>
-            <a:r>
-              <a:rPr lang="pl-PL" dirty="0" smtClean="0"/>
-              <a:t>celu</a:t>
-            </a:r>
-            <a:endParaRPr lang="pl-PL" dirty="0"/>
-          </a:p>
-          <a:p>
-            <a:r>
-              <a:rPr lang="pl-PL" dirty="0"/>
-              <a:t>Jeśli musisz przewijać ekran, by czytać metodę, to jest ona zbyt </a:t>
-            </a:r>
-            <a:r>
-              <a:rPr lang="pl-PL" dirty="0" smtClean="0"/>
-              <a:t>długa</a:t>
-            </a:r>
-            <a:endParaRPr lang="pl-PL" dirty="0"/>
-          </a:p>
-          <a:p>
-            <a:r>
-              <a:rPr lang="pl-PL" dirty="0"/>
-              <a:t>Metody powinny być jak najkrótsze. Trzeba jednak zachować zdrowy rozsądek. Można bowiem doprowadzić do nadmiernego skracania metod.</a:t>
+          <a:bodyPr/>
+          <a:lstStyle/>
+          <a:p>
+            <a:r>
+              <a:rPr lang="pl-PL" dirty="0"/>
+              <a:t>wszechstronne klasy są bardzo trudne do czytania</a:t>
             </a:r>
             <a:r>
               <a:rPr lang="pl-PL" dirty="0" smtClean="0"/>
@@ -7798,7 +7957,7 @@
           <a:p>
             <a:r>
               <a:rPr lang="pl-PL" dirty="0"/>
-              <a:t>by cel metody był jasny i zaimplementowane w zwięzły sposób</a:t>
+              <a:t>zorganizuj ich funkcjonalności za pomocą regionów</a:t>
             </a:r>
             <a:r>
               <a:rPr lang="pl-PL" dirty="0" smtClean="0"/>
@@ -7808,25 +7967,11 @@
           <a:p>
             <a:r>
               <a:rPr lang="pl-PL" dirty="0"/>
-              <a:t>Krótkie metody są czytelne i łatwe do zrozumienia. Zazwyczaj jeśli kod metody przekracza 10 wierszy, to istnieje prawdopodobieństwo, że robi więcej niż powinien.</a:t>
+              <a:t>Następnie przenieś kod z tych regionów do nowych klas, które wykonują jedno zadanie.</a:t>
             </a:r>
             <a:r>
               <a:rPr lang="pl-PL" dirty="0" smtClean="0"/>
               <a:t> </a:t>
-            </a:r>
-            <a:br>
-              <a:rPr lang="pl-PL" dirty="0" smtClean="0"/>
-            </a:br>
-            <a:r>
-              <a:rPr lang="pl-PL" dirty="0" smtClean="0"/>
-              <a:t/>
-            </a:r>
-            <a:br>
-              <a:rPr lang="pl-PL" dirty="0" smtClean="0"/>
-            </a:br>
-            <a:r>
-              <a:rPr lang="pl-PL" dirty="0" smtClean="0"/>
-              <a:t/>
             </a:r>
             <a:br>
               <a:rPr lang="pl-PL" dirty="0" smtClean="0"/>
@@ -7845,7 +7990,7 @@
     </p:spTree>
     <p:extLst>
       <p:ext uri="{BB962C8B-B14F-4D97-AF65-F5344CB8AC3E}">
-        <p14:creationId xmlns:p14="http://schemas.microsoft.com/office/powerpoint/2010/main" val="3622346777"/>
+        <p14:creationId xmlns:p14="http://schemas.microsoft.com/office/powerpoint/2010/main" val="3585457545"/>
       </p:ext>
     </p:extLst>
   </p:cSld>
@@ -7891,11 +8036,11 @@
           <a:p>
             <a:r>
               <a:rPr lang="pl-PL" b="1" dirty="0"/>
-              <a:t>Metody z więcej niż dwoma parametrami</a:t>
-            </a:r>
-            <a:r>
-              <a:rPr lang="pl-PL" dirty="0" smtClean="0"/>
-              <a:t> </a:t>
+              <a:t>Metody, które wykonują wiele </a:t>
+            </a:r>
+            <a:r>
+              <a:rPr lang="pl-PL" b="1" dirty="0" smtClean="0"/>
+              <a:t>działań</a:t>
             </a:r>
             <a:endParaRPr lang="en-GB" dirty="0"/>
           </a:p>
@@ -7913,29 +8058,16 @@
         </p:nvSpPr>
         <p:spPr/>
         <p:txBody>
-          <a:bodyPr>
-            <a:normAutofit lnSpcReduction="10000"/>
-          </a:bodyPr>
-          <a:lstStyle/>
-          <a:p>
-            <a:r>
-              <a:rPr lang="pl-PL" dirty="0"/>
-              <a:t>Wraz ze wzrostem liczby parametrów rośnie trudność testowania metod. Głównym powodem jest konieczność zastosowania większej liczby permutacji w przypadkach </a:t>
-            </a:r>
-            <a:r>
-              <a:rPr lang="pl-PL" dirty="0" smtClean="0"/>
-              <a:t>testowych</a:t>
-            </a:r>
-            <a:endParaRPr lang="pl-PL" dirty="0"/>
-          </a:p>
-          <a:p>
-            <a:r>
-              <a:rPr lang="pl-PL" dirty="0"/>
-              <a:t>Istnieje zatem zagrożenie, że pominiesz przypadek użycia, który później spowoduje problemy w </a:t>
-            </a:r>
-            <a:r>
-              <a:rPr lang="pl-PL" dirty="0" smtClean="0"/>
-              <a:t>produkcji</a:t>
+          <a:bodyPr/>
+          <a:lstStyle/>
+          <a:p>
+            <a:r>
+              <a:rPr lang="pl-PL" dirty="0"/>
+              <a:t>powyższa metoda ma powyżej 10 wierszy kodu i jest trudna do czytania. Poza tym wykonuje więcej niż jedno działanie. Jej kod można podzielić na dwie metody, z których każda będzie wykonywała tylko jedno działanie. </a:t>
+            </a:r>
+            <a:r>
+              <a:rPr lang="pl-PL" dirty="0" smtClean="0"/>
+              <a:t/>
             </a:r>
             <a:br>
               <a:rPr lang="pl-PL" dirty="0" smtClean="0"/>
@@ -7947,7 +8079,7 @@
     </p:spTree>
     <p:extLst>
       <p:ext uri="{BB962C8B-B14F-4D97-AF65-F5344CB8AC3E}">
-        <p14:creationId xmlns:p14="http://schemas.microsoft.com/office/powerpoint/2010/main" val="1980618636"/>
+        <p14:creationId xmlns:p14="http://schemas.microsoft.com/office/powerpoint/2010/main" val="2471956738"/>
       </p:ext>
     </p:extLst>
   </p:cSld>
@@ -7993,11 +8125,11 @@
           <a:p>
             <a:r>
               <a:rPr lang="pl-PL" b="1" dirty="0"/>
-              <a:t>Korzystanie z wyjątków do sterowania przepływem </a:t>
+              <a:t>Metody zawierające więcej niż 10 wierszy </a:t>
             </a:r>
             <a:r>
               <a:rPr lang="pl-PL" b="1" dirty="0" smtClean="0"/>
-              <a:t>programu</a:t>
+              <a:t>kodu</a:t>
             </a:r>
             <a:endParaRPr lang="en-GB" dirty="0"/>
           </a:p>
@@ -8016,13 +8148,42 @@
         <p:spPr/>
         <p:txBody>
           <a:bodyPr>
-            <a:normAutofit fontScale="92500" lnSpcReduction="10000"/>
+            <a:normAutofit fontScale="62500" lnSpcReduction="20000"/>
           </a:bodyPr>
           <a:lstStyle/>
           <a:p>
             <a:r>
               <a:rPr lang="pl-PL" dirty="0"/>
-              <a:t>Wyjątki wykorzystywane do sterowania przepływem programu mogą ukryć wyrażone w kodzie intencje programisty.</a:t>
+              <a:t>Rozbudowane metody nie są łatwe do czytania i trudno je zrozumieć. Występujące w nich błędy mogą być również bardzo trudne do odszukania. </a:t>
+            </a:r>
+            <a:endParaRPr lang="pl-PL" dirty="0" smtClean="0"/>
+          </a:p>
+          <a:p>
+            <a:r>
+              <a:rPr lang="pl-PL" dirty="0"/>
+              <a:t>bardzo łatwo zapomnieć o ich pierwotnym </a:t>
+            </a:r>
+            <a:r>
+              <a:rPr lang="pl-PL" dirty="0" smtClean="0"/>
+              <a:t>celu</a:t>
+            </a:r>
+            <a:endParaRPr lang="pl-PL" dirty="0"/>
+          </a:p>
+          <a:p>
+            <a:r>
+              <a:rPr lang="pl-PL" dirty="0"/>
+              <a:t>Jeśli musisz przewijać ekran, by czytać metodę, to jest ona zbyt </a:t>
+            </a:r>
+            <a:r>
+              <a:rPr lang="pl-PL" dirty="0" smtClean="0"/>
+              <a:t>długa</a:t>
+            </a:r>
+            <a:endParaRPr lang="pl-PL" dirty="0"/>
+          </a:p>
+          <a:p>
+            <a:r>
+              <a:rPr lang="pl-PL" dirty="0"/>
+              <a:t>Metody powinny być jak najkrótsze. Trzeba jednak zachować zdrowy rozsądek. Można bowiem doprowadzić do nadmiernego skracania metod.</a:t>
             </a:r>
             <a:r>
               <a:rPr lang="pl-PL" dirty="0" smtClean="0"/>
@@ -8032,22 +8193,35 @@
           <a:p>
             <a:r>
               <a:rPr lang="pl-PL" dirty="0"/>
-              <a:t>Mogą również prowadzić do nieoczekiwanych i niezamierzonych rezultatów. </a:t>
-            </a:r>
-            <a:endParaRPr lang="pl-PL" dirty="0" smtClean="0"/>
-          </a:p>
-          <a:p>
-            <a:r>
-              <a:rPr lang="pl-PL" dirty="0" smtClean="0"/>
-              <a:t>Sam </a:t>
-            </a:r>
-            <a:r>
-              <a:rPr lang="pl-PL" dirty="0"/>
-              <a:t>fakt, że kod został zaprogramowany tak, że spodziewa się wystąpienia jednego lub większej liczby wyjątków, świadczy o błędach w projekcie.</a:t>
+              <a:t>by cel metody był jasny i zaimplementowane w zwięzły sposób</a:t>
             </a:r>
             <a:r>
               <a:rPr lang="pl-PL" dirty="0" smtClean="0"/>
               <a:t> </a:t>
+            </a:r>
+          </a:p>
+          <a:p>
+            <a:r>
+              <a:rPr lang="pl-PL" dirty="0"/>
+              <a:t>Krótkie metody są czytelne i łatwe do zrozumienia. Zazwyczaj jeśli kod metody przekracza 10 wierszy, to istnieje prawdopodobieństwo, że robi więcej niż powinien.</a:t>
+            </a:r>
+            <a:r>
+              <a:rPr lang="pl-PL" dirty="0" smtClean="0"/>
+              <a:t> </a:t>
+            </a:r>
+            <a:br>
+              <a:rPr lang="pl-PL" dirty="0" smtClean="0"/>
+            </a:br>
+            <a:r>
+              <a:rPr lang="pl-PL" dirty="0" smtClean="0"/>
+              <a:t/>
+            </a:r>
+            <a:br>
+              <a:rPr lang="pl-PL" dirty="0" smtClean="0"/>
+            </a:br>
+            <a:r>
+              <a:rPr lang="pl-PL" dirty="0" smtClean="0"/>
+              <a:t/>
             </a:r>
             <a:br>
               <a:rPr lang="pl-PL" dirty="0" smtClean="0"/>
@@ -8066,7 +8240,7 @@
     </p:spTree>
     <p:extLst>
       <p:ext uri="{BB962C8B-B14F-4D97-AF65-F5344CB8AC3E}">
-        <p14:creationId xmlns:p14="http://schemas.microsoft.com/office/powerpoint/2010/main" val="2632793107"/>
+        <p14:creationId xmlns:p14="http://schemas.microsoft.com/office/powerpoint/2010/main" val="3622346777"/>
       </p:ext>
     </p:extLst>
   </p:cSld>
@@ -8105,10 +8279,20 @@
         </p:nvSpPr>
         <p:spPr/>
         <p:txBody>
-          <a:bodyPr/>
-          <a:lstStyle/>
-          <a:p>
-            <a:endParaRPr lang="en-GB"/>
+          <a:bodyPr>
+            <a:normAutofit fontScale="90000"/>
+          </a:bodyPr>
+          <a:lstStyle/>
+          <a:p>
+            <a:r>
+              <a:rPr lang="pl-PL" b="1" dirty="0"/>
+              <a:t>Metody z więcej niż dwoma parametrami</a:t>
+            </a:r>
+            <a:r>
+              <a:rPr lang="pl-PL" dirty="0" smtClean="0"/>
+              <a:t> </a:t>
+            </a:r>
+            <a:endParaRPr lang="en-GB" dirty="0"/>
           </a:p>
         </p:txBody>
       </p:sp>
@@ -8124,35 +8308,33 @@
         </p:nvSpPr>
         <p:spPr/>
         <p:txBody>
-          <a:bodyPr/>
-          <a:lstStyle/>
-          <a:p>
-            <a:r>
-              <a:rPr lang="pl-PL" dirty="0"/>
-              <a:t>Zazwyczaj w oprogramowaniu wykorzystywane są wyjątki reguł biznesowych (</a:t>
-            </a:r>
-            <a:r>
-              <a:rPr lang="pl-PL" i="1" dirty="0"/>
-              <a:t>Business Rule Exceptions </a:t>
-            </a:r>
-            <a:r>
-              <a:rPr lang="pl-PL" dirty="0"/>
-              <a:t>— BRE</a:t>
-            </a:r>
-            <a:r>
-              <a:rPr lang="pl-PL" dirty="0" smtClean="0"/>
-              <a:t>)</a:t>
-            </a:r>
-          </a:p>
-          <a:p>
-            <a:r>
-              <a:rPr lang="pl-PL" b="1" dirty="0" smtClean="0"/>
-              <a:t>-&gt; </a:t>
-            </a:r>
-            <a:r>
-              <a:rPr lang="en-GB" dirty="0" err="1" smtClean="0"/>
-              <a:t>FlowByExceptions.cs</a:t>
-            </a:r>
+          <a:bodyPr>
+            <a:normAutofit lnSpcReduction="10000"/>
+          </a:bodyPr>
+          <a:lstStyle/>
+          <a:p>
+            <a:r>
+              <a:rPr lang="pl-PL" dirty="0"/>
+              <a:t>Wraz ze wzrostem liczby parametrów rośnie trudność testowania metod. Głównym powodem jest konieczność zastosowania większej liczby permutacji w przypadkach </a:t>
+            </a:r>
+            <a:r>
+              <a:rPr lang="pl-PL" dirty="0" smtClean="0"/>
+              <a:t>testowych</a:t>
+            </a:r>
+            <a:endParaRPr lang="pl-PL" dirty="0"/>
+          </a:p>
+          <a:p>
+            <a:r>
+              <a:rPr lang="pl-PL" dirty="0"/>
+              <a:t>Istnieje zatem zagrożenie, że pominiesz przypadek użycia, który później spowoduje problemy w </a:t>
+            </a:r>
+            <a:r>
+              <a:rPr lang="pl-PL" dirty="0" smtClean="0"/>
+              <a:t>produkcji</a:t>
+            </a:r>
+            <a:br>
+              <a:rPr lang="pl-PL" dirty="0" smtClean="0"/>
+            </a:br>
             <a:endParaRPr lang="en-GB" dirty="0"/>
           </a:p>
         </p:txBody>
@@ -8160,7 +8342,7 @@
     </p:spTree>
     <p:extLst>
       <p:ext uri="{BB962C8B-B14F-4D97-AF65-F5344CB8AC3E}">
-        <p14:creationId xmlns:p14="http://schemas.microsoft.com/office/powerpoint/2010/main" val="1083779041"/>
+        <p14:creationId xmlns:p14="http://schemas.microsoft.com/office/powerpoint/2010/main" val="1980618636"/>
       </p:ext>
     </p:extLst>
   </p:cSld>
@@ -8199,74 +8381,51 @@
         </p:nvSpPr>
         <p:spPr/>
         <p:txBody>
+          <a:bodyPr/>
+          <a:lstStyle/>
+          <a:p>
+            <a:endParaRPr lang="en-GB" dirty="0"/>
+          </a:p>
+        </p:txBody>
+      </p:sp>
+      <p:sp>
+        <p:nvSpPr>
+          <p:cNvPr id="3" name="Content Placeholder 2"/>
+          <p:cNvSpPr>
+            <a:spLocks noGrp="1"/>
+          </p:cNvSpPr>
+          <p:nvPr>
+            <p:ph idx="1"/>
+          </p:nvPr>
+        </p:nvSpPr>
+        <p:spPr/>
+        <p:txBody>
           <a:bodyPr>
-            <a:normAutofit/>
+            <a:normAutofit fontScale="92500" lnSpcReduction="20000"/>
           </a:bodyPr>
           <a:lstStyle/>
           <a:p>
             <a:r>
-              <a:rPr lang="en-GB" b="1" dirty="0" err="1"/>
-              <a:t>Kod</a:t>
-            </a:r>
-            <a:r>
-              <a:rPr lang="en-GB" b="1" dirty="0"/>
+              <a:rPr lang="pl-PL" dirty="0"/>
+              <a:t>Jeśli metody mają nie więcej niż dwa parametry, ich kod jest czytelny, a pojedynczy parametr, który jest obiektem, jest znacznie bardziej czytelny niż metoda z kilkoma parametrami.</a:t>
+            </a:r>
+            <a:r>
+              <a:rPr lang="pl-PL" dirty="0"/>
               <a:t> </a:t>
             </a:r>
-            <a:r>
-              <a:rPr lang="en-GB" b="1" dirty="0" err="1"/>
-              <a:t>trudny</a:t>
-            </a:r>
-            <a:r>
-              <a:rPr lang="en-GB" b="1" dirty="0"/>
-              <a:t> do </a:t>
-            </a:r>
-            <a:r>
-              <a:rPr lang="en-GB" b="1" dirty="0" err="1" smtClean="0"/>
-              <a:t>czytania</a:t>
-            </a:r>
-            <a:endParaRPr lang="en-GB" dirty="0"/>
-          </a:p>
-        </p:txBody>
-      </p:sp>
-      <p:sp>
-        <p:nvSpPr>
-          <p:cNvPr id="3" name="Content Placeholder 2"/>
-          <p:cNvSpPr>
-            <a:spLocks noGrp="1"/>
-          </p:cNvSpPr>
-          <p:nvPr>
-            <p:ph idx="1"/>
-          </p:nvPr>
-        </p:nvSpPr>
-        <p:spPr/>
-        <p:txBody>
-          <a:bodyPr/>
-          <a:lstStyle/>
-          <a:p>
-            <a:r>
-              <a:rPr lang="it-IT" i="1" dirty="0"/>
-              <a:t>lasagne code </a:t>
-            </a:r>
-            <a:endParaRPr lang="pl-PL" i="1" dirty="0" smtClean="0"/>
-          </a:p>
-          <a:p>
-            <a:r>
-              <a:rPr lang="it-IT" i="1" dirty="0" smtClean="0"/>
-              <a:t>spaghetti code</a:t>
-            </a:r>
-            <a:endParaRPr lang="pl-PL" i="1" dirty="0" smtClean="0"/>
-          </a:p>
-          <a:p>
-            <a:r>
-              <a:rPr lang="it-IT" i="1" dirty="0" smtClean="0"/>
+            <a:endParaRPr lang="pl-PL" dirty="0" smtClean="0"/>
+          </a:p>
+          <a:p>
+            <a:r>
+              <a:rPr lang="pl-PL" dirty="0"/>
+              <a:t>Jeśli jednak ma więcej niż dwa parametry, warto się zastanowić nad odpowiedzialnością klasy, do której należy, oraz jej metod: czy parametrów nie jest zbyt dużo? Jeśli potrzebujesz więcej niż dwóch parametrów, to będzie lepiej, jeśli przekażesz obiekt.</a:t>
+            </a:r>
+            <a:r>
+              <a:rPr lang="pl-PL" dirty="0"/>
               <a:t> </a:t>
             </a:r>
-            <a:r>
-              <a:rPr lang="it-IT" dirty="0" smtClean="0"/>
-              <a:t/>
-            </a:r>
             <a:br>
-              <a:rPr lang="it-IT" dirty="0" smtClean="0"/>
+              <a:rPr lang="pl-PL" dirty="0"/>
             </a:br>
             <a:endParaRPr lang="en-GB" dirty="0"/>
           </a:p>
@@ -8275,7 +8434,7 @@
     </p:spTree>
     <p:extLst>
       <p:ext uri="{BB962C8B-B14F-4D97-AF65-F5344CB8AC3E}">
-        <p14:creationId xmlns:p14="http://schemas.microsoft.com/office/powerpoint/2010/main" val="3994245358"/>
+        <p14:creationId xmlns:p14="http://schemas.microsoft.com/office/powerpoint/2010/main" val="764635043"/>
       </p:ext>
     </p:extLst>
   </p:cSld>
@@ -8457,10 +8616,20 @@
         </p:nvSpPr>
         <p:spPr/>
         <p:txBody>
-          <a:bodyPr/>
-          <a:lstStyle/>
-          <a:p>
-            <a:endParaRPr lang="en-GB"/>
+          <a:bodyPr>
+            <a:normAutofit fontScale="90000"/>
+          </a:bodyPr>
+          <a:lstStyle/>
+          <a:p>
+            <a:r>
+              <a:rPr lang="pl-PL" b="1" dirty="0"/>
+              <a:t>Korzystanie z wyjątków do sterowania przepływem </a:t>
+            </a:r>
+            <a:r>
+              <a:rPr lang="pl-PL" b="1" dirty="0" smtClean="0"/>
+              <a:t>programu</a:t>
+            </a:r>
+            <a:endParaRPr lang="en-GB" dirty="0"/>
           </a:p>
         </p:txBody>
       </p:sp>
@@ -8477,21 +8646,13 @@
         <p:spPr/>
         <p:txBody>
           <a:bodyPr>
-            <a:normAutofit fontScale="85000" lnSpcReduction="10000"/>
+            <a:normAutofit fontScale="92500" lnSpcReduction="10000"/>
           </a:bodyPr>
           <a:lstStyle/>
           <a:p>
             <a:r>
               <a:rPr lang="pl-PL" dirty="0"/>
-              <a:t>Kod lasagne, zwany również powszechnie kodem typu </a:t>
-            </a:r>
-            <a:r>
-              <a:rPr lang="pl-PL" i="1" dirty="0"/>
-              <a:t>indirection</a:t>
-            </a:r>
-            <a:r>
-              <a:rPr lang="pl-PL" dirty="0"/>
-              <a:t>, odwołuje się do warstw abstrakcji, w których obowiązują odwołania przez nazwę, a nie przez działania. W programowaniu obiektowym warstwy mają szerokie zastosowanie i są bardzo skuteczne.</a:t>
+              <a:t>Wyjątki wykorzystywane do sterowania przepływem programu mogą ukryć wyrażone w kodzie intencje programisty.</a:t>
             </a:r>
             <a:r>
               <a:rPr lang="pl-PL" dirty="0" smtClean="0"/>
@@ -8501,29 +8662,29 @@
           <a:p>
             <a:r>
               <a:rPr lang="pl-PL" dirty="0"/>
-              <a:t>Jednak im </a:t>
-            </a:r>
-            <a:r>
-              <a:rPr lang="pl-PL" dirty="0" smtClean="0"/>
-              <a:t>więcej </a:t>
-            </a:r>
-            <a:r>
-              <a:rPr lang="pl-PL" dirty="0"/>
-              <a:t>poziomów abstrakcji w kodzie, tym staje się on bardziej </a:t>
-            </a:r>
-            <a:r>
-              <a:rPr lang="pl-PL" dirty="0" smtClean="0"/>
-              <a:t>złożony</a:t>
-            </a:r>
-          </a:p>
-          <a:p>
-            <a:r>
-              <a:rPr lang="pl-PL" dirty="0"/>
-              <a:t>Trzeba więc zachować równowagę pomiędzy poziomem abstrakcji, a łatwością zrozumienia </a:t>
-            </a:r>
-            <a:r>
-              <a:rPr lang="pl-PL" dirty="0" smtClean="0"/>
-              <a:t>kodu</a:t>
+              <a:t>Mogą również prowadzić do nieoczekiwanych i niezamierzonych rezultatów. </a:t>
+            </a:r>
+            <a:endParaRPr lang="pl-PL" dirty="0" smtClean="0"/>
+          </a:p>
+          <a:p>
+            <a:r>
+              <a:rPr lang="pl-PL" dirty="0" smtClean="0"/>
+              <a:t>Sam </a:t>
+            </a:r>
+            <a:r>
+              <a:rPr lang="pl-PL" dirty="0"/>
+              <a:t>fakt, że kod został zaprogramowany tak, że spodziewa się wystąpienia jednego lub większej liczby wyjątków, świadczy o błędach w projekcie.</a:t>
+            </a:r>
+            <a:r>
+              <a:rPr lang="pl-PL" dirty="0" smtClean="0"/>
+              <a:t> </a:t>
+            </a:r>
+            <a:br>
+              <a:rPr lang="pl-PL" dirty="0" smtClean="0"/>
+            </a:br>
+            <a:r>
+              <a:rPr lang="pl-PL" dirty="0" smtClean="0"/>
+              <a:t/>
             </a:r>
             <a:br>
               <a:rPr lang="pl-PL" dirty="0" smtClean="0"/>
@@ -8535,7 +8696,7 @@
     </p:spTree>
     <p:extLst>
       <p:ext uri="{BB962C8B-B14F-4D97-AF65-F5344CB8AC3E}">
-        <p14:creationId xmlns:p14="http://schemas.microsoft.com/office/powerpoint/2010/main" val="2282351015"/>
+        <p14:creationId xmlns:p14="http://schemas.microsoft.com/office/powerpoint/2010/main" val="2632793107"/>
       </p:ext>
     </p:extLst>
   </p:cSld>
@@ -8593,36 +8754,35 @@
         </p:nvSpPr>
         <p:spPr/>
         <p:txBody>
-          <a:bodyPr>
-            <a:normAutofit lnSpcReduction="10000"/>
-          </a:bodyPr>
-          <a:lstStyle/>
-          <a:p>
-            <a:r>
-              <a:rPr lang="pl-PL" dirty="0"/>
-              <a:t>Kod spaghetti oznacza splątany bałagan szczelnie sprzężonego kodu o niskiej </a:t>
-            </a:r>
-            <a:r>
-              <a:rPr lang="pl-PL" dirty="0" smtClean="0"/>
-              <a:t>spójności.</a:t>
-            </a:r>
-          </a:p>
-          <a:p>
-            <a:r>
-              <a:rPr lang="pl-PL" dirty="0" smtClean="0"/>
-              <a:t>Taki </a:t>
-            </a:r>
-            <a:r>
-              <a:rPr lang="pl-PL" dirty="0"/>
-              <a:t>kod jest bardzo trudny do utrzymania, refaktoryzacji, rozszerzania i wprowadzania zmian w projekcie. Ma jednak jeden plus — ze względu na to, że jest w większym stopniu proceduralny, może być łatwy do czytania i śledzenia.</a:t>
-            </a:r>
-            <a:r>
-              <a:rPr lang="pl-PL" dirty="0" smtClean="0"/>
-              <a:t> </a:t>
-            </a:r>
-            <a:br>
-              <a:rPr lang="pl-PL" dirty="0" smtClean="0"/>
-            </a:br>
+          <a:bodyPr/>
+          <a:lstStyle/>
+          <a:p>
+            <a:r>
+              <a:rPr lang="pl-PL" dirty="0"/>
+              <a:t>Zazwyczaj w oprogramowaniu wykorzystywane są wyjątki reguł biznesowych (</a:t>
+            </a:r>
+            <a:r>
+              <a:rPr lang="pl-PL" i="1" dirty="0"/>
+              <a:t>Business Rule Exceptions </a:t>
+            </a:r>
+            <a:r>
+              <a:rPr lang="pl-PL" dirty="0"/>
+              <a:t>— BRE</a:t>
+            </a:r>
+            <a:r>
+              <a:rPr lang="pl-PL" dirty="0" smtClean="0"/>
+              <a:t>)</a:t>
+            </a:r>
+          </a:p>
+          <a:p>
+            <a:r>
+              <a:rPr lang="pl-PL" b="1" dirty="0" smtClean="0"/>
+              <a:t>-&gt; </a:t>
+            </a:r>
+            <a:r>
+              <a:rPr lang="en-GB" dirty="0" err="1" smtClean="0"/>
+              <a:t>FlowByExceptions.cs</a:t>
+            </a:r>
             <a:endParaRPr lang="en-GB" dirty="0"/>
           </a:p>
         </p:txBody>
@@ -8630,7 +8790,7 @@
     </p:spTree>
     <p:extLst>
       <p:ext uri="{BB962C8B-B14F-4D97-AF65-F5344CB8AC3E}">
-        <p14:creationId xmlns:p14="http://schemas.microsoft.com/office/powerpoint/2010/main" val="1720715516"/>
+        <p14:creationId xmlns:p14="http://schemas.microsoft.com/office/powerpoint/2010/main" val="1083779041"/>
       </p:ext>
     </p:extLst>
   </p:cSld>
@@ -8684,87 +8844,59 @@
             </a:r>
             <a:r>
               <a:rPr lang="en-GB" b="1" dirty="0" err="1"/>
-              <a:t>zawierający</a:t>
+              <a:t>trudny</a:t>
             </a:r>
             <a:r>
               <a:rPr lang="en-GB" b="1" dirty="0"/>
+              <a:t> do </a:t>
+            </a:r>
+            <a:r>
+              <a:rPr lang="en-GB" b="1" dirty="0" err="1" smtClean="0"/>
+              <a:t>czytania</a:t>
+            </a:r>
+            <a:endParaRPr lang="en-GB" dirty="0"/>
+          </a:p>
+        </p:txBody>
+      </p:sp>
+      <p:sp>
+        <p:nvSpPr>
+          <p:cNvPr id="3" name="Content Placeholder 2"/>
+          <p:cNvSpPr>
+            <a:spLocks noGrp="1"/>
+          </p:cNvSpPr>
+          <p:nvPr>
+            <p:ph idx="1"/>
+          </p:nvPr>
+        </p:nvSpPr>
+        <p:spPr/>
+        <p:txBody>
+          <a:bodyPr/>
+          <a:lstStyle/>
+          <a:p>
+            <a:r>
+              <a:rPr lang="it-IT" i="1" dirty="0"/>
+              <a:t>lasagne code </a:t>
+            </a:r>
+            <a:endParaRPr lang="pl-PL" i="1" dirty="0" smtClean="0"/>
+          </a:p>
+          <a:p>
+            <a:r>
+              <a:rPr lang="it-IT" i="1" dirty="0" smtClean="0"/>
+              <a:t>spaghetti code</a:t>
+            </a:r>
+            <a:endParaRPr lang="pl-PL" i="1" dirty="0" smtClean="0"/>
+          </a:p>
+          <a:p>
+            <a:r>
+              <a:rPr lang="it-IT" i="1" dirty="0" smtClean="0"/>
               <a:t> </a:t>
             </a:r>
             <a:r>
-              <a:rPr lang="en-GB" b="1" dirty="0" err="1"/>
-              <a:t>ścisłe</a:t>
-            </a:r>
-            <a:r>
-              <a:rPr lang="en-GB" b="1" dirty="0"/>
-              <a:t> </a:t>
-            </a:r>
-            <a:r>
-              <a:rPr lang="en-GB" b="1" dirty="0" err="1" smtClean="0"/>
-              <a:t>sprzężenia</a:t>
-            </a:r>
-            <a:endParaRPr lang="en-GB" dirty="0"/>
-          </a:p>
-        </p:txBody>
-      </p:sp>
-      <p:sp>
-        <p:nvSpPr>
-          <p:cNvPr id="3" name="Content Placeholder 2"/>
-          <p:cNvSpPr>
-            <a:spLocks noGrp="1"/>
-          </p:cNvSpPr>
-          <p:nvPr>
-            <p:ph idx="1"/>
-          </p:nvPr>
-        </p:nvSpPr>
-        <p:spPr/>
-        <p:txBody>
-          <a:bodyPr>
-            <a:normAutofit fontScale="85000" lnSpcReduction="10000"/>
-          </a:bodyPr>
-          <a:lstStyle/>
-          <a:p>
-            <a:r>
-              <a:rPr lang="pl-PL" dirty="0"/>
-              <a:t>Kod, który ma ścisłe sprzężenia, jest trudny do testowania, rozszerzania lub </a:t>
-            </a:r>
-            <a:r>
-              <a:rPr lang="pl-PL" dirty="0" smtClean="0"/>
-              <a:t>modyfikowania.</a:t>
-            </a:r>
-          </a:p>
-          <a:p>
-            <a:r>
-              <a:rPr lang="pl-PL" dirty="0" smtClean="0"/>
-              <a:t>Kod</a:t>
-            </a:r>
-            <a:r>
-              <a:rPr lang="pl-PL" dirty="0"/>
-              <a:t>, który zależy od innego kodu w systemie, trudno jest również wykorzystywać </a:t>
-            </a:r>
-            <a:r>
-              <a:rPr lang="pl-PL" dirty="0" smtClean="0"/>
-              <a:t>wielokrotnie</a:t>
-            </a:r>
-            <a:endParaRPr lang="pl-PL" dirty="0"/>
-          </a:p>
-          <a:p>
-            <a:r>
-              <a:rPr lang="pl-PL" dirty="0"/>
-              <a:t>Przykładem ścisłego sprzężenia jest odwoływanie się na liście parametrów do konkretnego typu klasy zamiast do interfejsu. Gdy odwołujesz się do konkretnej klasy, wszelkie zmiany w konkretnej klasie bezpośrednio wpływają na klasę, która się do niej odwołuje.</a:t>
-            </a:r>
-            <a:r>
-              <a:rPr lang="pl-PL" dirty="0" smtClean="0"/>
-              <a:t> </a:t>
+              <a:rPr lang="it-IT" dirty="0" smtClean="0"/>
+              <a:t/>
             </a:r>
             <a:br>
-              <a:rPr lang="pl-PL" dirty="0" smtClean="0"/>
-            </a:br>
-            <a:r>
-              <a:rPr lang="pl-PL" dirty="0" smtClean="0"/>
-              <a:t/>
-            </a:r>
-            <a:br>
-              <a:rPr lang="pl-PL" dirty="0" smtClean="0"/>
+              <a:rPr lang="it-IT" dirty="0" smtClean="0"/>
             </a:br>
             <a:endParaRPr lang="en-GB" dirty="0"/>
           </a:p>
@@ -8773,7 +8905,7 @@
     </p:spTree>
     <p:extLst>
       <p:ext uri="{BB962C8B-B14F-4D97-AF65-F5344CB8AC3E}">
-        <p14:creationId xmlns:p14="http://schemas.microsoft.com/office/powerpoint/2010/main" val="1994486664"/>
+        <p14:creationId xmlns:p14="http://schemas.microsoft.com/office/powerpoint/2010/main" val="3994245358"/>
       </p:ext>
     </p:extLst>
   </p:cSld>
@@ -8815,70 +8947,74 @@
           <a:bodyPr/>
           <a:lstStyle/>
           <a:p>
-            <a:r>
-              <a:rPr lang="en-GB" b="1" dirty="0" err="1" smtClean="0"/>
-              <a:t>Kod</a:t>
-            </a:r>
-            <a:r>
-              <a:rPr lang="en-GB" b="1" dirty="0" smtClean="0"/>
+            <a:endParaRPr lang="en-GB"/>
+          </a:p>
+        </p:txBody>
+      </p:sp>
+      <p:sp>
+        <p:nvSpPr>
+          <p:cNvPr id="3" name="Content Placeholder 2"/>
+          <p:cNvSpPr>
+            <a:spLocks noGrp="1"/>
+          </p:cNvSpPr>
+          <p:nvPr>
+            <p:ph idx="1"/>
+          </p:nvPr>
+        </p:nvSpPr>
+        <p:spPr/>
+        <p:txBody>
+          <a:bodyPr>
+            <a:normAutofit fontScale="85000" lnSpcReduction="10000"/>
+          </a:bodyPr>
+          <a:lstStyle/>
+          <a:p>
+            <a:r>
+              <a:rPr lang="pl-PL" dirty="0"/>
+              <a:t>Kod lasagne, zwany również powszechnie kodem typu </a:t>
+            </a:r>
+            <a:r>
+              <a:rPr lang="pl-PL" i="1" dirty="0"/>
+              <a:t>indirection</a:t>
+            </a:r>
+            <a:r>
+              <a:rPr lang="pl-PL" dirty="0"/>
+              <a:t>, odwołuje się do warstw abstrakcji, w których obowiązują odwołania przez nazwę, a nie przez działania. W programowaniu obiektowym warstwy mają szerokie zastosowanie i są bardzo skuteczne.</a:t>
+            </a:r>
+            <a:r>
+              <a:rPr lang="pl-PL" dirty="0" smtClean="0"/>
               <a:t> </a:t>
             </a:r>
-            <a:r>
-              <a:rPr lang="en-GB" b="1" dirty="0" err="1" smtClean="0"/>
-              <a:t>zawierający</a:t>
-            </a:r>
-            <a:r>
-              <a:rPr lang="en-GB" b="1" dirty="0" smtClean="0"/>
-              <a:t> </a:t>
-            </a:r>
-            <a:r>
-              <a:rPr lang="en-GB" b="1" dirty="0" err="1" smtClean="0"/>
-              <a:t>ścisłe</a:t>
-            </a:r>
-            <a:r>
-              <a:rPr lang="en-GB" b="1" dirty="0" smtClean="0"/>
-              <a:t> </a:t>
-            </a:r>
-            <a:r>
-              <a:rPr lang="en-GB" b="1" dirty="0" err="1" smtClean="0"/>
-              <a:t>sprzężenia</a:t>
-            </a:r>
-            <a:endParaRPr lang="en-GB" dirty="0"/>
-          </a:p>
-        </p:txBody>
-      </p:sp>
-      <p:sp>
-        <p:nvSpPr>
-          <p:cNvPr id="3" name="Content Placeholder 2"/>
-          <p:cNvSpPr>
-            <a:spLocks noGrp="1"/>
-          </p:cNvSpPr>
-          <p:nvPr>
-            <p:ph idx="1"/>
-          </p:nvPr>
-        </p:nvSpPr>
-        <p:spPr/>
-        <p:txBody>
-          <a:bodyPr>
-            <a:normAutofit fontScale="92500" lnSpcReduction="10000"/>
-          </a:bodyPr>
-          <a:lstStyle/>
-          <a:p>
-            <a:r>
-              <a:rPr lang="pl-PL" dirty="0"/>
-              <a:t>W związku z tym, jeśli masz klasę realizującą połączenie z bazą danych dla klienta, który łączy się z systemem SQL Server, a następnie będziesz chciał sprzedać rozwiązanie innemu klientowi, który wymaga bazy danych Oracle, to będziesz zmuszony zmodyfikować konkretną klasę dla tego konkretnego klienta i stosowanej przez niego bazy danych Oracle. Takie postępowanie prowadzi do powstania dwóch wersji kodu.</a:t>
-            </a:r>
-            <a:r>
-              <a:rPr lang="pl-PL" dirty="0" smtClean="0"/>
-              <a:t> </a:t>
+          </a:p>
+          <a:p>
+            <a:r>
+              <a:rPr lang="pl-PL" dirty="0"/>
+              <a:t>Jednak im </a:t>
+            </a:r>
+            <a:r>
+              <a:rPr lang="pl-PL" dirty="0" smtClean="0"/>
+              <a:t>więcej </a:t>
+            </a:r>
+            <a:r>
+              <a:rPr lang="pl-PL" dirty="0"/>
+              <a:t>poziomów abstrakcji w kodzie, tym staje się on bardziej </a:t>
+            </a:r>
+            <a:r>
+              <a:rPr lang="pl-PL" dirty="0" smtClean="0"/>
+              <a:t>złożony</a:t>
+            </a:r>
+          </a:p>
+          <a:p>
+            <a:r>
+              <a:rPr lang="pl-PL" dirty="0"/>
+              <a:t>Trzeba więc zachować równowagę pomiędzy poziomem abstrakcji, a łatwością zrozumienia </a:t>
+            </a:r>
+            <a:r>
+              <a:rPr lang="pl-PL" dirty="0" smtClean="0"/>
+              <a:t>kodu</a:t>
             </a:r>
             <a:br>
               <a:rPr lang="pl-PL" dirty="0" smtClean="0"/>
             </a:br>
-            <a:r>
-              <a:rPr lang="pl-PL" dirty="0" smtClean="0"/>
-              <a:t> -&gt; Database.cs</a:t>
-            </a:r>
             <a:endParaRPr lang="en-GB" dirty="0"/>
           </a:p>
         </p:txBody>
@@ -8886,7 +9022,7 @@
     </p:spTree>
     <p:extLst>
       <p:ext uri="{BB962C8B-B14F-4D97-AF65-F5344CB8AC3E}">
-        <p14:creationId xmlns:p14="http://schemas.microsoft.com/office/powerpoint/2010/main" val="1359822686"/>
+        <p14:creationId xmlns:p14="http://schemas.microsoft.com/office/powerpoint/2010/main" val="2282351015"/>
       </p:ext>
     </p:extLst>
   </p:cSld>
@@ -8925,53 +9061,47 @@
         </p:nvSpPr>
         <p:spPr/>
         <p:txBody>
+          <a:bodyPr/>
+          <a:lstStyle/>
+          <a:p>
+            <a:endParaRPr lang="en-GB"/>
+          </a:p>
+        </p:txBody>
+      </p:sp>
+      <p:sp>
+        <p:nvSpPr>
+          <p:cNvPr id="3" name="Content Placeholder 2"/>
+          <p:cNvSpPr>
+            <a:spLocks noGrp="1"/>
+          </p:cNvSpPr>
+          <p:nvPr>
+            <p:ph idx="1"/>
+          </p:nvPr>
+        </p:nvSpPr>
+        <p:spPr/>
+        <p:txBody>
           <a:bodyPr>
-            <a:normAutofit/>
+            <a:normAutofit lnSpcReduction="10000"/>
           </a:bodyPr>
           <a:lstStyle/>
           <a:p>
             <a:r>
-              <a:rPr lang="en-GB" b="1" dirty="0"/>
-              <a:t>Niska </a:t>
-            </a:r>
-            <a:r>
-              <a:rPr lang="en-GB" b="1" dirty="0" err="1"/>
-              <a:t>spójność</a:t>
-            </a:r>
-            <a:r>
-              <a:rPr lang="en-GB" b="1" dirty="0"/>
-              <a:t> </a:t>
-            </a:r>
-            <a:r>
-              <a:rPr lang="en-GB" b="1" dirty="0" err="1"/>
-              <a:t>kodu</a:t>
-            </a:r>
-            <a:r>
-              <a:rPr lang="en-GB" dirty="0" smtClean="0"/>
-              <a:t> </a:t>
-            </a:r>
-            <a:endParaRPr lang="en-GB" dirty="0"/>
-          </a:p>
-        </p:txBody>
-      </p:sp>
-      <p:sp>
-        <p:nvSpPr>
-          <p:cNvPr id="3" name="Content Placeholder 2"/>
-          <p:cNvSpPr>
-            <a:spLocks noGrp="1"/>
-          </p:cNvSpPr>
-          <p:nvPr>
-            <p:ph idx="1"/>
-          </p:nvPr>
-        </p:nvSpPr>
-        <p:spPr/>
-        <p:txBody>
-          <a:bodyPr/>
-          <a:lstStyle/>
-          <a:p>
-            <a:r>
-              <a:rPr lang="pl-PL" dirty="0"/>
-              <a:t>Kod o niskiej spójności to grupa niepowiązanych ze sobą fragmentów, które realizują wiele różnych zadań. Przykładem może być klasa narzędziowa zawierająca zbiór różnych metod narzędziowych do obsługi dat, tekstu, liczb, plikowych operacji wejścia-wyjścia, walidacji danych oraz szyfrowania i deszyfrowania.</a:t>
+              <a:rPr lang="pl-PL" dirty="0"/>
+              <a:t>Kod spaghetti oznacza splątany bałagan szczelnie sprzężonego kodu o niskiej </a:t>
+            </a:r>
+            <a:r>
+              <a:rPr lang="pl-PL" dirty="0" smtClean="0"/>
+              <a:t>spójności.</a:t>
+            </a:r>
+          </a:p>
+          <a:p>
+            <a:r>
+              <a:rPr lang="pl-PL" dirty="0" smtClean="0"/>
+              <a:t>Taki </a:t>
+            </a:r>
+            <a:r>
+              <a:rPr lang="pl-PL" dirty="0"/>
+              <a:t>kod jest bardzo trudny do utrzymania, refaktoryzacji, rozszerzania i wprowadzania zmian w projekcie. Ma jednak jeden plus — ze względu na to, że jest w większym stopniu proceduralny, może być łatwy do czytania i śledzenia.</a:t>
             </a:r>
             <a:r>
               <a:rPr lang="pl-PL" dirty="0" smtClean="0"/>
@@ -8987,7 +9117,7 @@
     </p:spTree>
     <p:extLst>
       <p:ext uri="{BB962C8B-B14F-4D97-AF65-F5344CB8AC3E}">
-        <p14:creationId xmlns:p14="http://schemas.microsoft.com/office/powerpoint/2010/main" val="1530445549"/>
+        <p14:creationId xmlns:p14="http://schemas.microsoft.com/office/powerpoint/2010/main" val="1720715516"/>
       </p:ext>
     </p:extLst>
   </p:cSld>
@@ -9033,15 +9163,31 @@
           <a:p>
             <a:r>
               <a:rPr lang="en-GB" b="1" dirty="0" err="1"/>
-              <a:t>Pozostawione</a:t>
+              <a:t>Kod</a:t>
             </a:r>
             <a:r>
               <a:rPr lang="en-GB" b="1" dirty="0"/>
               <a:t> </a:t>
             </a:r>
             <a:r>
+              <a:rPr lang="en-GB" b="1" dirty="0" err="1"/>
+              <a:t>zawierający</a:t>
+            </a:r>
+            <a:r>
+              <a:rPr lang="en-GB" b="1" dirty="0"/>
+              <a:t> </a:t>
+            </a:r>
+            <a:r>
+              <a:rPr lang="en-GB" b="1" dirty="0" err="1"/>
+              <a:t>ścisłe</a:t>
+            </a:r>
+            <a:r>
+              <a:rPr lang="en-GB" b="1" dirty="0"/>
+              <a:t> </a:t>
+            </a:r>
+            <a:r>
               <a:rPr lang="en-GB" b="1" dirty="0" err="1" smtClean="0"/>
-              <a:t>obiekty</a:t>
+              <a:t>sprzężenia</a:t>
             </a:r>
             <a:endParaRPr lang="en-GB" dirty="0"/>
           </a:p>
@@ -9060,52 +9206,53 @@
         <p:spPr/>
         <p:txBody>
           <a:bodyPr>
-            <a:normAutofit lnSpcReduction="10000"/>
+            <a:normAutofit fontScale="85000" lnSpcReduction="10000"/>
           </a:bodyPr>
           <a:lstStyle/>
           <a:p>
             <a:r>
               <a:rPr lang="pl-PL" dirty="0"/>
-              <a:t>Obiekty niezniszczone i pozostawione w pamięci mogą prowadzić do jej wycieków.</a:t>
+              <a:t>Kod, który ma ścisłe sprzężenia, jest trudny do testowania, rozszerzania lub </a:t>
+            </a:r>
+            <a:r>
+              <a:rPr lang="pl-PL" dirty="0" smtClean="0"/>
+              <a:t>modyfikowania.</a:t>
+            </a:r>
+          </a:p>
+          <a:p>
+            <a:r>
+              <a:rPr lang="pl-PL" dirty="0" smtClean="0"/>
+              <a:t>Kod</a:t>
+            </a:r>
+            <a:r>
+              <a:rPr lang="pl-PL" dirty="0"/>
+              <a:t>, który zależy od innego kodu w systemie, trudno jest również wykorzystywać </a:t>
+            </a:r>
+            <a:r>
+              <a:rPr lang="pl-PL" dirty="0" smtClean="0"/>
+              <a:t>wielokrotnie</a:t>
+            </a:r>
+            <a:endParaRPr lang="pl-PL" dirty="0"/>
+          </a:p>
+          <a:p>
+            <a:r>
+              <a:rPr lang="pl-PL" dirty="0"/>
+              <a:t>Przykładem ścisłego sprzężenia jest odwoływanie się na liście parametrów do konkretnego typu klasy zamiast do interfejsu. Gdy odwołujesz się do konkretnej klasy, wszelkie zmiany w konkretnej klasie bezpośrednio wpływają na klasę, która się do niej odwołuje.</a:t>
             </a:r>
             <a:r>
               <a:rPr lang="pl-PL" dirty="0" smtClean="0"/>
               <a:t> </a:t>
             </a:r>
-          </a:p>
-          <a:p>
-            <a:r>
-              <a:rPr lang="pl-PL" dirty="0"/>
-              <a:t>Do wycieków pamięci (z kilku powodów) może również prowadzić korzystanie ze zmiennych statycznych.</a:t>
-            </a:r>
-            <a:r>
-              <a:rPr lang="pl-PL" dirty="0" smtClean="0"/>
-              <a:t> </a:t>
-            </a:r>
-          </a:p>
-          <a:p>
-            <a:r>
-              <a:rPr lang="en-GB" dirty="0" err="1" smtClean="0"/>
-              <a:t>INotifyPropertyChanged</a:t>
-            </a:r>
-            <a:endParaRPr lang="pl-PL" dirty="0" smtClean="0"/>
-          </a:p>
-          <a:p>
-            <a:pPr lvl="1"/>
-            <a:r>
-              <a:rPr lang="pl-PL" dirty="0"/>
-              <a:t>Jeśli nie anulujesz subskrypcji tych powiązań, dojdzie do wycieku pamięci.</a:t>
-            </a:r>
-            <a:r>
-              <a:rPr lang="pl-PL" dirty="0" smtClean="0"/>
-              <a:t> </a:t>
-            </a:r>
             <a:br>
               <a:rPr lang="pl-PL" dirty="0" smtClean="0"/>
             </a:br>
-            <a:endParaRPr lang="pl-PL" dirty="0"/>
-          </a:p>
-          <a:p>
+            <a:r>
+              <a:rPr lang="pl-PL" dirty="0" smtClean="0"/>
+              <a:t/>
+            </a:r>
+            <a:br>
+              <a:rPr lang="pl-PL" dirty="0" smtClean="0"/>
+            </a:br>
             <a:endParaRPr lang="en-GB" dirty="0"/>
           </a:p>
         </p:txBody>
@@ -9113,7 +9260,7 @@
     </p:spTree>
     <p:extLst>
       <p:ext uri="{BB962C8B-B14F-4D97-AF65-F5344CB8AC3E}">
-        <p14:creationId xmlns:p14="http://schemas.microsoft.com/office/powerpoint/2010/main" val="4161182081"/>
+        <p14:creationId xmlns:p14="http://schemas.microsoft.com/office/powerpoint/2010/main" val="1994486664"/>
       </p:ext>
     </p:extLst>
   </p:cSld>
@@ -9157,7 +9304,7 @@
           <a:p>
             <a:r>
               <a:rPr lang="en-GB" b="1" dirty="0" err="1" smtClean="0"/>
-              <a:t>Pozostawione</a:t>
+              <a:t>Kod</a:t>
             </a:r>
             <a:r>
               <a:rPr lang="en-GB" b="1" dirty="0" smtClean="0"/>
@@ -9165,7 +9312,23 @@
             </a:r>
             <a:r>
               <a:rPr lang="en-GB" b="1" dirty="0" err="1" smtClean="0"/>
-              <a:t>obiekty</a:t>
+              <a:t>zawierający</a:t>
+            </a:r>
+            <a:r>
+              <a:rPr lang="en-GB" b="1" dirty="0" smtClean="0"/>
+              <a:t> </a:t>
+            </a:r>
+            <a:r>
+              <a:rPr lang="en-GB" b="1" dirty="0" err="1" smtClean="0"/>
+              <a:t>ścisłe</a:t>
+            </a:r>
+            <a:r>
+              <a:rPr lang="en-GB" b="1" dirty="0" smtClean="0"/>
+              <a:t> </a:t>
+            </a:r>
+            <a:r>
+              <a:rPr lang="en-GB" b="1" dirty="0" err="1" smtClean="0"/>
+              <a:t>sprzężenia</a:t>
             </a:r>
             <a:endParaRPr lang="en-GB" dirty="0"/>
           </a:p>
@@ -9183,28 +9346,14 @@
         </p:nvSpPr>
         <p:spPr/>
         <p:txBody>
-          <a:bodyPr/>
-          <a:lstStyle/>
-          <a:p>
-            <a:r>
-              <a:rPr lang="pl-PL" dirty="0"/>
-              <a:t>Każdy obiekt, do którego odwołujesz się za pomocą zmiennej statycznej, jest oznaczony po to, by mechanizm odśmiecania (ang. </a:t>
-            </a:r>
-            <a:r>
-              <a:rPr lang="pl-PL" i="1" dirty="0"/>
-              <a:t>garbage collector</a:t>
-            </a:r>
-            <a:r>
-              <a:rPr lang="pl-PL" dirty="0"/>
-              <a:t>) go nie niszczył. To dlatego, że statyczne zmienne odwołujące się do obiektów są tzw. korzeniami GC (</a:t>
-            </a:r>
-            <a:r>
-              <a:rPr lang="pl-PL" i="1" dirty="0"/>
-              <a:t>Garbage Collection roots</a:t>
-            </a:r>
-            <a:r>
-              <a:rPr lang="pl-PL" dirty="0"/>
-              <a:t>) oznaczonymi w celu wyłączenia ich z procesu odśmiecania.</a:t>
+          <a:bodyPr>
+            <a:normAutofit fontScale="92500" lnSpcReduction="10000"/>
+          </a:bodyPr>
+          <a:lstStyle/>
+          <a:p>
+            <a:r>
+              <a:rPr lang="pl-PL" dirty="0"/>
+              <a:t>W związku z tym, jeśli masz klasę realizującą połączenie z bazą danych dla klienta, który łączy się z systemem SQL Server, a następnie będziesz chciał sprzedać rozwiązanie innemu klientowi, który wymaga bazy danych Oracle, to będziesz zmuszony zmodyfikować konkretną klasę dla tego konkretnego klienta i stosowanej przez niego bazy danych Oracle. Takie postępowanie prowadzi do powstania dwóch wersji kodu.</a:t>
             </a:r>
             <a:r>
               <a:rPr lang="pl-PL" dirty="0" smtClean="0"/>
@@ -9213,6 +9362,10 @@
             <a:br>
               <a:rPr lang="pl-PL" dirty="0" smtClean="0"/>
             </a:br>
+            <a:r>
+              <a:rPr lang="pl-PL" dirty="0" smtClean="0"/>
+              <a:t> -&gt; Database.cs</a:t>
+            </a:r>
             <a:endParaRPr lang="en-GB" dirty="0"/>
           </a:p>
         </p:txBody>
@@ -9220,7 +9373,7 @@
     </p:spTree>
     <p:extLst>
       <p:ext uri="{BB962C8B-B14F-4D97-AF65-F5344CB8AC3E}">
-        <p14:creationId xmlns:p14="http://schemas.microsoft.com/office/powerpoint/2010/main" val="3802096094"/>
+        <p14:creationId xmlns:p14="http://schemas.microsoft.com/office/powerpoint/2010/main" val="1359822686"/>
       </p:ext>
     </p:extLst>
   </p:cSld>
@@ -9259,31 +9412,53 @@
         </p:nvSpPr>
         <p:spPr/>
         <p:txBody>
+          <a:bodyPr>
+            <a:normAutofit/>
+          </a:bodyPr>
+          <a:lstStyle/>
+          <a:p>
+            <a:r>
+              <a:rPr lang="en-GB" b="1" dirty="0"/>
+              <a:t>Niska </a:t>
+            </a:r>
+            <a:r>
+              <a:rPr lang="en-GB" b="1" dirty="0" err="1"/>
+              <a:t>spójność</a:t>
+            </a:r>
+            <a:r>
+              <a:rPr lang="en-GB" b="1" dirty="0"/>
+              <a:t> </a:t>
+            </a:r>
+            <a:r>
+              <a:rPr lang="en-GB" b="1" dirty="0" err="1"/>
+              <a:t>kodu</a:t>
+            </a:r>
+            <a:r>
+              <a:rPr lang="en-GB" dirty="0" smtClean="0"/>
+              <a:t> </a:t>
+            </a:r>
+            <a:endParaRPr lang="en-GB" dirty="0"/>
+          </a:p>
+        </p:txBody>
+      </p:sp>
+      <p:sp>
+        <p:nvSpPr>
+          <p:cNvPr id="3" name="Content Placeholder 2"/>
+          <p:cNvSpPr>
+            <a:spLocks noGrp="1"/>
+          </p:cNvSpPr>
+          <p:nvPr>
+            <p:ph idx="1"/>
+          </p:nvPr>
+        </p:nvSpPr>
+        <p:spPr/>
+        <p:txBody>
           <a:bodyPr/>
           <a:lstStyle/>
           <a:p>
-            <a:endParaRPr lang="en-GB"/>
-          </a:p>
-        </p:txBody>
-      </p:sp>
-      <p:sp>
-        <p:nvSpPr>
-          <p:cNvPr id="3" name="Content Placeholder 2"/>
-          <p:cNvSpPr>
-            <a:spLocks noGrp="1"/>
-          </p:cNvSpPr>
-          <p:nvPr>
-            <p:ph idx="1"/>
-          </p:nvPr>
-        </p:nvSpPr>
-        <p:spPr/>
-        <p:txBody>
-          <a:bodyPr/>
-          <a:lstStyle/>
-          <a:p>
-            <a:r>
-              <a:rPr lang="pl-PL" dirty="0"/>
-              <a:t>Podczas korzystania z metod anonimowych, które odwołują się do składowych klasy, odwołania dotyczą egzemplarza tej klasy. Z tego powodu odwołanie do egzemplarza klasy pozostaje aktywne tak długo, jak długo jest wykorzystywana metoda anonimowa.</a:t>
+            <a:r>
+              <a:rPr lang="pl-PL" dirty="0"/>
+              <a:t>Kod o niskiej spójności to grupa niepowiązanych ze sobą fragmentów, które realizują wiele różnych zadań. Przykładem może być klasa narzędziowa zawierająca zbiór różnych metod narzędziowych do obsługi dat, tekstu, liczb, plikowych operacji wejścia-wyjścia, walidacji danych oraz szyfrowania i deszyfrowania.</a:t>
             </a:r>
             <a:r>
               <a:rPr lang="pl-PL" dirty="0" smtClean="0"/>
@@ -9299,7 +9474,7 @@
     </p:spTree>
     <p:extLst>
       <p:ext uri="{BB962C8B-B14F-4D97-AF65-F5344CB8AC3E}">
-        <p14:creationId xmlns:p14="http://schemas.microsoft.com/office/powerpoint/2010/main" val="3933850427"/>
+        <p14:creationId xmlns:p14="http://schemas.microsoft.com/office/powerpoint/2010/main" val="1530445549"/>
       </p:ext>
     </p:extLst>
   </p:cSld>
@@ -9357,38 +9532,27 @@
         </p:nvSpPr>
         <p:spPr/>
         <p:txBody>
-          <a:bodyPr>
-            <a:normAutofit lnSpcReduction="10000"/>
-          </a:bodyPr>
-          <a:lstStyle/>
-          <a:p>
-            <a:r>
-              <a:rPr lang="pl-PL" dirty="0"/>
-              <a:t>Do wycieków pamięci dojdzie także wtedy, gdy używasz kodu niezarządzanego (COM) i wyraź- nie nie zwolnisz dowolnych obiektów zarządzanych i niezarządzanych</a:t>
-            </a:r>
-            <a:r>
-              <a:rPr lang="pl-PL" dirty="0" smtClean="0"/>
+          <a:bodyPr/>
+          <a:lstStyle/>
+          <a:p>
+            <a:r>
+              <a:rPr lang="pl-PL" dirty="0"/>
+              <a:t>J</a:t>
+            </a:r>
+            <a:r>
+              <a:rPr lang="pl-PL" dirty="0" smtClean="0"/>
+              <a:t>eśli </a:t>
+            </a:r>
+            <a:r>
+              <a:rPr lang="pl-PL" dirty="0"/>
+              <a:t>przyjrzymy się przestrzeni nazw Microsoft System.Diagnostics odkryjemy, że zawiera ona kod dotyczący wyłącznie diagnostyki. Umieszczenie w przestrzeni nazw Diagnostics kolekcji oraz kodu obsługi systemu plików nie miałoby sensu.</a:t>
+            </a:r>
+            <a:r>
+              <a:rPr lang="pl-PL" dirty="0"/>
               <a:t> </a:t>
             </a:r>
             <a:br>
-              <a:rPr lang="pl-PL" dirty="0" smtClean="0"/>
-            </a:br>
-            <a:r>
-              <a:rPr lang="pl-PL" dirty="0"/>
-              <a:t>Do wycieków pamięci może również dojść w przypadku, gdy stworzysz referencje do obiektów w wątku, który nigdy się nie kończy</a:t>
-            </a:r>
-            <a:r>
-              <a:rPr lang="pl-PL" dirty="0" smtClean="0"/>
-              <a:t>.</a:t>
-            </a:r>
-          </a:p>
-          <a:p>
-            <a:r>
-              <a:rPr lang="pl-PL" dirty="0" smtClean="0"/>
-              <a:t> </a:t>
-            </a:r>
-            <a:br>
-              <a:rPr lang="pl-PL" dirty="0" smtClean="0"/>
+              <a:rPr lang="pl-PL" dirty="0"/>
             </a:br>
             <a:endParaRPr lang="en-GB" dirty="0"/>
           </a:p>
@@ -9397,7 +9561,7 @@
     </p:spTree>
     <p:extLst>
       <p:ext uri="{BB962C8B-B14F-4D97-AF65-F5344CB8AC3E}">
-        <p14:creationId xmlns:p14="http://schemas.microsoft.com/office/powerpoint/2010/main" val="3175572291"/>
+        <p14:creationId xmlns:p14="http://schemas.microsoft.com/office/powerpoint/2010/main" val="1521701545"/>
       </p:ext>
     </p:extLst>
   </p:cSld>
@@ -9436,10 +9600,24 @@
         </p:nvSpPr>
         <p:spPr/>
         <p:txBody>
-          <a:bodyPr/>
-          <a:lstStyle/>
-          <a:p>
-            <a:endParaRPr lang="en-GB"/>
+          <a:bodyPr>
+            <a:normAutofit/>
+          </a:bodyPr>
+          <a:lstStyle/>
+          <a:p>
+            <a:r>
+              <a:rPr lang="en-GB" b="1" dirty="0" err="1"/>
+              <a:t>Pozostawione</a:t>
+            </a:r>
+            <a:r>
+              <a:rPr lang="en-GB" b="1" dirty="0"/>
+              <a:t> </a:t>
+            </a:r>
+            <a:r>
+              <a:rPr lang="en-GB" b="1" dirty="0" err="1" smtClean="0"/>
+              <a:t>obiekty</a:t>
+            </a:r>
+            <a:endParaRPr lang="en-GB" dirty="0"/>
           </a:p>
         </p:txBody>
       </p:sp>
@@ -9455,20 +9633,53 @@
         </p:nvSpPr>
         <p:spPr/>
         <p:txBody>
-          <a:bodyPr/>
-          <a:lstStyle/>
-          <a:p>
-            <a:r>
-              <a:rPr lang="pl-PL" dirty="0"/>
-              <a:t>Subskrypcje zdarzeń, które nie są anonimowe, odwołują się do klas. Jeśli subskrypcje tych zdarzeń nie będą anulowane, obiekty, których one dotyczą, pozostaną w pamięci. Trzeba zatem pamiętać, że jeśli nie anulujesz subskrypcji zdarzeń, gdy przestaną być potrzebne, również może dojść do wycieku pamięci.</a:t>
+          <a:bodyPr>
+            <a:normAutofit lnSpcReduction="10000"/>
+          </a:bodyPr>
+          <a:lstStyle/>
+          <a:p>
+            <a:r>
+              <a:rPr lang="pl-PL" dirty="0"/>
+              <a:t>Obiekty niezniszczone i pozostawione w pamięci mogą prowadzić do jej wycieków.</a:t>
             </a:r>
             <a:r>
               <a:rPr lang="pl-PL" dirty="0" smtClean="0"/>
               <a:t> </a:t>
             </a:r>
+          </a:p>
+          <a:p>
+            <a:r>
+              <a:rPr lang="pl-PL" dirty="0"/>
+              <a:t>Do wycieków pamięci (z kilku powodów) może również prowadzić korzystanie ze zmiennych statycznych.</a:t>
+            </a:r>
+            <a:r>
+              <a:rPr lang="pl-PL" dirty="0" smtClean="0"/>
+              <a:t> </a:t>
+            </a:r>
+          </a:p>
+          <a:p>
+            <a:r>
+              <a:rPr lang="en-GB" dirty="0" err="1" smtClean="0"/>
+              <a:t>INotifyPropertyChanged</a:t>
+            </a:r>
+            <a:endParaRPr lang="pl-PL" dirty="0" smtClean="0"/>
+          </a:p>
+          <a:p>
+            <a:pPr lvl="1"/>
+            <a:r>
+              <a:rPr lang="pl-PL" dirty="0"/>
+              <a:t>Jeśli nie anulujesz subskrypcji tych powiązań, dojdzie do wycieku pamięci.</a:t>
+            </a:r>
+            <a:r>
+              <a:rPr lang="pl-PL" dirty="0" smtClean="0"/>
+              <a:t> </a:t>
+            </a:r>
             <a:br>
               <a:rPr lang="pl-PL" dirty="0" smtClean="0"/>
             </a:br>
+            <a:endParaRPr lang="pl-PL" dirty="0"/>
+          </a:p>
+          <a:p>
             <a:endParaRPr lang="en-GB" dirty="0"/>
           </a:p>
         </p:txBody>
@@ -9476,7 +9687,7 @@
     </p:spTree>
     <p:extLst>
       <p:ext uri="{BB962C8B-B14F-4D97-AF65-F5344CB8AC3E}">
-        <p14:creationId xmlns:p14="http://schemas.microsoft.com/office/powerpoint/2010/main" val="453860657"/>
+        <p14:creationId xmlns:p14="http://schemas.microsoft.com/office/powerpoint/2010/main" val="4161182081"/>
       </p:ext>
     </p:extLst>
   </p:cSld>
@@ -9640,31 +9851,21 @@
         </p:nvSpPr>
         <p:spPr/>
         <p:txBody>
-          <a:bodyPr>
-            <a:normAutofit/>
-          </a:bodyPr>
-          <a:lstStyle/>
-          <a:p>
-            <a:r>
-              <a:rPr lang="en-GB" b="1" dirty="0" err="1"/>
-              <a:t>Korzystanie</a:t>
-            </a:r>
-            <a:r>
-              <a:rPr lang="en-GB" b="1" dirty="0"/>
-              <a:t> z </a:t>
-            </a:r>
-            <a:r>
-              <a:rPr lang="en-GB" b="1" dirty="0" err="1"/>
-              <a:t>metody</a:t>
-            </a:r>
-            <a:r>
-              <a:rPr lang="en-GB" b="1" dirty="0"/>
-              <a:t> Finalize()</a:t>
-            </a:r>
-            <a:r>
-              <a:rPr lang="en-GB" dirty="0" smtClean="0"/>
+          <a:bodyPr/>
+          <a:lstStyle/>
+          <a:p>
+            <a:r>
+              <a:rPr lang="en-GB" b="1" dirty="0" err="1" smtClean="0"/>
+              <a:t>Pozostawione</a:t>
+            </a:r>
+            <a:r>
+              <a:rPr lang="en-GB" b="1" dirty="0" smtClean="0"/>
               <a:t> </a:t>
             </a:r>
+            <a:r>
+              <a:rPr lang="en-GB" b="1" dirty="0" err="1" smtClean="0"/>
+              <a:t>obiekty</a:t>
+            </a:r>
             <a:endParaRPr lang="en-GB" dirty="0"/>
           </a:p>
         </p:txBody>
@@ -9681,25 +9882,28 @@
         </p:nvSpPr>
         <p:spPr/>
         <p:txBody>
-          <a:bodyPr>
-            <a:normAutofit fontScale="70000" lnSpcReduction="20000"/>
-          </a:bodyPr>
-          <a:lstStyle/>
-          <a:p>
-            <a:r>
-              <a:rPr lang="pl-PL" dirty="0"/>
-              <a:t>Choć finalizatory — poprzez to, że mogą pomóc w zwalnianiu zasobów obiektów, które nie zostały prawidłowo zniszczone — pomagają zapobiec wyciekom pamięci, mają szereg wad</a:t>
-            </a:r>
-            <a:r>
-              <a:rPr lang="pl-PL" dirty="0" smtClean="0"/>
-              <a:t> </a:t>
-            </a:r>
-            <a:br>
-              <a:rPr lang="pl-PL" dirty="0" smtClean="0"/>
-            </a:br>
-            <a:r>
-              <a:rPr lang="pl-PL" dirty="0"/>
-              <a:t>Nie wiemy, kiedy finalizator zostanie wywołany. Finalizatory są promowane przez mechanizm odśmiecania wraz ze wszystkimi zależnościami do następnej generacji i nie są sprzątane do czasu, aż mechanizm odśmiecania zdecyduje się to zrobić. To może oznaczać, że obiekty pozostaną w pamięci przez długi czas. Używanie finalizatorów może prowadzić do powstawania wyjątków wyczerpywania się pamięci, ponieważ często nowe obiekty są tworzone szybciej niż stare są niszczone przez mechanizm odśmiecania.</a:t>
+          <a:bodyPr/>
+          <a:lstStyle/>
+          <a:p>
+            <a:r>
+              <a:rPr lang="pl-PL" dirty="0"/>
+              <a:t>Każdy obiekt, do którego odwołujesz się za pomocą zmiennej statycznej, jest oznaczony po to, by mechanizm odśmiecania (ang. </a:t>
+            </a:r>
+            <a:r>
+              <a:rPr lang="pl-PL" i="1" dirty="0"/>
+              <a:t>garbage collector</a:t>
+            </a:r>
+            <a:r>
+              <a:rPr lang="pl-PL" dirty="0"/>
+              <a:t>) go nie niszczył. To dlatego, że statyczne zmienne odwołujące się do obiektów są tzw. korzeniami GC (</a:t>
+            </a:r>
+            <a:r>
+              <a:rPr lang="pl-PL" i="1" dirty="0"/>
+              <a:t>Garbage Collection roots</a:t>
+            </a:r>
+            <a:r>
+              <a:rPr lang="pl-PL" dirty="0"/>
+              <a:t>) oznaczonymi w celu wyłączenia ich z procesu odśmiecania.</a:t>
             </a:r>
             <a:r>
               <a:rPr lang="pl-PL" dirty="0" smtClean="0"/>
@@ -9715,7 +9919,7 @@
     </p:spTree>
     <p:extLst>
       <p:ext uri="{BB962C8B-B14F-4D97-AF65-F5344CB8AC3E}">
-        <p14:creationId xmlns:p14="http://schemas.microsoft.com/office/powerpoint/2010/main" val="1420635316"/>
+        <p14:creationId xmlns:p14="http://schemas.microsoft.com/office/powerpoint/2010/main" val="3802096094"/>
       </p:ext>
     </p:extLst>
   </p:cSld>
@@ -9754,48 +9958,38 @@
         </p:nvSpPr>
         <p:spPr/>
         <p:txBody>
-          <a:bodyPr>
-            <a:normAutofit/>
-          </a:bodyPr>
-          <a:lstStyle/>
-          <a:p>
-            <a:r>
-              <a:rPr lang="pl-PL" b="1" dirty="0"/>
-              <a:t>Naucz się stosować zasadę KISS</a:t>
+          <a:bodyPr/>
+          <a:lstStyle/>
+          <a:p>
+            <a:endParaRPr lang="en-GB"/>
+          </a:p>
+        </p:txBody>
+      </p:sp>
+      <p:sp>
+        <p:nvSpPr>
+          <p:cNvPr id="3" name="Content Placeholder 2"/>
+          <p:cNvSpPr>
+            <a:spLocks noGrp="1"/>
+          </p:cNvSpPr>
+          <p:nvPr>
+            <p:ph idx="1"/>
+          </p:nvPr>
+        </p:nvSpPr>
+        <p:spPr/>
+        <p:txBody>
+          <a:bodyPr/>
+          <a:lstStyle/>
+          <a:p>
+            <a:r>
+              <a:rPr lang="pl-PL" dirty="0"/>
+              <a:t>Podczas korzystania z metod anonimowych, które odwołują się do składowych klasy, odwołania dotyczą egzemplarza tej klasy. Z tego powodu odwołanie do egzemplarza klasy pozostaje aktywne tak długo, jak długo jest wykorzystywana metoda anonimowa.</a:t>
             </a:r>
             <a:r>
               <a:rPr lang="pl-PL" dirty="0" smtClean="0"/>
               <a:t> </a:t>
             </a:r>
-            <a:endParaRPr lang="en-GB" dirty="0"/>
-          </a:p>
-        </p:txBody>
-      </p:sp>
-      <p:sp>
-        <p:nvSpPr>
-          <p:cNvPr id="3" name="Content Placeholder 2"/>
-          <p:cNvSpPr>
-            <a:spLocks noGrp="1"/>
-          </p:cNvSpPr>
-          <p:nvPr>
-            <p:ph idx="1"/>
-          </p:nvPr>
-        </p:nvSpPr>
-        <p:spPr/>
-        <p:txBody>
-          <a:bodyPr/>
-          <a:lstStyle/>
-          <a:p>
-            <a:r>
-              <a:rPr lang="en-GB" i="1" dirty="0"/>
-              <a:t>Keep It Simple, Stupid </a:t>
-            </a:r>
-            <a:r>
-              <a:rPr lang="en-GB" dirty="0" smtClean="0"/>
-              <a:t/>
-            </a:r>
             <a:br>
-              <a:rPr lang="en-GB" dirty="0" smtClean="0"/>
+              <a:rPr lang="pl-PL" dirty="0" smtClean="0"/>
             </a:br>
             <a:endParaRPr lang="en-GB" dirty="0"/>
           </a:p>
@@ -9804,7 +9998,7 @@
     </p:spTree>
     <p:extLst>
       <p:ext uri="{BB962C8B-B14F-4D97-AF65-F5344CB8AC3E}">
-        <p14:creationId xmlns:p14="http://schemas.microsoft.com/office/powerpoint/2010/main" val="262717478"/>
+        <p14:creationId xmlns:p14="http://schemas.microsoft.com/office/powerpoint/2010/main" val="3933850427"/>
       </p:ext>
     </p:extLst>
   </p:cSld>
@@ -9843,42 +10037,51 @@
         </p:nvSpPr>
         <p:spPr/>
         <p:txBody>
+          <a:bodyPr/>
+          <a:lstStyle/>
+          <a:p>
+            <a:endParaRPr lang="en-GB"/>
+          </a:p>
+        </p:txBody>
+      </p:sp>
+      <p:sp>
+        <p:nvSpPr>
+          <p:cNvPr id="3" name="Content Placeholder 2"/>
+          <p:cNvSpPr>
+            <a:spLocks noGrp="1"/>
+          </p:cNvSpPr>
+          <p:nvPr>
+            <p:ph idx="1"/>
+          </p:nvPr>
+        </p:nvSpPr>
+        <p:spPr/>
+        <p:txBody>
           <a:bodyPr>
-            <a:normAutofit fontScale="90000"/>
+            <a:normAutofit lnSpcReduction="10000"/>
           </a:bodyPr>
           <a:lstStyle/>
           <a:p>
             <a:r>
-              <a:rPr lang="pl-PL" b="1" dirty="0"/>
-              <a:t>Utrata intencji wyrażonych w kodzie</a:t>
+              <a:rPr lang="pl-PL" dirty="0"/>
+              <a:t>Do wycieków pamięci dojdzie także wtedy, gdy używasz kodu niezarządzanego (COM) i wyraź- nie nie zwolnisz dowolnych obiektów zarządzanych i niezarządzanych</a:t>
             </a:r>
             <a:r>
               <a:rPr lang="pl-PL" dirty="0" smtClean="0"/>
               <a:t> </a:t>
             </a:r>
-            <a:endParaRPr lang="en-GB" dirty="0"/>
-          </a:p>
-        </p:txBody>
-      </p:sp>
-      <p:sp>
-        <p:nvSpPr>
-          <p:cNvPr id="3" name="Content Placeholder 2"/>
-          <p:cNvSpPr>
-            <a:spLocks noGrp="1"/>
-          </p:cNvSpPr>
-          <p:nvPr>
-            <p:ph idx="1"/>
-          </p:nvPr>
-        </p:nvSpPr>
-        <p:spPr/>
-        <p:txBody>
-          <a:bodyPr/>
-          <a:lstStyle/>
-          <a:p>
-            <a:r>
-              <a:rPr lang="pl-PL" dirty="0"/>
-              <a:t>Jeśli przeglądasz klasę, która robi kilka rzeczy, nie masz pojęcia, jaki były pierwotne intencje programisty. Jeśli, na przykład, szukasz metody przetwarzania daty i znajdujesz ją w klasie należącej do przestrzeni nazw wejścia-wyjścia, to czy ta metoda przetwarzania daty znajduje się we właściwym miejscu?</a:t>
-            </a:r>
+            <a:br>
+              <a:rPr lang="pl-PL" dirty="0" smtClean="0"/>
+            </a:br>
+            <a:r>
+              <a:rPr lang="pl-PL" dirty="0"/>
+              <a:t>Do wycieków pamięci może również dojść w przypadku, gdy stworzysz referencje do obiektów w wątku, który nigdy się nie kończy</a:t>
+            </a:r>
+            <a:r>
+              <a:rPr lang="pl-PL" dirty="0" smtClean="0"/>
+              <a:t>.</a:t>
+            </a:r>
+          </a:p>
+          <a:p>
             <a:r>
               <a:rPr lang="pl-PL" dirty="0" smtClean="0"/>
               <a:t> </a:t>
@@ -9893,7 +10096,7 @@
     </p:spTree>
     <p:extLst>
       <p:ext uri="{BB962C8B-B14F-4D97-AF65-F5344CB8AC3E}">
-        <p14:creationId xmlns:p14="http://schemas.microsoft.com/office/powerpoint/2010/main" val="2280138268"/>
+        <p14:creationId xmlns:p14="http://schemas.microsoft.com/office/powerpoint/2010/main" val="3175572291"/>
       </p:ext>
     </p:extLst>
   </p:cSld>
@@ -9932,6 +10135,861 @@
         </p:nvSpPr>
         <p:spPr/>
         <p:txBody>
+          <a:bodyPr/>
+          <a:lstStyle/>
+          <a:p>
+            <a:endParaRPr lang="en-GB"/>
+          </a:p>
+        </p:txBody>
+      </p:sp>
+      <p:sp>
+        <p:nvSpPr>
+          <p:cNvPr id="3" name="Content Placeholder 2"/>
+          <p:cNvSpPr>
+            <a:spLocks noGrp="1"/>
+          </p:cNvSpPr>
+          <p:nvPr>
+            <p:ph idx="1"/>
+          </p:nvPr>
+        </p:nvSpPr>
+        <p:spPr/>
+        <p:txBody>
+          <a:bodyPr/>
+          <a:lstStyle/>
+          <a:p>
+            <a:r>
+              <a:rPr lang="pl-PL" dirty="0"/>
+              <a:t>Subskrypcje zdarzeń, które nie są anonimowe, odwołują się do klas. Jeśli subskrypcje tych zdarzeń nie będą anulowane, obiekty, których one dotyczą, pozostaną w pamięci. Trzeba zatem pamiętać, że jeśli nie anulujesz subskrypcji zdarzeń, gdy przestaną być potrzebne, również może dojść do wycieku pamięci.</a:t>
+            </a:r>
+            <a:r>
+              <a:rPr lang="pl-PL" dirty="0" smtClean="0"/>
+              <a:t> </a:t>
+            </a:r>
+            <a:br>
+              <a:rPr lang="pl-PL" dirty="0" smtClean="0"/>
+            </a:br>
+            <a:endParaRPr lang="en-GB" dirty="0"/>
+          </a:p>
+        </p:txBody>
+      </p:sp>
+    </p:spTree>
+    <p:extLst>
+      <p:ext uri="{BB962C8B-B14F-4D97-AF65-F5344CB8AC3E}">
+        <p14:creationId xmlns:p14="http://schemas.microsoft.com/office/powerpoint/2010/main" val="453860657"/>
+      </p:ext>
+    </p:extLst>
+  </p:cSld>
+  <p:clrMapOvr>
+    <a:masterClrMapping/>
+  </p:clrMapOvr>
+</p:sld>
+</file>
+
+<file path=ppt/slides/slide54.xml><?xml version="1.0" encoding="utf-8"?>
+<p:sld xmlns:a="http://schemas.openxmlformats.org/drawingml/2006/main" xmlns:r="http://schemas.openxmlformats.org/officeDocument/2006/relationships" xmlns:p="http://schemas.openxmlformats.org/presentationml/2006/main">
+  <p:cSld>
+    <p:spTree>
+      <p:nvGrpSpPr>
+        <p:cNvPr id="1" name=""/>
+        <p:cNvGrpSpPr/>
+        <p:nvPr/>
+      </p:nvGrpSpPr>
+      <p:grpSpPr>
+        <a:xfrm>
+          <a:off x="0" y="0"/>
+          <a:ext cx="0" cy="0"/>
+          <a:chOff x="0" y="0"/>
+          <a:chExt cx="0" cy="0"/>
+        </a:xfrm>
+      </p:grpSpPr>
+      <p:sp>
+        <p:nvSpPr>
+          <p:cNvPr id="2" name="Title 1"/>
+          <p:cNvSpPr>
+            <a:spLocks noGrp="1"/>
+          </p:cNvSpPr>
+          <p:nvPr>
+            <p:ph type="title"/>
+          </p:nvPr>
+        </p:nvSpPr>
+        <p:spPr/>
+        <p:txBody>
+          <a:bodyPr/>
+          <a:lstStyle/>
+          <a:p>
+            <a:endParaRPr lang="en-GB"/>
+          </a:p>
+        </p:txBody>
+      </p:sp>
+      <p:sp>
+        <p:nvSpPr>
+          <p:cNvPr id="3" name="Content Placeholder 2"/>
+          <p:cNvSpPr>
+            <a:spLocks noGrp="1"/>
+          </p:cNvSpPr>
+          <p:nvPr>
+            <p:ph idx="1"/>
+          </p:nvPr>
+        </p:nvSpPr>
+        <p:spPr/>
+        <p:txBody>
+          <a:bodyPr>
+            <a:normAutofit fontScale="85000" lnSpcReduction="20000"/>
+          </a:bodyPr>
+          <a:lstStyle/>
+          <a:p>
+            <a:r>
+              <a:rPr lang="en-GB" b="1" dirty="0" err="1"/>
+              <a:t>Czyste</a:t>
+            </a:r>
+            <a:r>
+              <a:rPr lang="en-GB" b="1" dirty="0"/>
+              <a:t> </a:t>
+            </a:r>
+            <a:r>
+              <a:rPr lang="en-GB" b="1" dirty="0" err="1"/>
+              <a:t>niszczenie</a:t>
+            </a:r>
+            <a:r>
+              <a:rPr lang="en-GB" b="1" dirty="0"/>
+              <a:t> </a:t>
+            </a:r>
+            <a:r>
+              <a:rPr lang="en-GB" b="1" dirty="0" err="1"/>
+              <a:t>obiektów</a:t>
+            </a:r>
+            <a:r>
+              <a:rPr lang="en-GB" dirty="0"/>
+              <a:t> </a:t>
+            </a:r>
+            <a:endParaRPr lang="pl-PL" dirty="0" smtClean="0"/>
+          </a:p>
+          <a:p>
+            <a:r>
+              <a:rPr lang="pl-PL" dirty="0"/>
+              <a:t>Jeśli korzystamy z klas implementujących interfejs IDisposable, zawsze powinniśmy pamiętać o wywołaniu metody Dispose(), aby w czysty sposób zniszczyć wszystkie wykorzystywane zasoby. Pomaga to zminimalizować ryzyko wystąpienia wycieków pamięci.</a:t>
+            </a:r>
+            <a:r>
+              <a:rPr lang="pl-PL" dirty="0"/>
+              <a:t> </a:t>
+            </a:r>
+            <a:endParaRPr lang="pl-PL" dirty="0" smtClean="0"/>
+          </a:p>
+          <a:p>
+            <a:r>
+              <a:rPr lang="pl-PL" dirty="0"/>
+              <a:t>Czasami trzeba ustawić obiekt na null po to, aby usunąć go z zasięgu. Przykładem może być zmienna statyczna zawierająca referencję do obiektu, którego już nie potrzebujemy.</a:t>
+            </a:r>
+            <a:r>
+              <a:rPr lang="pl-PL" dirty="0"/>
+              <a:t> </a:t>
+            </a:r>
+            <a:br>
+              <a:rPr lang="pl-PL" dirty="0"/>
+            </a:br>
+            <a:r>
+              <a:rPr lang="en-GB" dirty="0"/>
+              <a:t/>
+            </a:r>
+            <a:br>
+              <a:rPr lang="en-GB" dirty="0"/>
+            </a:br>
+            <a:endParaRPr lang="en-GB" dirty="0"/>
+          </a:p>
+        </p:txBody>
+      </p:sp>
+    </p:spTree>
+    <p:extLst>
+      <p:ext uri="{BB962C8B-B14F-4D97-AF65-F5344CB8AC3E}">
+        <p14:creationId xmlns:p14="http://schemas.microsoft.com/office/powerpoint/2010/main" val="231064440"/>
+      </p:ext>
+    </p:extLst>
+  </p:cSld>
+  <p:clrMapOvr>
+    <a:masterClrMapping/>
+  </p:clrMapOvr>
+</p:sld>
+</file>
+
+<file path=ppt/slides/slide55.xml><?xml version="1.0" encoding="utf-8"?>
+<p:sld xmlns:a="http://schemas.openxmlformats.org/drawingml/2006/main" xmlns:r="http://schemas.openxmlformats.org/officeDocument/2006/relationships" xmlns:p="http://schemas.openxmlformats.org/presentationml/2006/main">
+  <p:cSld>
+    <p:spTree>
+      <p:nvGrpSpPr>
+        <p:cNvPr id="1" name=""/>
+        <p:cNvGrpSpPr/>
+        <p:nvPr/>
+      </p:nvGrpSpPr>
+      <p:grpSpPr>
+        <a:xfrm>
+          <a:off x="0" y="0"/>
+          <a:ext cx="0" cy="0"/>
+          <a:chOff x="0" y="0"/>
+          <a:chExt cx="0" cy="0"/>
+        </a:xfrm>
+      </p:grpSpPr>
+      <p:sp>
+        <p:nvSpPr>
+          <p:cNvPr id="2" name="Title 1"/>
+          <p:cNvSpPr>
+            <a:spLocks noGrp="1"/>
+          </p:cNvSpPr>
+          <p:nvPr>
+            <p:ph type="title"/>
+          </p:nvPr>
+        </p:nvSpPr>
+        <p:spPr/>
+        <p:txBody>
+          <a:bodyPr/>
+          <a:lstStyle/>
+          <a:p>
+            <a:endParaRPr lang="en-GB"/>
+          </a:p>
+        </p:txBody>
+      </p:sp>
+      <p:sp>
+        <p:nvSpPr>
+          <p:cNvPr id="3" name="Content Placeholder 2"/>
+          <p:cNvSpPr>
+            <a:spLocks noGrp="1"/>
+          </p:cNvSpPr>
+          <p:nvPr>
+            <p:ph idx="1"/>
+          </p:nvPr>
+        </p:nvSpPr>
+        <p:spPr/>
+        <p:txBody>
+          <a:bodyPr/>
+          <a:lstStyle/>
+          <a:p>
+            <a:r>
+              <a:rPr lang="pl-PL" dirty="0"/>
+              <a:t>Dobrym sposobem na czyste używanie jednorazowych obiektów jest również korzystanie z instrukcji using. Dzięki niej, gdy obiekt znajdzie się poza zasięgiem, jest automatycznie usuwany. Programista nie musi więc jawnie wywoływać metody Dispose().</a:t>
+            </a:r>
+            <a:r>
+              <a:rPr lang="pl-PL" dirty="0"/>
+              <a:t> </a:t>
+            </a:r>
+            <a:br>
+              <a:rPr lang="pl-PL" dirty="0"/>
+            </a:br>
+            <a:endParaRPr lang="en-GB" dirty="0"/>
+          </a:p>
+        </p:txBody>
+      </p:sp>
+    </p:spTree>
+    <p:extLst>
+      <p:ext uri="{BB962C8B-B14F-4D97-AF65-F5344CB8AC3E}">
+        <p14:creationId xmlns:p14="http://schemas.microsoft.com/office/powerpoint/2010/main" val="4041045432"/>
+      </p:ext>
+    </p:extLst>
+  </p:cSld>
+  <p:clrMapOvr>
+    <a:masterClrMapping/>
+  </p:clrMapOvr>
+</p:sld>
+</file>
+
+<file path=ppt/slides/slide56.xml><?xml version="1.0" encoding="utf-8"?>
+<p:sld xmlns:a="http://schemas.openxmlformats.org/drawingml/2006/main" xmlns:r="http://schemas.openxmlformats.org/officeDocument/2006/relationships" xmlns:p="http://schemas.openxmlformats.org/presentationml/2006/main">
+  <p:cSld>
+    <p:spTree>
+      <p:nvGrpSpPr>
+        <p:cNvPr id="1" name=""/>
+        <p:cNvGrpSpPr/>
+        <p:nvPr/>
+      </p:nvGrpSpPr>
+      <p:grpSpPr>
+        <a:xfrm>
+          <a:off x="0" y="0"/>
+          <a:ext cx="0" cy="0"/>
+          <a:chOff x="0" y="0"/>
+          <a:chExt cx="0" cy="0"/>
+        </a:xfrm>
+      </p:grpSpPr>
+      <p:sp>
+        <p:nvSpPr>
+          <p:cNvPr id="2" name="Title 1"/>
+          <p:cNvSpPr>
+            <a:spLocks noGrp="1"/>
+          </p:cNvSpPr>
+          <p:nvPr>
+            <p:ph type="title"/>
+          </p:nvPr>
+        </p:nvSpPr>
+        <p:spPr/>
+        <p:txBody>
+          <a:bodyPr>
+            <a:normAutofit/>
+          </a:bodyPr>
+          <a:lstStyle/>
+          <a:p>
+            <a:r>
+              <a:rPr lang="en-GB" b="1" dirty="0" err="1"/>
+              <a:t>Korzystanie</a:t>
+            </a:r>
+            <a:r>
+              <a:rPr lang="en-GB" b="1" dirty="0"/>
+              <a:t> z </a:t>
+            </a:r>
+            <a:r>
+              <a:rPr lang="en-GB" b="1" dirty="0" err="1"/>
+              <a:t>metody</a:t>
+            </a:r>
+            <a:r>
+              <a:rPr lang="en-GB" b="1" dirty="0"/>
+              <a:t> Finalize()</a:t>
+            </a:r>
+            <a:r>
+              <a:rPr lang="en-GB" dirty="0" smtClean="0"/>
+              <a:t> </a:t>
+            </a:r>
+            <a:endParaRPr lang="en-GB" dirty="0"/>
+          </a:p>
+        </p:txBody>
+      </p:sp>
+      <p:sp>
+        <p:nvSpPr>
+          <p:cNvPr id="3" name="Content Placeholder 2"/>
+          <p:cNvSpPr>
+            <a:spLocks noGrp="1"/>
+          </p:cNvSpPr>
+          <p:nvPr>
+            <p:ph idx="1"/>
+          </p:nvPr>
+        </p:nvSpPr>
+        <p:spPr/>
+        <p:txBody>
+          <a:bodyPr>
+            <a:normAutofit fontScale="70000" lnSpcReduction="20000"/>
+          </a:bodyPr>
+          <a:lstStyle/>
+          <a:p>
+            <a:r>
+              <a:rPr lang="pl-PL" dirty="0"/>
+              <a:t>Choć finalizatory — poprzez to, że mogą pomóc w zwalnianiu zasobów obiektów, które nie zostały prawidłowo zniszczone — pomagają zapobiec wyciekom pamięci, mają szereg wad</a:t>
+            </a:r>
+            <a:r>
+              <a:rPr lang="pl-PL" dirty="0" smtClean="0"/>
+              <a:t> </a:t>
+            </a:r>
+            <a:br>
+              <a:rPr lang="pl-PL" dirty="0" smtClean="0"/>
+            </a:br>
+            <a:r>
+              <a:rPr lang="pl-PL" dirty="0"/>
+              <a:t>Nie wiemy, kiedy finalizator zostanie wywołany. Finalizatory są promowane przez mechanizm odśmiecania wraz ze wszystkimi zależnościami do następnej generacji i nie są sprzątane do czasu, aż mechanizm odśmiecania zdecyduje się to zrobić. To może oznaczać, że obiekty pozostaną w pamięci przez długi czas. Używanie finalizatorów może prowadzić do powstawania wyjątków wyczerpywania się pamięci, ponieważ często nowe obiekty są tworzone szybciej niż stare są niszczone przez mechanizm odśmiecania.</a:t>
+            </a:r>
+            <a:r>
+              <a:rPr lang="pl-PL" dirty="0" smtClean="0"/>
+              <a:t> </a:t>
+            </a:r>
+            <a:br>
+              <a:rPr lang="pl-PL" dirty="0" smtClean="0"/>
+            </a:br>
+            <a:endParaRPr lang="en-GB" dirty="0"/>
+          </a:p>
+        </p:txBody>
+      </p:sp>
+    </p:spTree>
+    <p:extLst>
+      <p:ext uri="{BB962C8B-B14F-4D97-AF65-F5344CB8AC3E}">
+        <p14:creationId xmlns:p14="http://schemas.microsoft.com/office/powerpoint/2010/main" val="1420635316"/>
+      </p:ext>
+    </p:extLst>
+  </p:cSld>
+  <p:clrMapOvr>
+    <a:masterClrMapping/>
+  </p:clrMapOvr>
+</p:sld>
+</file>
+
+<file path=ppt/slides/slide57.xml><?xml version="1.0" encoding="utf-8"?>
+<p:sld xmlns:a="http://schemas.openxmlformats.org/drawingml/2006/main" xmlns:r="http://schemas.openxmlformats.org/officeDocument/2006/relationships" xmlns:p="http://schemas.openxmlformats.org/presentationml/2006/main">
+  <p:cSld>
+    <p:spTree>
+      <p:nvGrpSpPr>
+        <p:cNvPr id="1" name=""/>
+        <p:cNvGrpSpPr/>
+        <p:nvPr/>
+      </p:nvGrpSpPr>
+      <p:grpSpPr>
+        <a:xfrm>
+          <a:off x="0" y="0"/>
+          <a:ext cx="0" cy="0"/>
+          <a:chOff x="0" y="0"/>
+          <a:chExt cx="0" cy="0"/>
+        </a:xfrm>
+      </p:grpSpPr>
+      <p:sp>
+        <p:nvSpPr>
+          <p:cNvPr id="2" name="Title 1"/>
+          <p:cNvSpPr>
+            <a:spLocks noGrp="1"/>
+          </p:cNvSpPr>
+          <p:nvPr>
+            <p:ph type="title"/>
+          </p:nvPr>
+        </p:nvSpPr>
+        <p:spPr/>
+        <p:txBody>
+          <a:bodyPr/>
+          <a:lstStyle/>
+          <a:p>
+            <a:endParaRPr lang="en-GB"/>
+          </a:p>
+        </p:txBody>
+      </p:sp>
+      <p:sp>
+        <p:nvSpPr>
+          <p:cNvPr id="3" name="Content Placeholder 2"/>
+          <p:cNvSpPr>
+            <a:spLocks noGrp="1"/>
+          </p:cNvSpPr>
+          <p:nvPr>
+            <p:ph idx="1"/>
+          </p:nvPr>
+        </p:nvSpPr>
+        <p:spPr/>
+        <p:txBody>
+          <a:bodyPr>
+            <a:normAutofit fontScale="92500" lnSpcReduction="20000"/>
+          </a:bodyPr>
+          <a:lstStyle/>
+          <a:p>
+            <a:r>
+              <a:rPr lang="pl-PL" b="1" dirty="0"/>
+              <a:t>Unikanie korzystania z metody Finalize()</a:t>
+            </a:r>
+            <a:r>
+              <a:rPr lang="pl-PL" dirty="0"/>
+              <a:t> </a:t>
+            </a:r>
+            <a:br>
+              <a:rPr lang="pl-PL" dirty="0"/>
+            </a:br>
+            <a:r>
+              <a:rPr lang="pl-PL" dirty="0"/>
+              <a:t>Podczas korzystania z zasobów niezarządzanych, najlepiej zaimplementować interfejs IDisposable, by uniknąć stosowania metody Finalize(). Nie ma pewności, kiedy zostaną uruchomione finalizatory. Nie zawsze są one uruchamiane w kolejności, w jakiej tego oczekujemy, czy w ogóle wtedy, gdy się tego spodziewamy. Zamiast metody Finalize() lepszym i bardziej niezawodnym sposobem niszczenia niezarządzanych zasobów jest skorzystanie z metody Dispose().</a:t>
+            </a:r>
+            <a:r>
+              <a:rPr lang="pl-PL" dirty="0"/>
+              <a:t> </a:t>
+            </a:r>
+            <a:br>
+              <a:rPr lang="pl-PL" dirty="0"/>
+            </a:br>
+            <a:endParaRPr lang="en-GB" dirty="0"/>
+          </a:p>
+        </p:txBody>
+      </p:sp>
+    </p:spTree>
+    <p:extLst>
+      <p:ext uri="{BB962C8B-B14F-4D97-AF65-F5344CB8AC3E}">
+        <p14:creationId xmlns:p14="http://schemas.microsoft.com/office/powerpoint/2010/main" val="361366841"/>
+      </p:ext>
+    </p:extLst>
+  </p:cSld>
+  <p:clrMapOvr>
+    <a:masterClrMapping/>
+  </p:clrMapOvr>
+</p:sld>
+</file>
+
+<file path=ppt/slides/slide58.xml><?xml version="1.0" encoding="utf-8"?>
+<p:sld xmlns:a="http://schemas.openxmlformats.org/drawingml/2006/main" xmlns:r="http://schemas.openxmlformats.org/officeDocument/2006/relationships" xmlns:p="http://schemas.openxmlformats.org/presentationml/2006/main">
+  <p:cSld>
+    <p:spTree>
+      <p:nvGrpSpPr>
+        <p:cNvPr id="1" name=""/>
+        <p:cNvGrpSpPr/>
+        <p:nvPr/>
+      </p:nvGrpSpPr>
+      <p:grpSpPr>
+        <a:xfrm>
+          <a:off x="0" y="0"/>
+          <a:ext cx="0" cy="0"/>
+          <a:chOff x="0" y="0"/>
+          <a:chExt cx="0" cy="0"/>
+        </a:xfrm>
+      </p:grpSpPr>
+      <p:sp>
+        <p:nvSpPr>
+          <p:cNvPr id="2" name="Title 1"/>
+          <p:cNvSpPr>
+            <a:spLocks noGrp="1"/>
+          </p:cNvSpPr>
+          <p:nvPr>
+            <p:ph type="title"/>
+          </p:nvPr>
+        </p:nvSpPr>
+        <p:spPr/>
+        <p:txBody>
+          <a:bodyPr>
+            <a:normAutofit/>
+          </a:bodyPr>
+          <a:lstStyle/>
+          <a:p>
+            <a:r>
+              <a:rPr lang="pl-PL" b="1" dirty="0"/>
+              <a:t>Naucz się stosować zasadę KISS</a:t>
+            </a:r>
+            <a:r>
+              <a:rPr lang="pl-PL" dirty="0" smtClean="0"/>
+              <a:t> </a:t>
+            </a:r>
+            <a:endParaRPr lang="en-GB" dirty="0"/>
+          </a:p>
+        </p:txBody>
+      </p:sp>
+      <p:sp>
+        <p:nvSpPr>
+          <p:cNvPr id="3" name="Content Placeholder 2"/>
+          <p:cNvSpPr>
+            <a:spLocks noGrp="1"/>
+          </p:cNvSpPr>
+          <p:nvPr>
+            <p:ph idx="1"/>
+          </p:nvPr>
+        </p:nvSpPr>
+        <p:spPr/>
+        <p:txBody>
+          <a:bodyPr/>
+          <a:lstStyle/>
+          <a:p>
+            <a:r>
+              <a:rPr lang="en-GB" i="1" dirty="0"/>
+              <a:t>Keep It Simple, Stupid </a:t>
+            </a:r>
+            <a:r>
+              <a:rPr lang="en-GB" dirty="0" smtClean="0"/>
+              <a:t/>
+            </a:r>
+            <a:br>
+              <a:rPr lang="en-GB" dirty="0" smtClean="0"/>
+            </a:br>
+            <a:endParaRPr lang="en-GB" dirty="0"/>
+          </a:p>
+        </p:txBody>
+      </p:sp>
+    </p:spTree>
+    <p:extLst>
+      <p:ext uri="{BB962C8B-B14F-4D97-AF65-F5344CB8AC3E}">
+        <p14:creationId xmlns:p14="http://schemas.microsoft.com/office/powerpoint/2010/main" val="262717478"/>
+      </p:ext>
+    </p:extLst>
+  </p:cSld>
+  <p:clrMapOvr>
+    <a:masterClrMapping/>
+  </p:clrMapOvr>
+</p:sld>
+</file>
+
+<file path=ppt/slides/slide59.xml><?xml version="1.0" encoding="utf-8"?>
+<p:sld xmlns:a="http://schemas.openxmlformats.org/drawingml/2006/main" xmlns:r="http://schemas.openxmlformats.org/officeDocument/2006/relationships" xmlns:p="http://schemas.openxmlformats.org/presentationml/2006/main">
+  <p:cSld>
+    <p:spTree>
+      <p:nvGrpSpPr>
+        <p:cNvPr id="1" name=""/>
+        <p:cNvGrpSpPr/>
+        <p:nvPr/>
+      </p:nvGrpSpPr>
+      <p:grpSpPr>
+        <a:xfrm>
+          <a:off x="0" y="0"/>
+          <a:ext cx="0" cy="0"/>
+          <a:chOff x="0" y="0"/>
+          <a:chExt cx="0" cy="0"/>
+        </a:xfrm>
+      </p:grpSpPr>
+      <p:sp>
+        <p:nvSpPr>
+          <p:cNvPr id="2" name="Title 1"/>
+          <p:cNvSpPr>
+            <a:spLocks noGrp="1"/>
+          </p:cNvSpPr>
+          <p:nvPr>
+            <p:ph type="title"/>
+          </p:nvPr>
+        </p:nvSpPr>
+        <p:spPr/>
+        <p:txBody>
+          <a:bodyPr>
+            <a:normAutofit fontScale="90000"/>
+          </a:bodyPr>
+          <a:lstStyle/>
+          <a:p>
+            <a:r>
+              <a:rPr lang="pl-PL" b="1" dirty="0"/>
+              <a:t>Utrata intencji wyrażonych w kodzie</a:t>
+            </a:r>
+            <a:r>
+              <a:rPr lang="pl-PL" dirty="0" smtClean="0"/>
+              <a:t> </a:t>
+            </a:r>
+            <a:endParaRPr lang="en-GB" dirty="0"/>
+          </a:p>
+        </p:txBody>
+      </p:sp>
+      <p:sp>
+        <p:nvSpPr>
+          <p:cNvPr id="3" name="Content Placeholder 2"/>
+          <p:cNvSpPr>
+            <a:spLocks noGrp="1"/>
+          </p:cNvSpPr>
+          <p:nvPr>
+            <p:ph idx="1"/>
+          </p:nvPr>
+        </p:nvSpPr>
+        <p:spPr/>
+        <p:txBody>
+          <a:bodyPr/>
+          <a:lstStyle/>
+          <a:p>
+            <a:r>
+              <a:rPr lang="pl-PL" dirty="0"/>
+              <a:t>Jeśli przeglądasz klasę, która robi kilka rzeczy, nie masz pojęcia, jaki były pierwotne intencje programisty. Jeśli, na przykład, szukasz metody przetwarzania daty i znajdujesz ją w klasie należącej do przestrzeni nazw wejścia-wyjścia, to czy ta metoda przetwarzania daty znajduje się we właściwym miejscu?</a:t>
+            </a:r>
+            <a:r>
+              <a:rPr lang="pl-PL" dirty="0" smtClean="0"/>
+              <a:t> </a:t>
+            </a:r>
+            <a:br>
+              <a:rPr lang="pl-PL" dirty="0" smtClean="0"/>
+            </a:br>
+            <a:endParaRPr lang="en-GB" dirty="0"/>
+          </a:p>
+        </p:txBody>
+      </p:sp>
+    </p:spTree>
+    <p:extLst>
+      <p:ext uri="{BB962C8B-B14F-4D97-AF65-F5344CB8AC3E}">
+        <p14:creationId xmlns:p14="http://schemas.microsoft.com/office/powerpoint/2010/main" val="2280138268"/>
+      </p:ext>
+    </p:extLst>
+  </p:cSld>
+  <p:clrMapOvr>
+    <a:masterClrMapping/>
+  </p:clrMapOvr>
+</p:sld>
+</file>
+
+<file path=ppt/slides/slide6.xml><?xml version="1.0" encoding="utf-8"?>
+<p:sld xmlns:a="http://schemas.openxmlformats.org/drawingml/2006/main" xmlns:r="http://schemas.openxmlformats.org/officeDocument/2006/relationships" xmlns:p="http://schemas.openxmlformats.org/presentationml/2006/main">
+  <p:cSld>
+    <p:spTree>
+      <p:nvGrpSpPr>
+        <p:cNvPr id="1" name=""/>
+        <p:cNvGrpSpPr/>
+        <p:nvPr/>
+      </p:nvGrpSpPr>
+      <p:grpSpPr>
+        <a:xfrm>
+          <a:off x="0" y="0"/>
+          <a:ext cx="0" cy="0"/>
+          <a:chOff x="0" y="0"/>
+          <a:chExt cx="0" cy="0"/>
+        </a:xfrm>
+      </p:grpSpPr>
+      <p:sp>
+        <p:nvSpPr>
+          <p:cNvPr id="2" name="Title 1"/>
+          <p:cNvSpPr>
+            <a:spLocks noGrp="1"/>
+          </p:cNvSpPr>
+          <p:nvPr>
+            <p:ph type="title"/>
+          </p:nvPr>
+        </p:nvSpPr>
+        <p:spPr/>
+        <p:txBody>
+          <a:bodyPr/>
+          <a:lstStyle/>
+          <a:p>
+            <a:r>
+              <a:rPr lang="pl-PL" b="1" dirty="0" smtClean="0"/>
+              <a:t>SOL</a:t>
+            </a:r>
+            <a:r>
+              <a:rPr lang="pl-PL" b="1" dirty="0" smtClean="0">
+                <a:solidFill>
+                  <a:srgbClr val="FF0000"/>
+                </a:solidFill>
+              </a:rPr>
+              <a:t>I</a:t>
+            </a:r>
+            <a:r>
+              <a:rPr lang="pl-PL" b="1" dirty="0" smtClean="0"/>
+              <a:t>D</a:t>
+            </a:r>
+            <a:endParaRPr lang="en-GB" b="1" dirty="0"/>
+          </a:p>
+        </p:txBody>
+      </p:sp>
+      <p:sp>
+        <p:nvSpPr>
+          <p:cNvPr id="3" name="Content Placeholder 2"/>
+          <p:cNvSpPr>
+            <a:spLocks noGrp="1"/>
+          </p:cNvSpPr>
+          <p:nvPr>
+            <p:ph idx="1"/>
+          </p:nvPr>
+        </p:nvSpPr>
+        <p:spPr/>
+        <p:txBody>
+          <a:bodyPr>
+            <a:normAutofit fontScale="77500" lnSpcReduction="20000"/>
+          </a:bodyPr>
+          <a:lstStyle/>
+          <a:p>
+            <a:r>
+              <a:rPr lang="pl-PL" i="1" dirty="0"/>
+              <a:t>Interface Segregation Principle — </a:t>
+            </a:r>
+            <a:r>
+              <a:rPr lang="pl-PL" dirty="0"/>
+              <a:t>ISP</a:t>
+            </a:r>
+            <a:r>
+              <a:rPr lang="pl-PL" dirty="0" smtClean="0"/>
+              <a:t>)</a:t>
+            </a:r>
+          </a:p>
+          <a:p>
+            <a:r>
+              <a:rPr lang="pl-PL" b="1" dirty="0"/>
+              <a:t>Zasada segregacji </a:t>
+            </a:r>
+            <a:r>
+              <a:rPr lang="pl-PL" b="1" dirty="0" smtClean="0"/>
+              <a:t>interfejsów</a:t>
+            </a:r>
+          </a:p>
+          <a:p>
+            <a:r>
+              <a:rPr lang="pl-PL" dirty="0" smtClean="0"/>
+              <a:t>Gdy interfejsy </a:t>
+            </a:r>
+            <a:r>
+              <a:rPr lang="pl-PL" dirty="0"/>
+              <a:t>są rozbudowane, klienty, które z nich korzystają, nie zawsze wymagają</a:t>
+            </a:r>
+            <a:endParaRPr lang="en-GB" dirty="0"/>
+          </a:p>
+          <a:p>
+            <a:r>
+              <a:rPr lang="pl-PL" dirty="0"/>
+              <a:t>wszystkich metod. </a:t>
+            </a:r>
+            <a:endParaRPr lang="pl-PL" dirty="0" smtClean="0"/>
+          </a:p>
+          <a:p>
+            <a:r>
+              <a:rPr lang="pl-PL" dirty="0" smtClean="0"/>
+              <a:t>W </a:t>
+            </a:r>
+            <a:r>
+              <a:rPr lang="pl-PL" dirty="0"/>
+              <a:t>związku z tym, stosując zasadę ISP, można wyodrębnić</a:t>
+            </a:r>
+            <a:endParaRPr lang="en-GB" dirty="0"/>
+          </a:p>
+          <a:p>
+            <a:pPr marL="0" indent="0">
+              <a:buNone/>
+            </a:pPr>
+            <a:r>
+              <a:rPr lang="pl-PL" dirty="0" smtClean="0"/>
+              <a:t> metody </a:t>
+            </a:r>
+            <a:r>
+              <a:rPr lang="pl-PL" dirty="0"/>
+              <a:t>do różnych interfejsów. Dzięki temu zamiast posługiwać się jednym,</a:t>
+            </a:r>
+            <a:endParaRPr lang="en-GB" dirty="0"/>
+          </a:p>
+          <a:p>
+            <a:r>
+              <a:rPr lang="pl-PL" dirty="0"/>
+              <a:t>dużym interfejsem, korzystamy z wielu małych. </a:t>
+            </a:r>
+            <a:r>
+              <a:rPr lang="pl-PL" dirty="0" smtClean="0"/>
+              <a:t>Klasy</a:t>
+            </a:r>
+            <a:r>
+              <a:rPr lang="en-GB" dirty="0" smtClean="0"/>
+              <a:t> </a:t>
+            </a:r>
+            <a:r>
+              <a:rPr lang="en-GB" dirty="0" err="1"/>
+              <a:t>mogą</a:t>
+            </a:r>
+            <a:r>
+              <a:rPr lang="en-GB" dirty="0"/>
+              <a:t> </a:t>
+            </a:r>
+            <a:r>
+              <a:rPr lang="en-GB" dirty="0" err="1"/>
+              <a:t>następnie</a:t>
+            </a:r>
+            <a:endParaRPr lang="en-GB" dirty="0"/>
+          </a:p>
+          <a:p>
+            <a:r>
+              <a:rPr lang="pl-PL" dirty="0"/>
+              <a:t>implementować interfejsy zawierające tylko te metody, które są niezbędne.</a:t>
+            </a:r>
+            <a:endParaRPr lang="en-GB" dirty="0"/>
+          </a:p>
+          <a:p>
+            <a:endParaRPr lang="en-GB" dirty="0"/>
+          </a:p>
+        </p:txBody>
+      </p:sp>
+    </p:spTree>
+    <p:extLst>
+      <p:ext uri="{BB962C8B-B14F-4D97-AF65-F5344CB8AC3E}">
+        <p14:creationId xmlns:p14="http://schemas.microsoft.com/office/powerpoint/2010/main" val="2712079411"/>
+      </p:ext>
+    </p:extLst>
+  </p:cSld>
+  <p:clrMapOvr>
+    <a:masterClrMapping/>
+  </p:clrMapOvr>
+</p:sld>
+</file>
+
+<file path=ppt/slides/slide60.xml><?xml version="1.0" encoding="utf-8"?>
+<p:sld xmlns:a="http://schemas.openxmlformats.org/drawingml/2006/main" xmlns:r="http://schemas.openxmlformats.org/officeDocument/2006/relationships" xmlns:p="http://schemas.openxmlformats.org/presentationml/2006/main">
+  <p:cSld>
+    <p:spTree>
+      <p:nvGrpSpPr>
+        <p:cNvPr id="1" name=""/>
+        <p:cNvGrpSpPr/>
+        <p:nvPr/>
+      </p:nvGrpSpPr>
+      <p:grpSpPr>
+        <a:xfrm>
+          <a:off x="0" y="0"/>
+          <a:ext cx="0" cy="0"/>
+          <a:chOff x="0" y="0"/>
+          <a:chExt cx="0" cy="0"/>
+        </a:xfrm>
+      </p:grpSpPr>
+      <p:sp>
+        <p:nvSpPr>
+          <p:cNvPr id="2" name="Title 1"/>
+          <p:cNvSpPr>
+            <a:spLocks noGrp="1"/>
+          </p:cNvSpPr>
+          <p:nvPr>
+            <p:ph type="title"/>
+          </p:nvPr>
+        </p:nvSpPr>
+        <p:spPr/>
+        <p:txBody>
           <a:bodyPr>
             <a:normAutofit fontScale="90000"/>
           </a:bodyPr>
@@ -10019,7 +11077,7 @@
 </p:sld>
 </file>
 
-<file path=ppt/slides/slide54.xml><?xml version="1.0" encoding="utf-8"?>
+<file path=ppt/slides/slide61.xml><?xml version="1.0" encoding="utf-8"?>
 <p:sld xmlns:a="http://schemas.openxmlformats.org/drawingml/2006/main" xmlns:r="http://schemas.openxmlformats.org/officeDocument/2006/relationships" xmlns:p="http://schemas.openxmlformats.org/presentationml/2006/main">
   <p:cSld>
     <p:spTree>
@@ -10134,7 +11192,7 @@
 </p:sld>
 </file>
 
-<file path=ppt/slides/slide6.xml><?xml version="1.0" encoding="utf-8"?>
+<file path=ppt/slides/slide62.xml><?xml version="1.0" encoding="utf-8"?>
 <p:sld xmlns:a="http://schemas.openxmlformats.org/drawingml/2006/main" xmlns:r="http://schemas.openxmlformats.org/officeDocument/2006/relationships" xmlns:p="http://schemas.openxmlformats.org/presentationml/2006/main">
   <p:cSld>
     <p:spTree>
@@ -10167,22 +11225,10 @@
           <a:lstStyle/>
           <a:p>
             <a:r>
-              <a:rPr lang="pl-PL" b="1" dirty="0" smtClean="0"/>
-              <a:t>SOL</a:t>
-            </a:r>
-            <a:r>
-              <a:rPr lang="pl-PL" b="1" dirty="0" smtClean="0">
-                <a:solidFill>
-                  <a:srgbClr val="FF0000"/>
-                </a:solidFill>
-              </a:rPr>
-              <a:t>I</a:t>
-            </a:r>
-            <a:r>
-              <a:rPr lang="pl-PL" b="1" dirty="0" smtClean="0"/>
-              <a:t>D</a:t>
-            </a:r>
-            <a:endParaRPr lang="en-GB" b="1" dirty="0"/>
+              <a:rPr lang="pl-PL" dirty="0" smtClean="0"/>
+              <a:t>Dobry kod</a:t>
+            </a:r>
+            <a:endParaRPr lang="en-GB" dirty="0"/>
           </a:p>
         </p:txBody>
       </p:sp>
@@ -10198,120 +11244,197 @@
         </p:nvSpPr>
         <p:spPr/>
         <p:txBody>
-          <a:bodyPr>
-            <a:normAutofit fontScale="77500" lnSpcReduction="20000"/>
-          </a:bodyPr>
-          <a:lstStyle/>
-          <a:p>
-            <a:r>
-              <a:rPr lang="pl-PL" i="1" dirty="0"/>
-              <a:t>Interface Segregation Principle — </a:t>
-            </a:r>
-            <a:r>
-              <a:rPr lang="pl-PL" dirty="0"/>
-              <a:t>ISP</a:t>
-            </a:r>
-            <a:r>
-              <a:rPr lang="pl-PL" dirty="0" smtClean="0"/>
-              <a:t>)</a:t>
-            </a:r>
-          </a:p>
-          <a:p>
-            <a:r>
-              <a:rPr lang="pl-PL" b="1" dirty="0"/>
-              <a:t>Zasada segregacji </a:t>
-            </a:r>
-            <a:r>
-              <a:rPr lang="pl-PL" b="1" dirty="0" smtClean="0"/>
-              <a:t>interfejsów</a:t>
-            </a:r>
-          </a:p>
-          <a:p>
-            <a:r>
-              <a:rPr lang="pl-PL" dirty="0" smtClean="0"/>
-              <a:t>Gdy interfejsy </a:t>
-            </a:r>
-            <a:r>
-              <a:rPr lang="pl-PL" dirty="0"/>
-              <a:t>są rozbudowane, klienty, które z nich korzystają, nie zawsze wymagają</a:t>
-            </a:r>
-            <a:endParaRPr lang="en-GB" dirty="0"/>
-          </a:p>
-          <a:p>
-            <a:r>
-              <a:rPr lang="pl-PL" dirty="0"/>
-              <a:t>wszystkich metod. </a:t>
-            </a:r>
-            <a:endParaRPr lang="pl-PL" dirty="0" smtClean="0"/>
-          </a:p>
-          <a:p>
-            <a:r>
-              <a:rPr lang="pl-PL" dirty="0" smtClean="0"/>
-              <a:t>W </a:t>
-            </a:r>
-            <a:r>
-              <a:rPr lang="pl-PL" dirty="0"/>
-              <a:t>związku z tym, stosując zasadę ISP, można wyodrębnić</a:t>
-            </a:r>
-            <a:endParaRPr lang="en-GB" dirty="0"/>
-          </a:p>
-          <a:p>
-            <a:pPr marL="0" indent="0">
-              <a:buNone/>
-            </a:pPr>
-            <a:r>
-              <a:rPr lang="pl-PL" dirty="0" smtClean="0"/>
-              <a:t> metody </a:t>
-            </a:r>
-            <a:r>
-              <a:rPr lang="pl-PL" dirty="0"/>
-              <a:t>do różnych interfejsów. Dzięki temu zamiast posługiwać się jednym,</a:t>
-            </a:r>
-            <a:endParaRPr lang="en-GB" dirty="0"/>
-          </a:p>
-          <a:p>
-            <a:r>
-              <a:rPr lang="pl-PL" dirty="0"/>
-              <a:t>dużym interfejsem, korzystamy z wielu małych. </a:t>
-            </a:r>
-            <a:r>
-              <a:rPr lang="pl-PL" dirty="0" smtClean="0"/>
-              <a:t>Klasy</a:t>
-            </a:r>
-            <a:r>
-              <a:rPr lang="en-GB" dirty="0" smtClean="0"/>
-              <a:t> </a:t>
-            </a:r>
-            <a:r>
-              <a:rPr lang="en-GB" dirty="0" err="1"/>
-              <a:t>mogą</a:t>
-            </a:r>
-            <a:r>
-              <a:rPr lang="en-GB" dirty="0"/>
-              <a:t> </a:t>
-            </a:r>
-            <a:r>
-              <a:rPr lang="en-GB" dirty="0" err="1"/>
-              <a:t>następnie</a:t>
-            </a:r>
-            <a:endParaRPr lang="en-GB" dirty="0"/>
-          </a:p>
-          <a:p>
-            <a:r>
-              <a:rPr lang="pl-PL" dirty="0"/>
-              <a:t>implementować interfejsy zawierające tylko te metody, które są niezbędne.</a:t>
-            </a:r>
-            <a:endParaRPr lang="en-GB" dirty="0"/>
-          </a:p>
-          <a:p>
-            <a:endParaRPr lang="en-GB" dirty="0"/>
+          <a:bodyPr/>
+          <a:lstStyle/>
+          <a:p>
+            <a:endParaRPr lang="en-GB"/>
           </a:p>
         </p:txBody>
       </p:sp>
     </p:spTree>
     <p:extLst>
       <p:ext uri="{BB962C8B-B14F-4D97-AF65-F5344CB8AC3E}">
-        <p14:creationId xmlns:p14="http://schemas.microsoft.com/office/powerpoint/2010/main" val="2712079411"/>
+        <p14:creationId xmlns:p14="http://schemas.microsoft.com/office/powerpoint/2010/main" val="309220574"/>
+      </p:ext>
+    </p:extLst>
+  </p:cSld>
+  <p:clrMapOvr>
+    <a:masterClrMapping/>
+  </p:clrMapOvr>
+</p:sld>
+</file>
+
+<file path=ppt/slides/slide63.xml><?xml version="1.0" encoding="utf-8"?>
+<p:sld xmlns:a="http://schemas.openxmlformats.org/drawingml/2006/main" xmlns:r="http://schemas.openxmlformats.org/officeDocument/2006/relationships" xmlns:p="http://schemas.openxmlformats.org/presentationml/2006/main">
+  <p:cSld>
+    <p:spTree>
+      <p:nvGrpSpPr>
+        <p:cNvPr id="1" name=""/>
+        <p:cNvGrpSpPr/>
+        <p:nvPr/>
+      </p:nvGrpSpPr>
+      <p:grpSpPr>
+        <a:xfrm>
+          <a:off x="0" y="0"/>
+          <a:ext cx="0" cy="0"/>
+          <a:chOff x="0" y="0"/>
+          <a:chExt cx="0" cy="0"/>
+        </a:xfrm>
+      </p:grpSpPr>
+      <p:sp>
+        <p:nvSpPr>
+          <p:cNvPr id="2" name="Title 1"/>
+          <p:cNvSpPr>
+            <a:spLocks noGrp="1"/>
+          </p:cNvSpPr>
+          <p:nvPr>
+            <p:ph type="title"/>
+          </p:nvPr>
+        </p:nvSpPr>
+        <p:spPr/>
+        <p:txBody>
+          <a:bodyPr>
+            <a:normAutofit/>
+          </a:bodyPr>
+          <a:lstStyle/>
+          <a:p>
+            <a:r>
+              <a:rPr lang="en-GB" b="1" dirty="0" err="1"/>
+              <a:t>Właściwy</a:t>
+            </a:r>
+            <a:r>
+              <a:rPr lang="en-GB" b="1" dirty="0"/>
+              <a:t> </a:t>
+            </a:r>
+            <a:r>
+              <a:rPr lang="en-GB" b="1" dirty="0" err="1"/>
+              <a:t>poziom</a:t>
+            </a:r>
+            <a:r>
+              <a:rPr lang="en-GB" b="1" dirty="0"/>
+              <a:t> </a:t>
+            </a:r>
+            <a:r>
+              <a:rPr lang="en-GB" b="1" dirty="0" err="1"/>
+              <a:t>abstrakcji</a:t>
+            </a:r>
+            <a:r>
+              <a:rPr lang="en-GB" dirty="0"/>
+              <a:t> </a:t>
+            </a:r>
+          </a:p>
+        </p:txBody>
+      </p:sp>
+      <p:sp>
+        <p:nvSpPr>
+          <p:cNvPr id="3" name="Content Placeholder 2"/>
+          <p:cNvSpPr>
+            <a:spLocks noGrp="1"/>
+          </p:cNvSpPr>
+          <p:nvPr>
+            <p:ph idx="1"/>
+          </p:nvPr>
+        </p:nvSpPr>
+        <p:spPr/>
+        <p:txBody>
+          <a:bodyPr>
+            <a:normAutofit fontScale="85000" lnSpcReduction="10000"/>
+          </a:bodyPr>
+          <a:lstStyle/>
+          <a:p>
+            <a:r>
+              <a:rPr lang="pl-PL" dirty="0"/>
+              <a:t>Kod ma właściwy poziom abstrakcji, jeśli do wyższego poziomu udostępniamy tylko to, co powinno być udostępnione, i nie gubimy się w implementacji.</a:t>
+            </a:r>
+          </a:p>
+          <a:p>
+            <a:r>
+              <a:rPr lang="pl-PL" dirty="0"/>
+              <a:t>Jeśli gubisz się w szczegółach implementacji, to znaczy, że poziom abstrakcji jest zbyt wysoki. Jeśli okazuje się, że wiele osób musi pracować nad tą samą klasą jednocześnie, to poziom abstrakcji jest zbyt niski. W obu przypadkach potrzebna jest refaktoryzacja, której celem jest doprowadzenie abstrakcji do właściwego poziomu.</a:t>
+            </a:r>
+            <a:r>
+              <a:rPr lang="pl-PL" dirty="0"/>
+              <a:t> </a:t>
+            </a:r>
+            <a:br>
+              <a:rPr lang="pl-PL" dirty="0"/>
+            </a:br>
+            <a:endParaRPr lang="en-GB" dirty="0"/>
+          </a:p>
+        </p:txBody>
+      </p:sp>
+    </p:spTree>
+    <p:extLst>
+      <p:ext uri="{BB962C8B-B14F-4D97-AF65-F5344CB8AC3E}">
+        <p14:creationId xmlns:p14="http://schemas.microsoft.com/office/powerpoint/2010/main" val="3305678369"/>
+      </p:ext>
+    </p:extLst>
+  </p:cSld>
+  <p:clrMapOvr>
+    <a:masterClrMapping/>
+  </p:clrMapOvr>
+</p:sld>
+</file>
+
+<file path=ppt/slides/slide64.xml><?xml version="1.0" encoding="utf-8"?>
+<p:sld xmlns:a="http://schemas.openxmlformats.org/drawingml/2006/main" xmlns:r="http://schemas.openxmlformats.org/officeDocument/2006/relationships" xmlns:p="http://schemas.openxmlformats.org/presentationml/2006/main">
+  <p:cSld>
+    <p:spTree>
+      <p:nvGrpSpPr>
+        <p:cNvPr id="1" name=""/>
+        <p:cNvGrpSpPr/>
+        <p:nvPr/>
+      </p:nvGrpSpPr>
+      <p:grpSpPr>
+        <a:xfrm>
+          <a:off x="0" y="0"/>
+          <a:ext cx="0" cy="0"/>
+          <a:chOff x="0" y="0"/>
+          <a:chExt cx="0" cy="0"/>
+        </a:xfrm>
+      </p:grpSpPr>
+      <p:sp>
+        <p:nvSpPr>
+          <p:cNvPr id="2" name="Title 1"/>
+          <p:cNvSpPr>
+            <a:spLocks noGrp="1"/>
+          </p:cNvSpPr>
+          <p:nvPr>
+            <p:ph type="title"/>
+          </p:nvPr>
+        </p:nvSpPr>
+        <p:spPr/>
+        <p:txBody>
+          <a:bodyPr/>
+          <a:lstStyle/>
+          <a:p>
+            <a:endParaRPr lang="en-GB"/>
+          </a:p>
+        </p:txBody>
+      </p:sp>
+      <p:sp>
+        <p:nvSpPr>
+          <p:cNvPr id="3" name="Content Placeholder 2"/>
+          <p:cNvSpPr>
+            <a:spLocks noGrp="1"/>
+          </p:cNvSpPr>
+          <p:nvPr>
+            <p:ph idx="1"/>
+          </p:nvPr>
+        </p:nvSpPr>
+        <p:spPr/>
+        <p:txBody>
+          <a:bodyPr/>
+          <a:lstStyle/>
+          <a:p>
+            <a:endParaRPr lang="en-GB"/>
+          </a:p>
+        </p:txBody>
+      </p:sp>
+    </p:spTree>
+    <p:extLst>
+      <p:ext uri="{BB962C8B-B14F-4D97-AF65-F5344CB8AC3E}">
+        <p14:creationId xmlns:p14="http://schemas.microsoft.com/office/powerpoint/2010/main" val="4196524094"/>
       </p:ext>
     </p:extLst>
   </p:cSld>

--- a/CleanCode/Docs/Wprowadzenie do SOLID&CleanCode.pptx
+++ b/CleanCode/Docs/Wprowadzenie do SOLID&CleanCode.pptx
@@ -80,6 +80,12 @@
     <p:sldId id="309" r:id="rId74"/>
     <p:sldId id="316" r:id="rId75"/>
     <p:sldId id="315" r:id="rId76"/>
+    <p:sldId id="334" r:id="rId77"/>
+    <p:sldId id="335" r:id="rId78"/>
+    <p:sldId id="336" r:id="rId79"/>
+    <p:sldId id="337" r:id="rId80"/>
+    <p:sldId id="338" r:id="rId81"/>
+    <p:sldId id="339" r:id="rId82"/>
   </p:sldIdLst>
   <p:sldSz cx="9144000" cy="6858000" type="screen4x3"/>
   <p:notesSz cx="6858000" cy="9144000"/>
@@ -362,7 +368,7 @@
           <a:p>
             <a:fld id="{086145B4-8F2C-4122-A9BE-F78999C10A03}" type="datetimeFigureOut">
               <a:rPr lang="en-GB" smtClean="0"/>
-              <a:t>18/04/2023</a:t>
+              <a:t>11/09/2023</a:t>
             </a:fld>
             <a:endParaRPr lang="en-GB" dirty="0"/>
           </a:p>
@@ -532,7 +538,7 @@
           <a:p>
             <a:fld id="{086145B4-8F2C-4122-A9BE-F78999C10A03}" type="datetimeFigureOut">
               <a:rPr lang="en-GB" smtClean="0"/>
-              <a:t>18/04/2023</a:t>
+              <a:t>11/09/2023</a:t>
             </a:fld>
             <a:endParaRPr lang="en-GB" dirty="0"/>
           </a:p>
@@ -712,7 +718,7 @@
           <a:p>
             <a:fld id="{086145B4-8F2C-4122-A9BE-F78999C10A03}" type="datetimeFigureOut">
               <a:rPr lang="en-GB" smtClean="0"/>
-              <a:t>18/04/2023</a:t>
+              <a:t>11/09/2023</a:t>
             </a:fld>
             <a:endParaRPr lang="en-GB" dirty="0"/>
           </a:p>
@@ -882,7 +888,7 @@
           <a:p>
             <a:fld id="{086145B4-8F2C-4122-A9BE-F78999C10A03}" type="datetimeFigureOut">
               <a:rPr lang="en-GB" smtClean="0"/>
-              <a:t>18/04/2023</a:t>
+              <a:t>11/09/2023</a:t>
             </a:fld>
             <a:endParaRPr lang="en-GB" dirty="0"/>
           </a:p>
@@ -1128,7 +1134,7 @@
           <a:p>
             <a:fld id="{086145B4-8F2C-4122-A9BE-F78999C10A03}" type="datetimeFigureOut">
               <a:rPr lang="en-GB" smtClean="0"/>
-              <a:t>18/04/2023</a:t>
+              <a:t>11/09/2023</a:t>
             </a:fld>
             <a:endParaRPr lang="en-GB" dirty="0"/>
           </a:p>
@@ -1416,7 +1422,7 @@
           <a:p>
             <a:fld id="{086145B4-8F2C-4122-A9BE-F78999C10A03}" type="datetimeFigureOut">
               <a:rPr lang="en-GB" smtClean="0"/>
-              <a:t>18/04/2023</a:t>
+              <a:t>11/09/2023</a:t>
             </a:fld>
             <a:endParaRPr lang="en-GB" dirty="0"/>
           </a:p>
@@ -1838,7 +1844,7 @@
           <a:p>
             <a:fld id="{086145B4-8F2C-4122-A9BE-F78999C10A03}" type="datetimeFigureOut">
               <a:rPr lang="en-GB" smtClean="0"/>
-              <a:t>18/04/2023</a:t>
+              <a:t>11/09/2023</a:t>
             </a:fld>
             <a:endParaRPr lang="en-GB" dirty="0"/>
           </a:p>
@@ -1956,7 +1962,7 @@
           <a:p>
             <a:fld id="{086145B4-8F2C-4122-A9BE-F78999C10A03}" type="datetimeFigureOut">
               <a:rPr lang="en-GB" smtClean="0"/>
-              <a:t>18/04/2023</a:t>
+              <a:t>11/09/2023</a:t>
             </a:fld>
             <a:endParaRPr lang="en-GB" dirty="0"/>
           </a:p>
@@ -2051,7 +2057,7 @@
           <a:p>
             <a:fld id="{086145B4-8F2C-4122-A9BE-F78999C10A03}" type="datetimeFigureOut">
               <a:rPr lang="en-GB" smtClean="0"/>
-              <a:t>18/04/2023</a:t>
+              <a:t>11/09/2023</a:t>
             </a:fld>
             <a:endParaRPr lang="en-GB" dirty="0"/>
           </a:p>
@@ -2328,7 +2334,7 @@
           <a:p>
             <a:fld id="{086145B4-8F2C-4122-A9BE-F78999C10A03}" type="datetimeFigureOut">
               <a:rPr lang="en-GB" smtClean="0"/>
-              <a:t>18/04/2023</a:t>
+              <a:t>11/09/2023</a:t>
             </a:fld>
             <a:endParaRPr lang="en-GB" dirty="0"/>
           </a:p>
@@ -2581,7 +2587,7 @@
           <a:p>
             <a:fld id="{086145B4-8F2C-4122-A9BE-F78999C10A03}" type="datetimeFigureOut">
               <a:rPr lang="en-GB" smtClean="0"/>
-              <a:t>18/04/2023</a:t>
+              <a:t>11/09/2023</a:t>
             </a:fld>
             <a:endParaRPr lang="en-GB" dirty="0"/>
           </a:p>
@@ -2794,7 +2800,7 @@
           <a:p>
             <a:fld id="{086145B4-8F2C-4122-A9BE-F78999C10A03}" type="datetimeFigureOut">
               <a:rPr lang="en-GB" smtClean="0"/>
-              <a:t>18/04/2023</a:t>
+              <a:t>11/09/2023</a:t>
             </a:fld>
             <a:endParaRPr lang="en-GB" dirty="0"/>
           </a:p>
@@ -4107,7 +4113,6 @@
               <a:rPr lang="pl-PL" dirty="0" smtClean="0"/>
               <a:t>prawidłowe</a:t>
             </a:r>
-            <a:endParaRPr lang="pl-PL" dirty="0" smtClean="0"/>
           </a:p>
         </p:txBody>
       </p:sp>
@@ -4303,7 +4308,6 @@
               <a:rPr lang="pl-PL" dirty="0"/>
               <a:t>są łatwe do obsłużenia, inaczej jest z założeniami. </a:t>
             </a:r>
-            <a:endParaRPr lang="pl-PL" dirty="0"/>
           </a:p>
           <a:p>
             <a:pPr lvl="1"/>
@@ -4420,7 +4424,6 @@
               <a:rPr lang="pl-PL" dirty="0" smtClean="0"/>
               <a:t>problemów</a:t>
             </a:r>
-            <a:endParaRPr lang="pl-PL" dirty="0" smtClean="0"/>
           </a:p>
         </p:txBody>
       </p:sp>
@@ -4600,7 +4603,6 @@
               <a:rPr lang="pl-PL" dirty="0" smtClean="0"/>
               <a:t>!</a:t>
             </a:r>
-            <a:endParaRPr lang="pl-PL" dirty="0" smtClean="0"/>
           </a:p>
           <a:p>
             <a:r>
@@ -4611,7 +4613,6 @@
               <a:rPr lang="pl-PL" dirty="0" smtClean="0"/>
               <a:t>refaktoryzacji</a:t>
             </a:r>
-            <a:endParaRPr lang="pl-PL" dirty="0" smtClean="0"/>
           </a:p>
         </p:txBody>
       </p:sp>
@@ -4837,11 +4838,7 @@
           <a:p>
             <a:r>
               <a:rPr lang="pl-PL" dirty="0" smtClean="0"/>
-              <a:t>W podejściu &lt;jakim?&gt; p</a:t>
-            </a:r>
-            <a:r>
-              <a:rPr lang="pl-PL" dirty="0" smtClean="0"/>
-              <a:t>rogramista </a:t>
+              <a:t>W podejściu &lt;jakim?&gt; programista </a:t>
             </a:r>
             <a:r>
               <a:rPr lang="pl-PL" dirty="0"/>
@@ -5022,15 +5019,7 @@
             </a:pPr>
             <a:r>
               <a:rPr lang="pl-PL" dirty="0" smtClean="0"/>
-              <a:t>Nie </a:t>
-            </a:r>
-            <a:r>
-              <a:rPr lang="pl-PL" dirty="0" smtClean="0"/>
-              <a:t>wprowadzaj złożoności, jeśli nie jest to </a:t>
-            </a:r>
-            <a:r>
-              <a:rPr lang="pl-PL" dirty="0" smtClean="0"/>
-              <a:t>konieczne.</a:t>
+              <a:t>Nie wprowadzaj złożoności, jeśli nie jest to konieczne.</a:t>
             </a:r>
           </a:p>
           <a:p>
@@ -5040,19 +5029,7 @@
             </a:pPr>
             <a:r>
               <a:rPr lang="pl-PL" dirty="0" smtClean="0"/>
-              <a:t>P</a:t>
-            </a:r>
-            <a:r>
-              <a:rPr lang="pl-PL" dirty="0" smtClean="0"/>
-              <a:t>isz </a:t>
-            </a:r>
-            <a:r>
-              <a:rPr lang="pl-PL" dirty="0" smtClean="0"/>
-              <a:t>tylko taki kod, który jest </a:t>
-            </a:r>
-            <a:r>
-              <a:rPr lang="pl-PL" dirty="0" smtClean="0"/>
-              <a:t>niezbędny</a:t>
+              <a:t>Pisz tylko taki kod, który jest niezbędny</a:t>
             </a:r>
           </a:p>
           <a:p>
@@ -5062,15 +5039,7 @@
             </a:pPr>
             <a:r>
               <a:rPr lang="pl-PL" dirty="0" smtClean="0"/>
-              <a:t>Nie </a:t>
-            </a:r>
-            <a:r>
-              <a:rPr lang="pl-PL" dirty="0" smtClean="0"/>
-              <a:t>pisz kodu, którego nie potrzebujesz, ani takiego, którego jedynym celem jest eksperymentowanie i uczenie </a:t>
-            </a:r>
-            <a:r>
-              <a:rPr lang="pl-PL" dirty="0" smtClean="0"/>
-              <a:t>się</a:t>
+              <a:t>Nie pisz kodu, którego nie potrzebujesz, ani takiego, którego jedynym celem jest eksperymentowanie i uczenie się</a:t>
             </a:r>
           </a:p>
           <a:p>
@@ -5080,15 +5049,7 @@
             </a:pPr>
             <a:r>
               <a:rPr lang="pl-PL" dirty="0" smtClean="0"/>
-              <a:t>Kod </a:t>
-            </a:r>
-            <a:r>
-              <a:rPr lang="pl-PL" dirty="0" smtClean="0"/>
-              <a:t>eksperymentalny i służący do uczenia się utrzymuj w projektach typu „piaskownica” przeznaczonych specjalnie do tych </a:t>
-            </a:r>
-            <a:r>
-              <a:rPr lang="pl-PL" dirty="0" smtClean="0"/>
-              <a:t>celów</a:t>
+              <a:t>Kod eksperymentalny i służący do uczenia się utrzymuj w projektach typu „piaskownica” przeznaczonych specjalnie do tych celów</a:t>
             </a:r>
             <a:endParaRPr lang="en-GB" dirty="0" smtClean="0"/>
           </a:p>
@@ -5305,7 +5266,6 @@
               <a:rPr lang="pl-PL" dirty="0"/>
               <a:t>w utrzymaniu </a:t>
             </a:r>
-            <a:endParaRPr lang="pl-PL" dirty="0"/>
           </a:p>
           <a:p>
             <a:pPr lvl="2"/>
@@ -5587,7 +5547,6 @@
               <a:rPr lang="pl-PL" dirty="0" smtClean="0"/>
               <a:t>nazw</a:t>
             </a:r>
-            <a:endParaRPr lang="pl-PL" dirty="0" smtClean="0"/>
           </a:p>
           <a:p>
             <a:r>
@@ -7521,11 +7480,7 @@
             </a:pPr>
             <a:r>
               <a:rPr lang="pl-PL" dirty="0" smtClean="0"/>
-              <a:t>Jego zrozumienie nie powinno wynikać z obecności komentarzy</a:t>
-            </a:r>
-            <a:r>
-              <a:rPr lang="pl-PL" dirty="0" smtClean="0"/>
-              <a:t> </a:t>
+              <a:t>Jego zrozumienie nie powinno wynikać z obecności komentarzy </a:t>
             </a:r>
             <a:endParaRPr lang="en-GB" dirty="0"/>
           </a:p>
@@ -7800,11 +7755,7 @@
             </a:r>
             <a:r>
               <a:rPr lang="pl-PL" dirty="0" smtClean="0"/>
-              <a:t>- Minimum </a:t>
-            </a:r>
-            <a:r>
-              <a:rPr lang="pl-PL" dirty="0" smtClean="0"/>
-              <a:t>tego to </a:t>
+              <a:t>- Minimum tego to </a:t>
             </a:r>
             <a:r>
               <a:rPr lang="pl-PL" dirty="0"/>
@@ -7824,7 +7775,6 @@
               <a:rPr lang="pl-PL" dirty="0" smtClean="0"/>
               <a:t>- Warto również zarejestrować bug / defect / improvement, jeżeli poprawka nie może zostać zrobiona od razu</a:t>
             </a:r>
-            <a:endParaRPr lang="pl-PL" dirty="0" smtClean="0"/>
           </a:p>
           <a:p>
             <a:r>
@@ -8060,10 +8010,6 @@
               <a:rPr lang="pl-PL" dirty="0" smtClean="0"/>
               <a:t>odtworzyć</a:t>
             </a:r>
-            <a:r>
-              <a:rPr lang="pl-PL" dirty="0" smtClean="0"/>
-              <a:t/>
-            </a:r>
             <a:br>
               <a:rPr lang="pl-PL" dirty="0" smtClean="0"/>
             </a:br>
@@ -8436,10 +8382,6 @@
               <a:rPr lang="pl-PL" dirty="0" smtClean="0"/>
               <a:t>czytanie</a:t>
             </a:r>
-            <a:r>
-              <a:rPr lang="pl-PL" dirty="0" smtClean="0"/>
-              <a:t/>
-            </a:r>
             <a:br>
               <a:rPr lang="pl-PL" dirty="0" smtClean="0"/>
             </a:br>
@@ -8734,7 +8676,6 @@
               <a:rPr lang="pl-PL" dirty="0" smtClean="0"/>
               <a:t>IPowerButton</a:t>
             </a:r>
-            <a:endParaRPr lang="pl-PL" dirty="0" smtClean="0"/>
           </a:p>
           <a:p>
             <a:pPr lvl="1"/>
@@ -8969,10 +8910,6 @@
               <a:rPr lang="pl-PL" dirty="0" smtClean="0"/>
               <a:t>zadanie </a:t>
             </a:r>
-            <a:r>
-              <a:rPr lang="pl-PL" dirty="0" smtClean="0"/>
-              <a:t/>
-            </a:r>
             <a:br>
               <a:rPr lang="pl-PL" dirty="0" smtClean="0"/>
             </a:br>
@@ -8983,7 +8920,6 @@
               <a:rPr lang="pl-PL" dirty="0" smtClean="0"/>
               <a:t>Przykład Klasa A</a:t>
             </a:r>
-            <a:endParaRPr lang="pl-PL" dirty="0" smtClean="0"/>
           </a:p>
           <a:p>
             <a:pPr lvl="1"/>
@@ -9297,14 +9233,12 @@
               <a:rPr lang="pl-PL" dirty="0" smtClean="0"/>
               <a:t> </a:t>
             </a:r>
-            <a:endParaRPr lang="pl-PL" dirty="0" smtClean="0"/>
           </a:p>
           <a:p>
             <a:r>
               <a:rPr lang="pl-PL" dirty="0" smtClean="0"/>
               <a:t>Refaktoryzacja	</a:t>
             </a:r>
-            <a:endParaRPr lang="pl-PL" dirty="0" smtClean="0"/>
           </a:p>
           <a:p>
             <a:pPr lvl="1"/>
@@ -9316,7 +9250,6 @@
               <a:rPr lang="pl-PL" dirty="0" smtClean="0"/>
               <a:t> </a:t>
             </a:r>
-            <a:endParaRPr lang="pl-PL" dirty="0" smtClean="0"/>
           </a:p>
           <a:p>
             <a:pPr lvl="1"/>
@@ -9335,10 +9268,6 @@
             <a:r>
               <a:rPr lang="pl-PL" dirty="0" smtClean="0"/>
               <a:t>zadanie</a:t>
-            </a:r>
-            <a:r>
-              <a:rPr lang="pl-PL" dirty="0" smtClean="0"/>
-              <a:t/>
             </a:r>
             <a:br>
               <a:rPr lang="pl-PL" dirty="0" smtClean="0"/>
@@ -9438,7 +9367,6 @@
               <a:rPr lang="pl-PL" dirty="0" smtClean="0"/>
               <a:t>odszukania</a:t>
             </a:r>
-            <a:endParaRPr lang="pl-PL" dirty="0" smtClean="0"/>
           </a:p>
           <a:p>
             <a:r>
@@ -10074,7 +10002,6 @@
               <a:rPr lang="pl-PL" dirty="0" smtClean="0"/>
               <a:t>programisty</a:t>
             </a:r>
-            <a:endParaRPr lang="pl-PL" dirty="0" smtClean="0"/>
           </a:p>
           <a:p>
             <a:r>
@@ -10085,7 +10012,6 @@
               <a:rPr lang="pl-PL" dirty="0" smtClean="0"/>
               <a:t>rezultatów</a:t>
             </a:r>
-            <a:endParaRPr lang="pl-PL" dirty="0" smtClean="0"/>
           </a:p>
           <a:p>
             <a:r>
@@ -10453,11 +10379,7 @@
           <a:p>
             <a:r>
               <a:rPr lang="it-IT" i="1" dirty="0" smtClean="0"/>
-              <a:t>spaghetti </a:t>
-            </a:r>
-            <a:r>
-              <a:rPr lang="it-IT" i="1" dirty="0" smtClean="0"/>
-              <a:t>code</a:t>
+              <a:t>spaghetti code</a:t>
             </a:r>
             <a:r>
               <a:rPr lang="it-IT" dirty="0" smtClean="0"/>
@@ -10572,10 +10494,6 @@
               <a:rPr lang="pl-PL" dirty="0" smtClean="0"/>
               <a:t>skuteczne</a:t>
             </a:r>
-            <a:r>
-              <a:rPr lang="pl-PL" dirty="0" smtClean="0"/>
-              <a:t/>
-            </a:r>
             <a:br>
               <a:rPr lang="pl-PL" dirty="0" smtClean="0"/>
             </a:br>
@@ -10775,7 +10693,6 @@
               <a:rPr lang="pl-PL" dirty="0" smtClean="0"/>
               <a:t>spójności</a:t>
             </a:r>
-            <a:endParaRPr lang="pl-PL" dirty="0" smtClean="0"/>
           </a:p>
           <a:p>
             <a:r>
@@ -10811,10 +10728,6 @@
             <a:r>
               <a:rPr lang="pl-PL" dirty="0" smtClean="0"/>
               <a:t>śledzenia</a:t>
-            </a:r>
-            <a:r>
-              <a:rPr lang="pl-PL" dirty="0" smtClean="0"/>
-              <a:t/>
             </a:r>
             <a:br>
               <a:rPr lang="pl-PL" dirty="0" smtClean="0"/>
@@ -10927,7 +10840,6 @@
               <a:rPr lang="pl-PL" dirty="0" smtClean="0"/>
               <a:t>modyfikowania</a:t>
             </a:r>
-            <a:endParaRPr lang="pl-PL" dirty="0" smtClean="0"/>
           </a:p>
           <a:p>
             <a:r>
@@ -11164,11 +11076,7 @@
             <a:pPr lvl="1"/>
             <a:r>
               <a:rPr lang="pl-PL" dirty="0" smtClean="0"/>
-              <a:t>Drugi </a:t>
-            </a:r>
-            <a:r>
-              <a:rPr lang="pl-PL" dirty="0" smtClean="0"/>
-              <a:t>klient wymaga </a:t>
+              <a:t>Drugi klient wymaga </a:t>
             </a:r>
             <a:r>
               <a:rPr lang="pl-PL" dirty="0"/>
@@ -11183,11 +11091,7 @@
             <a:pPr lvl="1"/>
             <a:r>
               <a:rPr lang="pl-PL" dirty="0" smtClean="0"/>
-              <a:t>Trzeba będzie </a:t>
-            </a:r>
-            <a:r>
-              <a:rPr lang="pl-PL" dirty="0" smtClean="0"/>
-              <a:t>zmodyfikować </a:t>
+              <a:t>Trzeba będzie zmodyfikować </a:t>
             </a:r>
             <a:r>
               <a:rPr lang="pl-PL" dirty="0"/>
@@ -11219,10 +11123,6 @@
             <a:r>
               <a:rPr lang="pl-PL" dirty="0" smtClean="0"/>
               <a:t>Co jeżeli mamy 10 różnych klientów z 10 różnymi bazami danych?</a:t>
-            </a:r>
-            <a:r>
-              <a:rPr lang="pl-PL" dirty="0" smtClean="0"/>
-              <a:t/>
             </a:r>
             <a:br>
               <a:rPr lang="pl-PL" dirty="0" smtClean="0"/>
@@ -11345,10 +11245,6 @@
               <a:rPr lang="pl-PL" dirty="0" smtClean="0"/>
               <a:t>deszyfrowania</a:t>
             </a:r>
-            <a:r>
-              <a:rPr lang="pl-PL" dirty="0" smtClean="0"/>
-              <a:t/>
-            </a:r>
             <a:br>
               <a:rPr lang="pl-PL" dirty="0" smtClean="0"/>
             </a:br>
@@ -11565,7 +11461,6 @@
               <a:rPr lang="pl-PL" dirty="0" smtClean="0"/>
               <a:t>wycieków </a:t>
             </a:r>
-            <a:endParaRPr lang="pl-PL" dirty="0" smtClean="0"/>
           </a:p>
           <a:p>
             <a:r>
@@ -11576,7 +11471,6 @@
               <a:rPr lang="pl-PL" dirty="0" smtClean="0"/>
               <a:t>statycznych</a:t>
             </a:r>
-            <a:endParaRPr lang="pl-PL" dirty="0" smtClean="0"/>
           </a:p>
           <a:p>
             <a:r>
@@ -11598,10 +11492,6 @@
             <a:r>
               <a:rPr lang="pl-PL" dirty="0" smtClean="0"/>
               <a:t>pamięci</a:t>
-            </a:r>
-            <a:r>
-              <a:rPr lang="pl-PL" dirty="0" smtClean="0"/>
-              <a:t/>
             </a:r>
             <a:br>
               <a:rPr lang="pl-PL" dirty="0" smtClean="0"/>
@@ -11937,10 +11827,6 @@
               <a:rPr lang="pl-PL" dirty="0" smtClean="0"/>
               <a:t>odśmiecania </a:t>
             </a:r>
-            <a:r>
-              <a:rPr lang="pl-PL" dirty="0" smtClean="0"/>
-              <a:t/>
-            </a:r>
             <a:br>
               <a:rPr lang="pl-PL" dirty="0" smtClean="0"/>
             </a:br>
@@ -12046,10 +11932,6 @@
               <a:rPr lang="pl-PL" dirty="0" smtClean="0"/>
               <a:t>anonimowa</a:t>
             </a:r>
-            <a:r>
-              <a:rPr lang="pl-PL" dirty="0" smtClean="0"/>
-              <a:t/>
-            </a:r>
             <a:br>
               <a:rPr lang="pl-PL" dirty="0" smtClean="0"/>
             </a:br>
@@ -12149,11 +12031,7 @@
             </a:r>
             <a:r>
               <a:rPr lang="pl-PL" dirty="0" smtClean="0"/>
-              <a:t>bez zwolnienia </a:t>
-            </a:r>
-            <a:r>
-              <a:rPr lang="pl-PL" dirty="0" smtClean="0"/>
-              <a:t>obiektów </a:t>
+              <a:t>bez zwolnienia obiektów </a:t>
             </a:r>
             <a:r>
               <a:rPr lang="pl-PL" dirty="0"/>
@@ -12163,7 +12041,6 @@
               <a:rPr lang="pl-PL" dirty="0" smtClean="0"/>
               <a:t> </a:t>
             </a:r>
-            <a:endParaRPr lang="pl-PL" dirty="0" smtClean="0"/>
           </a:p>
           <a:p>
             <a:r>
@@ -12185,10 +12062,6 @@
             <a:r>
               <a:rPr lang="pl-PL" dirty="0" smtClean="0"/>
               <a:t>kończy</a:t>
-            </a:r>
-            <a:r>
-              <a:rPr lang="pl-PL" dirty="0" smtClean="0"/>
-              <a:t/>
             </a:r>
             <a:br>
               <a:rPr lang="pl-PL" dirty="0" smtClean="0"/>
@@ -13061,7 +12934,6 @@
               <a:rPr lang="en-GB" dirty="0"/>
               <a:t> </a:t>
             </a:r>
-            <a:endParaRPr lang="en-GB" dirty="0"/>
           </a:p>
         </p:txBody>
       </p:sp>
@@ -13237,7 +13109,6 @@
               <a:rPr lang="pl-PL" dirty="0" smtClean="0"/>
               <a:t>ISP</a:t>
             </a:r>
-            <a:endParaRPr lang="pl-PL" dirty="0" smtClean="0"/>
           </a:p>
           <a:p>
             <a:r>
@@ -13897,6 +13768,384 @@
 </p:sld>
 </file>
 
+<file path=ppt/slides/slide76.xml><?xml version="1.0" encoding="utf-8"?>
+<p:sld xmlns:a="http://schemas.openxmlformats.org/drawingml/2006/main" xmlns:r="http://schemas.openxmlformats.org/officeDocument/2006/relationships" xmlns:p="http://schemas.openxmlformats.org/presentationml/2006/main">
+  <p:cSld>
+    <p:spTree>
+      <p:nvGrpSpPr>
+        <p:cNvPr id="1" name=""/>
+        <p:cNvGrpSpPr/>
+        <p:nvPr/>
+      </p:nvGrpSpPr>
+      <p:grpSpPr>
+        <a:xfrm>
+          <a:off x="0" y="0"/>
+          <a:ext cx="0" cy="0"/>
+          <a:chOff x="0" y="0"/>
+          <a:chExt cx="0" cy="0"/>
+        </a:xfrm>
+      </p:grpSpPr>
+      <p:sp>
+        <p:nvSpPr>
+          <p:cNvPr id="2" name="Title 1"/>
+          <p:cNvSpPr>
+            <a:spLocks noGrp="1"/>
+          </p:cNvSpPr>
+          <p:nvPr>
+            <p:ph type="title"/>
+          </p:nvPr>
+        </p:nvSpPr>
+        <p:spPr/>
+        <p:txBody>
+          <a:bodyPr/>
+          <a:lstStyle/>
+          <a:p>
+            <a:r>
+              <a:rPr lang="en-US" dirty="0" smtClean="0"/>
+              <a:t>Code Review</a:t>
+            </a:r>
+            <a:endParaRPr lang="en-GB" dirty="0"/>
+          </a:p>
+        </p:txBody>
+      </p:sp>
+      <p:pic>
+        <p:nvPicPr>
+          <p:cNvPr id="1026" name="Picture 2"/>
+          <p:cNvPicPr>
+            <a:picLocks noChangeAspect="1" noChangeArrowheads="1"/>
+          </p:cNvPicPr>
+          <p:nvPr/>
+        </p:nvPicPr>
+        <p:blipFill>
+          <a:blip r:embed="rId2">
+            <a:extLst>
+              <a:ext uri="{28A0092B-C50C-407E-A947-70E740481C1C}">
+                <a14:useLocalDpi xmlns:a14="http://schemas.microsoft.com/office/drawing/2010/main" val="0"/>
+              </a:ext>
+            </a:extLst>
+          </a:blip>
+          <a:srcRect/>
+          <a:stretch>
+            <a:fillRect/>
+          </a:stretch>
+        </p:blipFill>
+        <p:spPr bwMode="auto">
+          <a:xfrm>
+            <a:off x="1115616" y="1628800"/>
+            <a:ext cx="6726435" cy="3597078"/>
+          </a:xfrm>
+          <a:prstGeom prst="rect">
+            <a:avLst/>
+          </a:prstGeom>
+          <a:noFill/>
+          <a:ln>
+            <a:noFill/>
+          </a:ln>
+          <a:effectLst/>
+          <a:extLst>
+            <a:ext uri="{909E8E84-426E-40DD-AFC4-6F175D3DCCD1}">
+              <a14:hiddenFill xmlns:a14="http://schemas.microsoft.com/office/drawing/2010/main">
+                <a:solidFill>
+                  <a:schemeClr val="accent1"/>
+                </a:solidFill>
+              </a14:hiddenFill>
+            </a:ext>
+            <a:ext uri="{91240B29-F687-4F45-9708-019B960494DF}">
+              <a14:hiddenLine xmlns:a14="http://schemas.microsoft.com/office/drawing/2010/main" w="9525">
+                <a:solidFill>
+                  <a:schemeClr val="tx1"/>
+                </a:solidFill>
+                <a:miter lim="800000"/>
+                <a:headEnd/>
+                <a:tailEnd/>
+              </a14:hiddenLine>
+            </a:ext>
+            <a:ext uri="{AF507438-7753-43E0-B8FC-AC1667EBCBE1}">
+              <a14:hiddenEffects xmlns:a14="http://schemas.microsoft.com/office/drawing/2010/main">
+                <a:effectLst>
+                  <a:outerShdw dist="35921" dir="2700000" algn="ctr" rotWithShape="0">
+                    <a:schemeClr val="bg2"/>
+                  </a:outerShdw>
+                </a:effectLst>
+              </a14:hiddenEffects>
+            </a:ext>
+          </a:extLst>
+        </p:spPr>
+      </p:pic>
+    </p:spTree>
+    <p:extLst>
+      <p:ext uri="{BB962C8B-B14F-4D97-AF65-F5344CB8AC3E}">
+        <p14:creationId xmlns:p14="http://schemas.microsoft.com/office/powerpoint/2010/main" val="239517745"/>
+      </p:ext>
+    </p:extLst>
+  </p:cSld>
+  <p:clrMapOvr>
+    <a:masterClrMapping/>
+  </p:clrMapOvr>
+</p:sld>
+</file>
+
+<file path=ppt/slides/slide77.xml><?xml version="1.0" encoding="utf-8"?>
+<p:sld xmlns:a="http://schemas.openxmlformats.org/drawingml/2006/main" xmlns:r="http://schemas.openxmlformats.org/officeDocument/2006/relationships" xmlns:p="http://schemas.openxmlformats.org/presentationml/2006/main">
+  <p:cSld>
+    <p:spTree>
+      <p:nvGrpSpPr>
+        <p:cNvPr id="1" name=""/>
+        <p:cNvGrpSpPr/>
+        <p:nvPr/>
+      </p:nvGrpSpPr>
+      <p:grpSpPr>
+        <a:xfrm>
+          <a:off x="0" y="0"/>
+          <a:ext cx="0" cy="0"/>
+          <a:chOff x="0" y="0"/>
+          <a:chExt cx="0" cy="0"/>
+        </a:xfrm>
+      </p:grpSpPr>
+      <p:sp>
+        <p:nvSpPr>
+          <p:cNvPr id="2" name="Title 1"/>
+          <p:cNvSpPr>
+            <a:spLocks noGrp="1"/>
+          </p:cNvSpPr>
+          <p:nvPr>
+            <p:ph type="title"/>
+          </p:nvPr>
+        </p:nvSpPr>
+        <p:spPr/>
+        <p:txBody>
+          <a:bodyPr/>
+          <a:lstStyle/>
+          <a:p>
+            <a:endParaRPr lang="en-GB"/>
+          </a:p>
+        </p:txBody>
+      </p:sp>
+      <p:sp>
+        <p:nvSpPr>
+          <p:cNvPr id="3" name="Content Placeholder 2"/>
+          <p:cNvSpPr>
+            <a:spLocks noGrp="1"/>
+          </p:cNvSpPr>
+          <p:nvPr>
+            <p:ph idx="1"/>
+          </p:nvPr>
+        </p:nvSpPr>
+        <p:spPr/>
+        <p:txBody>
+          <a:bodyPr>
+            <a:normAutofit fontScale="92500" lnSpcReduction="20000"/>
+          </a:bodyPr>
+          <a:lstStyle/>
+          <a:p>
+            <a:r>
+              <a:rPr lang="pl-PL" dirty="0" smtClean="0"/>
+              <a:t>Kiedy </a:t>
+            </a:r>
+            <a:r>
+              <a:rPr lang="pl-PL" dirty="0"/>
+              <a:t>recenzent dostarcza programiście dobrych komentarzy, skupia się na problemie występującym w kodzie, a nie na osobie. Recenzent wyja- śnia, dlaczego kod przedstawiony do przeglądu nie jest dobry oraz wskazuje na problemy, jakie może on powodować. Następnie sugeruje programiście sposób, w jaki kod można naprawić. Komentarze dostarczane przez recenzenta mają na celu wyłącznie poprawienie jakości kodu przedstawionego do oceny przez programistę.</a:t>
+            </a:r>
+            <a:r>
+              <a:rPr lang="pl-PL" dirty="0"/>
+              <a:t> </a:t>
+            </a:r>
+            <a:br>
+              <a:rPr lang="pl-PL" dirty="0"/>
+            </a:br>
+            <a:endParaRPr lang="en-GB" dirty="0"/>
+          </a:p>
+        </p:txBody>
+      </p:sp>
+    </p:spTree>
+    <p:extLst>
+      <p:ext uri="{BB962C8B-B14F-4D97-AF65-F5344CB8AC3E}">
+        <p14:creationId xmlns:p14="http://schemas.microsoft.com/office/powerpoint/2010/main" val="3944635573"/>
+      </p:ext>
+    </p:extLst>
+  </p:cSld>
+  <p:clrMapOvr>
+    <a:masterClrMapping/>
+  </p:clrMapOvr>
+</p:sld>
+</file>
+
+<file path=ppt/slides/slide78.xml><?xml version="1.0" encoding="utf-8"?>
+<p:sld xmlns:a="http://schemas.openxmlformats.org/drawingml/2006/main" xmlns:r="http://schemas.openxmlformats.org/officeDocument/2006/relationships" xmlns:p="http://schemas.openxmlformats.org/presentationml/2006/main">
+  <p:cSld>
+    <p:spTree>
+      <p:nvGrpSpPr>
+        <p:cNvPr id="1" name=""/>
+        <p:cNvGrpSpPr/>
+        <p:nvPr/>
+      </p:nvGrpSpPr>
+      <p:grpSpPr>
+        <a:xfrm>
+          <a:off x="0" y="0"/>
+          <a:ext cx="0" cy="0"/>
+          <a:chOff x="0" y="0"/>
+          <a:chExt cx="0" cy="0"/>
+        </a:xfrm>
+      </p:grpSpPr>
+      <p:sp>
+        <p:nvSpPr>
+          <p:cNvPr id="2" name="Title 1"/>
+          <p:cNvSpPr>
+            <a:spLocks noGrp="1"/>
+          </p:cNvSpPr>
+          <p:nvPr>
+            <p:ph type="title"/>
+          </p:nvPr>
+        </p:nvSpPr>
+        <p:spPr/>
+        <p:txBody>
+          <a:bodyPr/>
+          <a:lstStyle/>
+          <a:p>
+            <a:endParaRPr lang="en-GB"/>
+          </a:p>
+        </p:txBody>
+      </p:sp>
+      <p:sp>
+        <p:nvSpPr>
+          <p:cNvPr id="3" name="Content Placeholder 2"/>
+          <p:cNvSpPr>
+            <a:spLocks noGrp="1"/>
+          </p:cNvSpPr>
+          <p:nvPr>
+            <p:ph idx="1"/>
+          </p:nvPr>
+        </p:nvSpPr>
+        <p:spPr/>
+        <p:txBody>
+          <a:bodyPr/>
+          <a:lstStyle/>
+          <a:p>
+            <a:r>
+              <a:rPr lang="pl-PL" dirty="0"/>
+              <a:t>Recenzent kodu powinien jednak zawsze dążyć do tego, aby jego komentarze były konstruktywne. Zespół, którego członkowie są szczęśliwi, pracuje z wysoką wydajnością. Zespół zdemotywowany nie jest wydajny i wyrządza szkody w projekcie. Z tego powodu zawsze staraj się, by zespół był zmotywowany. W tym celu przekazuj dobre komentarze.</a:t>
+            </a:r>
+            <a:r>
+              <a:rPr lang="pl-PL" dirty="0"/>
+              <a:t> </a:t>
+            </a:r>
+            <a:br>
+              <a:rPr lang="pl-PL" dirty="0"/>
+            </a:br>
+            <a:endParaRPr lang="en-GB" dirty="0"/>
+          </a:p>
+        </p:txBody>
+      </p:sp>
+    </p:spTree>
+    <p:extLst>
+      <p:ext uri="{BB962C8B-B14F-4D97-AF65-F5344CB8AC3E}">
+        <p14:creationId xmlns:p14="http://schemas.microsoft.com/office/powerpoint/2010/main" val="2444289283"/>
+      </p:ext>
+    </p:extLst>
+  </p:cSld>
+  <p:clrMapOvr>
+    <a:masterClrMapping/>
+  </p:clrMapOvr>
+</p:sld>
+</file>
+
+<file path=ppt/slides/slide79.xml><?xml version="1.0" encoding="utf-8"?>
+<p:sld xmlns:a="http://schemas.openxmlformats.org/drawingml/2006/main" xmlns:r="http://schemas.openxmlformats.org/officeDocument/2006/relationships" xmlns:p="http://schemas.openxmlformats.org/presentationml/2006/main">
+  <p:cSld>
+    <p:spTree>
+      <p:nvGrpSpPr>
+        <p:cNvPr id="1" name=""/>
+        <p:cNvGrpSpPr/>
+        <p:nvPr/>
+      </p:nvGrpSpPr>
+      <p:grpSpPr>
+        <a:xfrm>
+          <a:off x="0" y="0"/>
+          <a:ext cx="0" cy="0"/>
+          <a:chOff x="0" y="0"/>
+          <a:chExt cx="0" cy="0"/>
+        </a:xfrm>
+      </p:grpSpPr>
+      <p:sp>
+        <p:nvSpPr>
+          <p:cNvPr id="2" name="Title 1"/>
+          <p:cNvSpPr>
+            <a:spLocks noGrp="1"/>
+          </p:cNvSpPr>
+          <p:nvPr>
+            <p:ph type="title"/>
+          </p:nvPr>
+        </p:nvSpPr>
+        <p:spPr/>
+        <p:txBody>
+          <a:bodyPr/>
+          <a:lstStyle/>
+          <a:p>
+            <a:endParaRPr lang="en-GB"/>
+          </a:p>
+        </p:txBody>
+      </p:sp>
+      <p:sp>
+        <p:nvSpPr>
+          <p:cNvPr id="3" name="Content Placeholder 2"/>
+          <p:cNvSpPr>
+            <a:spLocks noGrp="1"/>
+          </p:cNvSpPr>
+          <p:nvPr>
+            <p:ph idx="1"/>
+          </p:nvPr>
+        </p:nvSpPr>
+        <p:spPr/>
+        <p:txBody>
+          <a:bodyPr>
+            <a:normAutofit fontScale="85000" lnSpcReduction="20000"/>
+          </a:bodyPr>
+          <a:lstStyle/>
+          <a:p>
+            <a:r>
+              <a:rPr lang="pl-PL" dirty="0"/>
+              <a:t>Do przekazywania pozytywnej krytyki można wykorzystać technikę „kanapki z opiniami” (ang. </a:t>
+            </a:r>
+            <a:r>
+              <a:rPr lang="pl-PL" i="1" dirty="0"/>
+              <a:t>feedback sandwich</a:t>
+            </a:r>
+            <a:r>
+              <a:rPr lang="pl-PL" dirty="0"/>
+              <a:t>). Zaczynasz od pochwał za to, co było dobre, następnie prezentujesz konstruktywną krytykę i na koniec przekazujesz dalsze pochwały. Technika ta może być bardzo</a:t>
+            </a:r>
+            <a:r>
+              <a:rPr lang="pl-PL" dirty="0"/>
+              <a:t> </a:t>
+            </a:r>
+            <a:r>
+              <a:rPr lang="pl-PL" dirty="0"/>
+              <a:t>przydatna, jeśli w zespole są osoby, które źle reagują na jakąkolwiek formę krytyki. Twoje kompetencje miękkie polegające na umiejętności postępowania z ludźmi są równie ważne jak umiejętności programowania oraz dostarczania kodu wysokiej jakości. </a:t>
+            </a:r>
+            <a:r>
+              <a:rPr lang="pl-PL" dirty="0"/>
+              <a:t/>
+            </a:r>
+            <a:br>
+              <a:rPr lang="pl-PL" dirty="0"/>
+            </a:br>
+            <a:endParaRPr lang="en-GB" dirty="0"/>
+          </a:p>
+        </p:txBody>
+      </p:sp>
+    </p:spTree>
+    <p:extLst>
+      <p:ext uri="{BB962C8B-B14F-4D97-AF65-F5344CB8AC3E}">
+        <p14:creationId xmlns:p14="http://schemas.microsoft.com/office/powerpoint/2010/main" val="1340025676"/>
+      </p:ext>
+    </p:extLst>
+  </p:cSld>
+  <p:clrMapOvr>
+    <a:masterClrMapping/>
+  </p:clrMapOvr>
+</p:sld>
+</file>
+
 <file path=ppt/slides/slide8.xml><?xml version="1.0" encoding="utf-8"?>
 <p:sld xmlns:a="http://schemas.openxmlformats.org/drawingml/2006/main" xmlns:r="http://schemas.openxmlformats.org/officeDocument/2006/relationships" xmlns:p="http://schemas.openxmlformats.org/presentationml/2006/main">
   <p:cSld>
@@ -14051,6 +14300,187 @@
     <p:extLst>
       <p:ext uri="{BB962C8B-B14F-4D97-AF65-F5344CB8AC3E}">
         <p14:creationId xmlns:p14="http://schemas.microsoft.com/office/powerpoint/2010/main" val="2909104087"/>
+      </p:ext>
+    </p:extLst>
+  </p:cSld>
+  <p:clrMapOvr>
+    <a:masterClrMapping/>
+  </p:clrMapOvr>
+</p:sld>
+</file>
+
+<file path=ppt/slides/slide80.xml><?xml version="1.0" encoding="utf-8"?>
+<p:sld xmlns:a="http://schemas.openxmlformats.org/drawingml/2006/main" xmlns:r="http://schemas.openxmlformats.org/officeDocument/2006/relationships" xmlns:p="http://schemas.openxmlformats.org/presentationml/2006/main">
+  <p:cSld>
+    <p:spTree>
+      <p:nvGrpSpPr>
+        <p:cNvPr id="1" name=""/>
+        <p:cNvGrpSpPr/>
+        <p:nvPr/>
+      </p:nvGrpSpPr>
+      <p:grpSpPr>
+        <a:xfrm>
+          <a:off x="0" y="0"/>
+          <a:ext cx="0" cy="0"/>
+          <a:chOff x="0" y="0"/>
+          <a:chExt cx="0" cy="0"/>
+        </a:xfrm>
+      </p:grpSpPr>
+      <p:sp>
+        <p:nvSpPr>
+          <p:cNvPr id="2" name="Title 1"/>
+          <p:cNvSpPr>
+            <a:spLocks noGrp="1"/>
+          </p:cNvSpPr>
+          <p:nvPr>
+            <p:ph type="title"/>
+          </p:nvPr>
+        </p:nvSpPr>
+        <p:spPr/>
+        <p:txBody>
+          <a:bodyPr/>
+          <a:lstStyle/>
+          <a:p>
+            <a:endParaRPr lang="en-GB"/>
+          </a:p>
+        </p:txBody>
+      </p:sp>
+      <p:pic>
+        <p:nvPicPr>
+          <p:cNvPr id="2050" name="Picture 2"/>
+          <p:cNvPicPr>
+            <a:picLocks noChangeAspect="1" noChangeArrowheads="1"/>
+          </p:cNvPicPr>
+          <p:nvPr/>
+        </p:nvPicPr>
+        <p:blipFill>
+          <a:blip r:embed="rId2">
+            <a:extLst>
+              <a:ext uri="{28A0092B-C50C-407E-A947-70E740481C1C}">
+                <a14:useLocalDpi xmlns:a14="http://schemas.microsoft.com/office/drawing/2010/main" val="0"/>
+              </a:ext>
+            </a:extLst>
+          </a:blip>
+          <a:srcRect/>
+          <a:stretch>
+            <a:fillRect/>
+          </a:stretch>
+        </p:blipFill>
+        <p:spPr bwMode="auto">
+          <a:xfrm>
+            <a:off x="1885950" y="2125663"/>
+            <a:ext cx="5372100" cy="2606675"/>
+          </a:xfrm>
+          <a:prstGeom prst="rect">
+            <a:avLst/>
+          </a:prstGeom>
+          <a:noFill/>
+          <a:ln>
+            <a:noFill/>
+          </a:ln>
+          <a:effectLst/>
+          <a:extLst>
+            <a:ext uri="{909E8E84-426E-40DD-AFC4-6F175D3DCCD1}">
+              <a14:hiddenFill xmlns:a14="http://schemas.microsoft.com/office/drawing/2010/main">
+                <a:solidFill>
+                  <a:schemeClr val="accent1"/>
+                </a:solidFill>
+              </a14:hiddenFill>
+            </a:ext>
+            <a:ext uri="{91240B29-F687-4F45-9708-019B960494DF}">
+              <a14:hiddenLine xmlns:a14="http://schemas.microsoft.com/office/drawing/2010/main" w="9525">
+                <a:solidFill>
+                  <a:schemeClr val="tx1"/>
+                </a:solidFill>
+                <a:miter lim="800000"/>
+                <a:headEnd/>
+                <a:tailEnd/>
+              </a14:hiddenLine>
+            </a:ext>
+            <a:ext uri="{AF507438-7753-43E0-B8FC-AC1667EBCBE1}">
+              <a14:hiddenEffects xmlns:a14="http://schemas.microsoft.com/office/drawing/2010/main">
+                <a:effectLst>
+                  <a:outerShdw dist="35921" dir="2700000" algn="ctr" rotWithShape="0">
+                    <a:schemeClr val="bg2"/>
+                  </a:outerShdw>
+                </a:effectLst>
+              </a14:hiddenEffects>
+            </a:ext>
+          </a:extLst>
+        </p:spPr>
+      </p:pic>
+    </p:spTree>
+    <p:extLst>
+      <p:ext uri="{BB962C8B-B14F-4D97-AF65-F5344CB8AC3E}">
+        <p14:creationId xmlns:p14="http://schemas.microsoft.com/office/powerpoint/2010/main" val="2654474198"/>
+      </p:ext>
+    </p:extLst>
+  </p:cSld>
+  <p:clrMapOvr>
+    <a:masterClrMapping/>
+  </p:clrMapOvr>
+</p:sld>
+</file>
+
+<file path=ppt/slides/slide81.xml><?xml version="1.0" encoding="utf-8"?>
+<p:sld xmlns:a="http://schemas.openxmlformats.org/drawingml/2006/main" xmlns:r="http://schemas.openxmlformats.org/officeDocument/2006/relationships" xmlns:p="http://schemas.openxmlformats.org/presentationml/2006/main">
+  <p:cSld>
+    <p:spTree>
+      <p:nvGrpSpPr>
+        <p:cNvPr id="1" name=""/>
+        <p:cNvGrpSpPr/>
+        <p:nvPr/>
+      </p:nvGrpSpPr>
+      <p:grpSpPr>
+        <a:xfrm>
+          <a:off x="0" y="0"/>
+          <a:ext cx="0" cy="0"/>
+          <a:chOff x="0" y="0"/>
+          <a:chExt cx="0" cy="0"/>
+        </a:xfrm>
+      </p:grpSpPr>
+      <p:sp>
+        <p:nvSpPr>
+          <p:cNvPr id="2" name="Title 1"/>
+          <p:cNvSpPr>
+            <a:spLocks noGrp="1"/>
+          </p:cNvSpPr>
+          <p:nvPr>
+            <p:ph type="title"/>
+          </p:nvPr>
+        </p:nvSpPr>
+        <p:spPr/>
+        <p:txBody>
+          <a:bodyPr/>
+          <a:lstStyle/>
+          <a:p>
+            <a:endParaRPr lang="en-GB"/>
+          </a:p>
+        </p:txBody>
+      </p:sp>
+      <p:sp>
+        <p:nvSpPr>
+          <p:cNvPr id="3" name="Content Placeholder 2"/>
+          <p:cNvSpPr>
+            <a:spLocks noGrp="1"/>
+          </p:cNvSpPr>
+          <p:nvPr>
+            <p:ph idx="1"/>
+          </p:nvPr>
+        </p:nvSpPr>
+        <p:spPr/>
+        <p:txBody>
+          <a:bodyPr/>
+          <a:lstStyle/>
+          <a:p>
+            <a:endParaRPr lang="en-GB"/>
+          </a:p>
+        </p:txBody>
+      </p:sp>
+    </p:spTree>
+    <p:extLst>
+      <p:ext uri="{BB962C8B-B14F-4D97-AF65-F5344CB8AC3E}">
+        <p14:creationId xmlns:p14="http://schemas.microsoft.com/office/powerpoint/2010/main" val="2479461009"/>
       </p:ext>
     </p:extLst>
   </p:cSld>
@@ -14161,11 +14591,7 @@
             <a:pPr lvl="1"/>
             <a:r>
               <a:rPr lang="pl-PL" dirty="0" smtClean="0"/>
-              <a:t>W</a:t>
-            </a:r>
-            <a:r>
-              <a:rPr lang="pl-PL" dirty="0" smtClean="0"/>
-              <a:t>ysokopoziomowy </a:t>
+              <a:t>Wysokopoziomowy </a:t>
             </a:r>
             <a:r>
               <a:rPr lang="pl-PL" dirty="0"/>
